--- a/17_CategoricalCHIsquare/17-Roudaut-stats- ChiSquare-30min.pptx
+++ b/17_CategoricalCHIsquare/17-Roudaut-stats- ChiSquare-30min.pptx
@@ -5,10 +5,10 @@
     <p:sldMasterId id="2147483648" r:id="rId1"/>
   </p:sldMasterIdLst>
   <p:notesMasterIdLst>
-    <p:notesMasterId r:id="rId45"/>
+    <p:notesMasterId r:id="rId46"/>
   </p:notesMasterIdLst>
   <p:handoutMasterIdLst>
-    <p:handoutMasterId r:id="rId46"/>
+    <p:handoutMasterId r:id="rId47"/>
   </p:handoutMasterIdLst>
   <p:sldIdLst>
     <p:sldId id="2334" r:id="rId2"/>
@@ -17,43 +17,44 @@
     <p:sldId id="2739" r:id="rId5"/>
     <p:sldId id="2740" r:id="rId6"/>
     <p:sldId id="2742" r:id="rId7"/>
-    <p:sldId id="2743" r:id="rId8"/>
-    <p:sldId id="2745" r:id="rId9"/>
-    <p:sldId id="2747" r:id="rId10"/>
-    <p:sldId id="2746" r:id="rId11"/>
-    <p:sldId id="2748" r:id="rId12"/>
-    <p:sldId id="2749" r:id="rId13"/>
-    <p:sldId id="2750" r:id="rId14"/>
-    <p:sldId id="2741" r:id="rId15"/>
-    <p:sldId id="2751" r:id="rId16"/>
-    <p:sldId id="2756" r:id="rId17"/>
-    <p:sldId id="2752" r:id="rId18"/>
-    <p:sldId id="2757" r:id="rId19"/>
-    <p:sldId id="2753" r:id="rId20"/>
-    <p:sldId id="2758" r:id="rId21"/>
-    <p:sldId id="2755" r:id="rId22"/>
-    <p:sldId id="2736" r:id="rId23"/>
-    <p:sldId id="2759" r:id="rId24"/>
-    <p:sldId id="2734" r:id="rId25"/>
-    <p:sldId id="2735" r:id="rId26"/>
-    <p:sldId id="2761" r:id="rId27"/>
-    <p:sldId id="2760" r:id="rId28"/>
-    <p:sldId id="2762" r:id="rId29"/>
-    <p:sldId id="2763" r:id="rId30"/>
-    <p:sldId id="2770" r:id="rId31"/>
-    <p:sldId id="2768" r:id="rId32"/>
-    <p:sldId id="2769" r:id="rId33"/>
-    <p:sldId id="2771" r:id="rId34"/>
-    <p:sldId id="2772" r:id="rId35"/>
-    <p:sldId id="2766" r:id="rId36"/>
-    <p:sldId id="2773" r:id="rId37"/>
-    <p:sldId id="2704" r:id="rId38"/>
-    <p:sldId id="2523" r:id="rId39"/>
-    <p:sldId id="2754" r:id="rId40"/>
-    <p:sldId id="2220" r:id="rId41"/>
-    <p:sldId id="2337" r:id="rId42"/>
-    <p:sldId id="2349" r:id="rId43"/>
-    <p:sldId id="2118" r:id="rId44"/>
+    <p:sldId id="2745" r:id="rId8"/>
+    <p:sldId id="2747" r:id="rId9"/>
+    <p:sldId id="2746" r:id="rId10"/>
+    <p:sldId id="2748" r:id="rId11"/>
+    <p:sldId id="2749" r:id="rId12"/>
+    <p:sldId id="2743" r:id="rId13"/>
+    <p:sldId id="2774" r:id="rId14"/>
+    <p:sldId id="2750" r:id="rId15"/>
+    <p:sldId id="2741" r:id="rId16"/>
+    <p:sldId id="2751" r:id="rId17"/>
+    <p:sldId id="2756" r:id="rId18"/>
+    <p:sldId id="2752" r:id="rId19"/>
+    <p:sldId id="2757" r:id="rId20"/>
+    <p:sldId id="2753" r:id="rId21"/>
+    <p:sldId id="2758" r:id="rId22"/>
+    <p:sldId id="2755" r:id="rId23"/>
+    <p:sldId id="2736" r:id="rId24"/>
+    <p:sldId id="2759" r:id="rId25"/>
+    <p:sldId id="2734" r:id="rId26"/>
+    <p:sldId id="2735" r:id="rId27"/>
+    <p:sldId id="2761" r:id="rId28"/>
+    <p:sldId id="2760" r:id="rId29"/>
+    <p:sldId id="2762" r:id="rId30"/>
+    <p:sldId id="2763" r:id="rId31"/>
+    <p:sldId id="2770" r:id="rId32"/>
+    <p:sldId id="2768" r:id="rId33"/>
+    <p:sldId id="2769" r:id="rId34"/>
+    <p:sldId id="2771" r:id="rId35"/>
+    <p:sldId id="2772" r:id="rId36"/>
+    <p:sldId id="2766" r:id="rId37"/>
+    <p:sldId id="2773" r:id="rId38"/>
+    <p:sldId id="2704" r:id="rId39"/>
+    <p:sldId id="2523" r:id="rId40"/>
+    <p:sldId id="2754" r:id="rId41"/>
+    <p:sldId id="2220" r:id="rId42"/>
+    <p:sldId id="2337" r:id="rId43"/>
+    <p:sldId id="2349" r:id="rId44"/>
+    <p:sldId id="2118" r:id="rId45"/>
   </p:sldIdLst>
   <p:sldSz cx="9144000" cy="6858000" type="screen4x3"/>
   <p:notesSz cx="6858000" cy="9144000"/>
@@ -309,7 +310,7 @@
           <a:p>
             <a:fld id="{B77B708F-3235-C64B-8943-6972A9434C3B}" type="datetimeFigureOut">
               <a:rPr lang="en-US" smtClean="0"/>
-              <a:t>12/6/18</a:t>
+              <a:t>12/10/18</a:t>
             </a:fld>
             <a:endParaRPr lang="en-US"/>
           </a:p>
@@ -545,14 +546,14 @@
           </a:ln>
           <a:extLst>
             <a:ext uri="{909E8E84-426E-40dd-AFC4-6F175D3DCCD1}">
-              <a14:hiddenFill xmlns:a14="http://schemas.microsoft.com/office/drawing/2010/main" xmlns="">
+              <a14:hiddenFill xmlns="" xmlns:a14="http://schemas.microsoft.com/office/drawing/2010/main">
                 <a:solidFill>
                   <a:srgbClr val="FFFFFF"/>
                 </a:solidFill>
               </a14:hiddenFill>
             </a:ext>
             <a:ext uri="{FAA26D3D-D897-4be2-8F04-BA451C77F1D7}">
-              <ma14:placeholderFlag xmlns:ma14="http://schemas.microsoft.com/office/mac/drawingml/2011/main" xmlns="" val="1"/>
+              <ma14:placeholderFlag xmlns="" xmlns:ma14="http://schemas.microsoft.com/office/mac/drawingml/2011/main" val="1"/>
             </a:ext>
           </a:extLst>
         </p:spPr>
@@ -904,7 +905,7 @@
     </p:spTree>
     <p:extLst>
       <p:ext uri="{BB962C8B-B14F-4D97-AF65-F5344CB8AC3E}">
-        <p14:creationId xmlns:p14="http://schemas.microsoft.com/office/powerpoint/2010/main" val="1697391470"/>
+        <p14:creationId xmlns:p14="http://schemas.microsoft.com/office/powerpoint/2010/main" val="991637109"/>
       </p:ext>
     </p:extLst>
   </p:cSld>
@@ -965,7 +966,7 @@
     </p:spTree>
     <p:extLst>
       <p:ext uri="{BB962C8B-B14F-4D97-AF65-F5344CB8AC3E}">
-        <p14:creationId xmlns:p14="http://schemas.microsoft.com/office/powerpoint/2010/main" val="1070310803"/>
+        <p14:creationId xmlns:p14="http://schemas.microsoft.com/office/powerpoint/2010/main" val="885375174"/>
       </p:ext>
     </p:extLst>
   </p:cSld>
@@ -1019,14 +1020,14 @@
           <a:bodyPr/>
           <a:lstStyle/>
           <a:p>
-            <a:endParaRPr lang="en-US" dirty="0"/>
+            <a:endParaRPr lang="en-US" b="0" dirty="0"/>
           </a:p>
         </p:txBody>
       </p:sp>
     </p:spTree>
     <p:extLst>
       <p:ext uri="{BB962C8B-B14F-4D97-AF65-F5344CB8AC3E}">
-        <p14:creationId xmlns:p14="http://schemas.microsoft.com/office/powerpoint/2010/main" val="2448133092"/>
+        <p14:creationId xmlns:p14="http://schemas.microsoft.com/office/powerpoint/2010/main" val="1063129104"/>
       </p:ext>
     </p:extLst>
   </p:cSld>
@@ -1087,7 +1088,7 @@
     </p:spTree>
     <p:extLst>
       <p:ext uri="{BB962C8B-B14F-4D97-AF65-F5344CB8AC3E}">
-        <p14:creationId xmlns:p14="http://schemas.microsoft.com/office/powerpoint/2010/main" val="2818885377"/>
+        <p14:creationId xmlns:p14="http://schemas.microsoft.com/office/powerpoint/2010/main" val="1070310803"/>
       </p:ext>
     </p:extLst>
   </p:cSld>
@@ -1141,39 +1142,14 @@
           <a:bodyPr/>
           <a:lstStyle/>
           <a:p>
-            <a:pPr marL="0" marR="0" lvl="0" indent="0" algn="l" defTabSz="914400" rtl="0" eaLnBrk="0" fontAlgn="base" latinLnBrk="0" hangingPunct="0">
-              <a:lnSpc>
-                <a:spcPct val="100000"/>
-              </a:lnSpc>
-              <a:spcBef>
-                <a:spcPct val="30000"/>
-              </a:spcBef>
-              <a:spcAft>
-                <a:spcPct val="0"/>
-              </a:spcAft>
-              <a:buClrTx/>
-              <a:buSzTx/>
-              <a:buFontTx/>
-              <a:buNone/>
-              <a:tabLst/>
-              <a:defRPr/>
-            </a:pPr>
-            <a:endParaRPr lang="en-GB" sz="1200" kern="1200" dirty="0">
-              <a:solidFill>
-                <a:schemeClr val="tx1"/>
-              </a:solidFill>
-              <a:effectLst/>
-              <a:latin typeface="Arial" pitchFamily="-112" charset="0"/>
-              <a:ea typeface="ＭＳ Ｐゴシック" charset="0"/>
-              <a:cs typeface="Arial" pitchFamily="-112" charset="0"/>
-            </a:endParaRPr>
+            <a:endParaRPr lang="en-US" dirty="0"/>
           </a:p>
         </p:txBody>
       </p:sp>
     </p:spTree>
     <p:extLst>
       <p:ext uri="{BB962C8B-B14F-4D97-AF65-F5344CB8AC3E}">
-        <p14:creationId xmlns:p14="http://schemas.microsoft.com/office/powerpoint/2010/main" val="4096832820"/>
+        <p14:creationId xmlns:p14="http://schemas.microsoft.com/office/powerpoint/2010/main" val="2448133092"/>
       </p:ext>
     </p:extLst>
   </p:cSld>
@@ -1227,143 +1203,14 @@
           <a:bodyPr/>
           <a:lstStyle/>
           <a:p>
-            <a:pPr marL="0" marR="0" lvl="0" indent="0" algn="l" defTabSz="914400" rtl="0" eaLnBrk="0" fontAlgn="base" latinLnBrk="0" hangingPunct="0">
-              <a:lnSpc>
-                <a:spcPct val="100000"/>
-              </a:lnSpc>
-              <a:spcBef>
-                <a:spcPct val="30000"/>
-              </a:spcBef>
-              <a:spcAft>
-                <a:spcPct val="0"/>
-              </a:spcAft>
-              <a:buClrTx/>
-              <a:buSzTx/>
-              <a:buFontTx/>
-              <a:buNone/>
-              <a:tabLst/>
-              <a:defRPr/>
-            </a:pPr>
-            <a:r>
-              <a:rPr lang="en-GB" sz="1200" b="1" kern="1200" dirty="0" err="1">
-                <a:solidFill>
-                  <a:schemeClr val="tx1"/>
-                </a:solidFill>
-                <a:effectLst/>
-                <a:latin typeface="Arial" pitchFamily="-112" charset="0"/>
-                <a:ea typeface="ＭＳ Ｐゴシック" charset="0"/>
-                <a:cs typeface="Arial" pitchFamily="-112" charset="0"/>
-              </a:rPr>
-              <a:t>pchisq</a:t>
-            </a:r>
-            <a:r>
-              <a:rPr lang="en-GB" dirty="0"/>
-              <a:t>(</a:t>
-            </a:r>
-            <a:r>
-              <a:rPr lang="en-GB" sz="1200" kern="1200" dirty="0">
-                <a:solidFill>
-                  <a:schemeClr val="tx1"/>
-                </a:solidFill>
-                <a:effectLst/>
-                <a:latin typeface="Arial" pitchFamily="-112" charset="0"/>
-                <a:ea typeface="ＭＳ Ｐゴシック" charset="0"/>
-                <a:cs typeface="Arial" pitchFamily="-112" charset="0"/>
-              </a:rPr>
-              <a:t>0.43</a:t>
-            </a:r>
-            <a:r>
-              <a:rPr lang="en-GB" dirty="0"/>
-              <a:t>, </a:t>
-            </a:r>
-            <a:r>
-              <a:rPr lang="en-GB" sz="1200" kern="1200" dirty="0" err="1">
-                <a:solidFill>
-                  <a:schemeClr val="tx1"/>
-                </a:solidFill>
-                <a:effectLst/>
-                <a:latin typeface="Arial" pitchFamily="-112" charset="0"/>
-                <a:ea typeface="ＭＳ Ｐゴシック" charset="0"/>
-                <a:cs typeface="Arial" pitchFamily="-112" charset="0"/>
-              </a:rPr>
-              <a:t>df</a:t>
-            </a:r>
-            <a:r>
-              <a:rPr lang="en-GB" sz="1200" kern="1200" dirty="0">
-                <a:solidFill>
-                  <a:schemeClr val="tx1"/>
-                </a:solidFill>
-                <a:effectLst/>
-                <a:latin typeface="Arial" pitchFamily="-112" charset="0"/>
-                <a:ea typeface="ＭＳ Ｐゴシック" charset="0"/>
-                <a:cs typeface="Arial" pitchFamily="-112" charset="0"/>
-              </a:rPr>
-              <a:t>=2</a:t>
-            </a:r>
-            <a:r>
-              <a:rPr lang="en-GB" dirty="0"/>
-              <a:t>, </a:t>
-            </a:r>
-            <a:r>
-              <a:rPr lang="en-GB" sz="1200" kern="1200" dirty="0" err="1">
-                <a:solidFill>
-                  <a:schemeClr val="tx1"/>
-                </a:solidFill>
-                <a:effectLst/>
-                <a:latin typeface="Arial" pitchFamily="-112" charset="0"/>
-                <a:ea typeface="ＭＳ Ｐゴシック" charset="0"/>
-                <a:cs typeface="Arial" pitchFamily="-112" charset="0"/>
-              </a:rPr>
-              <a:t>lower.tail</a:t>
-            </a:r>
-            <a:r>
-              <a:rPr lang="en-GB" sz="1200" kern="1200" dirty="0">
-                <a:solidFill>
-                  <a:schemeClr val="tx1"/>
-                </a:solidFill>
-                <a:effectLst/>
-                <a:latin typeface="Arial" pitchFamily="-112" charset="0"/>
-                <a:ea typeface="ＭＳ Ｐゴシック" charset="0"/>
-                <a:cs typeface="Arial" pitchFamily="-112" charset="0"/>
-              </a:rPr>
-              <a:t> =</a:t>
-            </a:r>
-            <a:r>
-              <a:rPr lang="en-GB" dirty="0"/>
-              <a:t> </a:t>
-            </a:r>
-            <a:r>
-              <a:rPr lang="en-GB" sz="1200" kern="1200" dirty="0">
-                <a:solidFill>
-                  <a:schemeClr val="tx1"/>
-                </a:solidFill>
-                <a:effectLst/>
-                <a:latin typeface="Arial" pitchFamily="-112" charset="0"/>
-                <a:ea typeface="ＭＳ Ｐゴシック" charset="0"/>
-                <a:cs typeface="Arial" pitchFamily="-112" charset="0"/>
-              </a:rPr>
-              <a:t>FALSE</a:t>
-            </a:r>
-            <a:r>
-              <a:rPr lang="en-GB" dirty="0"/>
-              <a:t>)</a:t>
-            </a:r>
-            <a:endParaRPr lang="en-GB" sz="1200" kern="1200" dirty="0">
-              <a:solidFill>
-                <a:schemeClr val="tx1"/>
-              </a:solidFill>
-              <a:effectLst/>
-              <a:latin typeface="Arial" pitchFamily="-112" charset="0"/>
-              <a:ea typeface="ＭＳ Ｐゴシック" charset="0"/>
-              <a:cs typeface="Arial" pitchFamily="-112" charset="0"/>
-            </a:endParaRPr>
+            <a:endParaRPr lang="en-US" dirty="0"/>
           </a:p>
         </p:txBody>
       </p:sp>
     </p:spTree>
     <p:extLst>
       <p:ext uri="{BB962C8B-B14F-4D97-AF65-F5344CB8AC3E}">
-        <p14:creationId xmlns:p14="http://schemas.microsoft.com/office/powerpoint/2010/main" val="1141542427"/>
+        <p14:creationId xmlns:p14="http://schemas.microsoft.com/office/powerpoint/2010/main" val="2818885377"/>
       </p:ext>
     </p:extLst>
   </p:cSld>
@@ -1434,41 +1281,22 @@
               <a:tabLst/>
               <a:defRPr/>
             </a:pPr>
-            <a:r>
-              <a:rPr lang="en-US" dirty="0"/>
-              <a:t>https://</a:t>
-            </a:r>
-            <a:r>
-              <a:rPr lang="en-US" dirty="0" err="1"/>
-              <a:t>web.stanford.edu</a:t>
-            </a:r>
-            <a:r>
-              <a:rPr lang="en-US" dirty="0"/>
-              <a:t>/class/psych252/</a:t>
-            </a:r>
-            <a:r>
-              <a:rPr lang="en-US" dirty="0" err="1"/>
-              <a:t>cheatsheets</a:t>
-            </a:r>
-            <a:r>
-              <a:rPr lang="en-US" dirty="0"/>
-              <a:t>/</a:t>
-            </a:r>
-            <a:r>
-              <a:rPr lang="en-US" dirty="0" err="1"/>
-              <a:t>chisquare.html</a:t>
-            </a:r>
-            <a:endParaRPr lang="en-US" dirty="0"/>
-          </a:p>
-          <a:p>
-            <a:endParaRPr lang="en-US" b="0" dirty="0"/>
+            <a:endParaRPr lang="en-GB" sz="1200" kern="1200" dirty="0">
+              <a:solidFill>
+                <a:schemeClr val="tx1"/>
+              </a:solidFill>
+              <a:effectLst/>
+              <a:latin typeface="Arial" pitchFamily="-112" charset="0"/>
+              <a:ea typeface="ＭＳ Ｐゴシック" charset="0"/>
+              <a:cs typeface="Arial" pitchFamily="-112" charset="0"/>
+            </a:endParaRPr>
           </a:p>
         </p:txBody>
       </p:sp>
     </p:spTree>
     <p:extLst>
       <p:ext uri="{BB962C8B-B14F-4D97-AF65-F5344CB8AC3E}">
-        <p14:creationId xmlns:p14="http://schemas.microsoft.com/office/powerpoint/2010/main" val="3593502200"/>
+        <p14:creationId xmlns:p14="http://schemas.microsoft.com/office/powerpoint/2010/main" val="4096832820"/>
       </p:ext>
     </p:extLst>
   </p:cSld>
@@ -1522,14 +1350,143 @@
           <a:bodyPr/>
           <a:lstStyle/>
           <a:p>
-            <a:endParaRPr lang="en-US" dirty="0"/>
+            <a:pPr marL="0" marR="0" lvl="0" indent="0" algn="l" defTabSz="914400" rtl="0" eaLnBrk="0" fontAlgn="base" latinLnBrk="0" hangingPunct="0">
+              <a:lnSpc>
+                <a:spcPct val="100000"/>
+              </a:lnSpc>
+              <a:spcBef>
+                <a:spcPct val="30000"/>
+              </a:spcBef>
+              <a:spcAft>
+                <a:spcPct val="0"/>
+              </a:spcAft>
+              <a:buClrTx/>
+              <a:buSzTx/>
+              <a:buFontTx/>
+              <a:buNone/>
+              <a:tabLst/>
+              <a:defRPr/>
+            </a:pPr>
+            <a:r>
+              <a:rPr lang="en-GB" sz="1200" b="1" kern="1200" dirty="0" err="1">
+                <a:solidFill>
+                  <a:schemeClr val="tx1"/>
+                </a:solidFill>
+                <a:effectLst/>
+                <a:latin typeface="Arial" pitchFamily="-112" charset="0"/>
+                <a:ea typeface="ＭＳ Ｐゴシック" charset="0"/>
+                <a:cs typeface="Arial" pitchFamily="-112" charset="0"/>
+              </a:rPr>
+              <a:t>pchisq</a:t>
+            </a:r>
+            <a:r>
+              <a:rPr lang="en-GB" dirty="0"/>
+              <a:t>(</a:t>
+            </a:r>
+            <a:r>
+              <a:rPr lang="en-GB" sz="1200" kern="1200" dirty="0">
+                <a:solidFill>
+                  <a:schemeClr val="tx1"/>
+                </a:solidFill>
+                <a:effectLst/>
+                <a:latin typeface="Arial" pitchFamily="-112" charset="0"/>
+                <a:ea typeface="ＭＳ Ｐゴシック" charset="0"/>
+                <a:cs typeface="Arial" pitchFamily="-112" charset="0"/>
+              </a:rPr>
+              <a:t>0.43</a:t>
+            </a:r>
+            <a:r>
+              <a:rPr lang="en-GB" dirty="0"/>
+              <a:t>, </a:t>
+            </a:r>
+            <a:r>
+              <a:rPr lang="en-GB" sz="1200" kern="1200" dirty="0" err="1">
+                <a:solidFill>
+                  <a:schemeClr val="tx1"/>
+                </a:solidFill>
+                <a:effectLst/>
+                <a:latin typeface="Arial" pitchFamily="-112" charset="0"/>
+                <a:ea typeface="ＭＳ Ｐゴシック" charset="0"/>
+                <a:cs typeface="Arial" pitchFamily="-112" charset="0"/>
+              </a:rPr>
+              <a:t>df</a:t>
+            </a:r>
+            <a:r>
+              <a:rPr lang="en-GB" sz="1200" kern="1200" dirty="0">
+                <a:solidFill>
+                  <a:schemeClr val="tx1"/>
+                </a:solidFill>
+                <a:effectLst/>
+                <a:latin typeface="Arial" pitchFamily="-112" charset="0"/>
+                <a:ea typeface="ＭＳ Ｐゴシック" charset="0"/>
+                <a:cs typeface="Arial" pitchFamily="-112" charset="0"/>
+              </a:rPr>
+              <a:t>=2</a:t>
+            </a:r>
+            <a:r>
+              <a:rPr lang="en-GB" dirty="0"/>
+              <a:t>, </a:t>
+            </a:r>
+            <a:r>
+              <a:rPr lang="en-GB" sz="1200" kern="1200" dirty="0" err="1">
+                <a:solidFill>
+                  <a:schemeClr val="tx1"/>
+                </a:solidFill>
+                <a:effectLst/>
+                <a:latin typeface="Arial" pitchFamily="-112" charset="0"/>
+                <a:ea typeface="ＭＳ Ｐゴシック" charset="0"/>
+                <a:cs typeface="Arial" pitchFamily="-112" charset="0"/>
+              </a:rPr>
+              <a:t>lower.tail</a:t>
+            </a:r>
+            <a:r>
+              <a:rPr lang="en-GB" sz="1200" kern="1200" dirty="0">
+                <a:solidFill>
+                  <a:schemeClr val="tx1"/>
+                </a:solidFill>
+                <a:effectLst/>
+                <a:latin typeface="Arial" pitchFamily="-112" charset="0"/>
+                <a:ea typeface="ＭＳ Ｐゴシック" charset="0"/>
+                <a:cs typeface="Arial" pitchFamily="-112" charset="0"/>
+              </a:rPr>
+              <a:t> =</a:t>
+            </a:r>
+            <a:r>
+              <a:rPr lang="en-GB" dirty="0"/>
+              <a:t> </a:t>
+            </a:r>
+            <a:r>
+              <a:rPr lang="en-GB" sz="1200" kern="1200" dirty="0">
+                <a:solidFill>
+                  <a:schemeClr val="tx1"/>
+                </a:solidFill>
+                <a:effectLst/>
+                <a:latin typeface="Arial" pitchFamily="-112" charset="0"/>
+                <a:ea typeface="ＭＳ Ｐゴシック" charset="0"/>
+                <a:cs typeface="Arial" pitchFamily="-112" charset="0"/>
+              </a:rPr>
+              <a:t>FALSE</a:t>
+            </a:r>
+            <a:r>
+              <a:rPr lang="en-GB" dirty="0"/>
+              <a:t>)</a:t>
+            </a:r>
+            <a:endParaRPr lang="en-GB" sz="1200" kern="1200" dirty="0">
+              <a:solidFill>
+                <a:schemeClr val="tx1"/>
+              </a:solidFill>
+              <a:effectLst/>
+              <a:latin typeface="Arial" pitchFamily="-112" charset="0"/>
+              <a:ea typeface="ＭＳ Ｐゴシック" charset="0"/>
+              <a:cs typeface="Arial" pitchFamily="-112" charset="0"/>
+            </a:endParaRPr>
           </a:p>
         </p:txBody>
       </p:sp>
     </p:spTree>
     <p:extLst>
       <p:ext uri="{BB962C8B-B14F-4D97-AF65-F5344CB8AC3E}">
-        <p14:creationId xmlns:p14="http://schemas.microsoft.com/office/powerpoint/2010/main" val="1078339810"/>
+        <p14:creationId xmlns:p14="http://schemas.microsoft.com/office/powerpoint/2010/main" val="1141542427"/>
       </p:ext>
     </p:extLst>
   </p:cSld>
@@ -1583,14 +1540,14 @@
           <a:bodyPr/>
           <a:lstStyle/>
           <a:p>
-            <a:endParaRPr lang="en-US" dirty="0"/>
+            <a:endParaRPr lang="en-US" b="0" dirty="0"/>
           </a:p>
         </p:txBody>
       </p:sp>
     </p:spTree>
     <p:extLst>
       <p:ext uri="{BB962C8B-B14F-4D97-AF65-F5344CB8AC3E}">
-        <p14:creationId xmlns:p14="http://schemas.microsoft.com/office/powerpoint/2010/main" val="2414013397"/>
+        <p14:creationId xmlns:p14="http://schemas.microsoft.com/office/powerpoint/2010/main" val="3593502200"/>
       </p:ext>
     </p:extLst>
   </p:cSld>
@@ -1644,384 +1601,14 @@
           <a:bodyPr/>
           <a:lstStyle/>
           <a:p>
-            <a:r>
-              <a:rPr lang="en-US" b="0" dirty="0"/>
-              <a:t>head(cars) </a:t>
-            </a:r>
-            <a:r>
-              <a:rPr lang="en-GB" sz="1200" b="0" i="1" kern="1200" dirty="0">
-                <a:solidFill>
-                  <a:schemeClr val="tx1"/>
-                </a:solidFill>
-                <a:effectLst/>
-                <a:latin typeface="Arial" pitchFamily="-112" charset="0"/>
-                <a:ea typeface="ＭＳ Ｐゴシック" charset="0"/>
-                <a:cs typeface="Arial" pitchFamily="-112" charset="0"/>
-              </a:rPr>
-              <a:t>#</a:t>
-            </a:r>
-            <a:r>
-              <a:rPr lang="en-US" b="0" dirty="0"/>
-              <a:t> cars is a table that already comes with R and contain 50 observations of speed and distance in two rows</a:t>
-            </a:r>
-          </a:p>
-          <a:p>
-            <a:r>
-              <a:rPr lang="en-GB" sz="1200" b="0" kern="1200" dirty="0" err="1">
-                <a:solidFill>
-                  <a:schemeClr val="tx1"/>
-                </a:solidFill>
-                <a:effectLst/>
-                <a:latin typeface="Arial" pitchFamily="-112" charset="0"/>
-                <a:ea typeface="ＭＳ Ｐゴシック" charset="0"/>
-                <a:cs typeface="Arial" pitchFamily="-112" charset="0"/>
-              </a:rPr>
-              <a:t>scatter.smooth</a:t>
-            </a:r>
-            <a:r>
-              <a:rPr lang="en-GB" b="0" dirty="0"/>
-              <a:t>(</a:t>
-            </a:r>
-            <a:r>
-              <a:rPr lang="en-GB" sz="1200" b="0" kern="1200" dirty="0">
-                <a:solidFill>
-                  <a:schemeClr val="tx1"/>
-                </a:solidFill>
-                <a:effectLst/>
-                <a:latin typeface="Arial" pitchFamily="-112" charset="0"/>
-                <a:ea typeface="ＭＳ Ｐゴシック" charset="0"/>
-                <a:cs typeface="Arial" pitchFamily="-112" charset="0"/>
-              </a:rPr>
-              <a:t>x=</a:t>
-            </a:r>
-            <a:r>
-              <a:rPr lang="en-GB" b="0" dirty="0" err="1"/>
-              <a:t>cars$speed</a:t>
-            </a:r>
-            <a:r>
-              <a:rPr lang="en-GB" b="0" dirty="0"/>
-              <a:t>, </a:t>
-            </a:r>
-            <a:r>
-              <a:rPr lang="en-GB" sz="1200" b="0" kern="1200" dirty="0">
-                <a:solidFill>
-                  <a:schemeClr val="tx1"/>
-                </a:solidFill>
-                <a:effectLst/>
-                <a:latin typeface="Arial" pitchFamily="-112" charset="0"/>
-                <a:ea typeface="ＭＳ Ｐゴシック" charset="0"/>
-                <a:cs typeface="Arial" pitchFamily="-112" charset="0"/>
-              </a:rPr>
-              <a:t>y=</a:t>
-            </a:r>
-            <a:r>
-              <a:rPr lang="en-GB" b="0" dirty="0" err="1"/>
-              <a:t>cars$dist</a:t>
-            </a:r>
-            <a:r>
-              <a:rPr lang="en-GB" b="0" dirty="0"/>
-              <a:t>, </a:t>
-            </a:r>
-            <a:r>
-              <a:rPr lang="en-GB" sz="1200" b="0" kern="1200" dirty="0">
-                <a:solidFill>
-                  <a:schemeClr val="tx1"/>
-                </a:solidFill>
-                <a:effectLst/>
-                <a:latin typeface="Arial" pitchFamily="-112" charset="0"/>
-                <a:ea typeface="ＭＳ Ｐゴシック" charset="0"/>
-                <a:cs typeface="Arial" pitchFamily="-112" charset="0"/>
-              </a:rPr>
-              <a:t>main="</a:t>
-            </a:r>
-            <a:r>
-              <a:rPr lang="en-GB" sz="1200" b="0" kern="1200" dirty="0" err="1">
-                <a:solidFill>
-                  <a:schemeClr val="tx1"/>
-                </a:solidFill>
-                <a:effectLst/>
-                <a:latin typeface="Arial" pitchFamily="-112" charset="0"/>
-                <a:ea typeface="ＭＳ Ｐゴシック" charset="0"/>
-                <a:cs typeface="Arial" pitchFamily="-112" charset="0"/>
-              </a:rPr>
-              <a:t>Dist</a:t>
-            </a:r>
-            <a:r>
-              <a:rPr lang="en-GB" sz="1200" b="0" kern="1200" dirty="0">
-                <a:solidFill>
-                  <a:schemeClr val="tx1"/>
-                </a:solidFill>
-                <a:effectLst/>
-                <a:latin typeface="Arial" pitchFamily="-112" charset="0"/>
-                <a:ea typeface="ＭＳ Ｐゴシック" charset="0"/>
-                <a:cs typeface="Arial" pitchFamily="-112" charset="0"/>
-              </a:rPr>
-              <a:t> ~ Speed"</a:t>
-            </a:r>
-            <a:r>
-              <a:rPr lang="en-GB" b="0" dirty="0"/>
-              <a:t>) </a:t>
-            </a:r>
-            <a:r>
-              <a:rPr lang="en-GB" sz="1200" b="0" i="1" kern="1200" dirty="0">
-                <a:solidFill>
-                  <a:schemeClr val="tx1"/>
-                </a:solidFill>
-                <a:effectLst/>
-                <a:latin typeface="Arial" pitchFamily="-112" charset="0"/>
-                <a:ea typeface="ＭＳ Ｐゴシック" charset="0"/>
-                <a:cs typeface="Arial" pitchFamily="-112" charset="0"/>
-              </a:rPr>
-              <a:t># scatterplot</a:t>
-            </a:r>
-          </a:p>
-          <a:p>
-            <a:r>
-              <a:rPr lang="en-GB" b="0" dirty="0" err="1"/>
-              <a:t>linearMod</a:t>
-            </a:r>
-            <a:r>
-              <a:rPr lang="en-GB" b="0" dirty="0"/>
-              <a:t> &lt;-</a:t>
-            </a:r>
-            <a:r>
-              <a:rPr lang="en-GB" sz="1200" b="0" kern="1200" dirty="0">
-                <a:solidFill>
-                  <a:schemeClr val="tx1"/>
-                </a:solidFill>
-                <a:effectLst/>
-                <a:latin typeface="Arial" pitchFamily="-112" charset="0"/>
-                <a:ea typeface="ＭＳ Ｐゴシック" charset="0"/>
-                <a:cs typeface="Arial" pitchFamily="-112" charset="0"/>
-              </a:rPr>
-              <a:t> </a:t>
-            </a:r>
-            <a:r>
-              <a:rPr lang="en-GB" sz="1200" b="0" kern="1200" dirty="0" err="1">
-                <a:solidFill>
-                  <a:schemeClr val="tx1"/>
-                </a:solidFill>
-                <a:effectLst/>
-                <a:latin typeface="Arial" pitchFamily="-112" charset="0"/>
-                <a:ea typeface="ＭＳ Ｐゴシック" charset="0"/>
-                <a:cs typeface="Arial" pitchFamily="-112" charset="0"/>
-              </a:rPr>
-              <a:t>lm</a:t>
-            </a:r>
-            <a:r>
-              <a:rPr lang="en-GB" b="0" dirty="0"/>
-              <a:t>(</a:t>
-            </a:r>
-            <a:r>
-              <a:rPr lang="en-GB" b="0" dirty="0" err="1"/>
-              <a:t>dist</a:t>
-            </a:r>
-            <a:r>
-              <a:rPr lang="en-GB" b="0" dirty="0"/>
-              <a:t> ~</a:t>
-            </a:r>
-            <a:r>
-              <a:rPr lang="en-GB" sz="1200" b="0" kern="1200" dirty="0">
-                <a:solidFill>
-                  <a:schemeClr val="tx1"/>
-                </a:solidFill>
-                <a:effectLst/>
-                <a:latin typeface="Arial" pitchFamily="-112" charset="0"/>
-                <a:ea typeface="ＭＳ Ｐゴシック" charset="0"/>
-                <a:cs typeface="Arial" pitchFamily="-112" charset="0"/>
-              </a:rPr>
-              <a:t> </a:t>
-            </a:r>
-            <a:r>
-              <a:rPr lang="en-GB" b="0" dirty="0"/>
-              <a:t>speed, </a:t>
-            </a:r>
-            <a:r>
-              <a:rPr lang="en-GB" sz="1200" b="0" kern="1200" dirty="0">
-                <a:solidFill>
-                  <a:schemeClr val="tx1"/>
-                </a:solidFill>
-                <a:effectLst/>
-                <a:latin typeface="Arial" pitchFamily="-112" charset="0"/>
-                <a:ea typeface="ＭＳ Ｐゴシック" charset="0"/>
-                <a:cs typeface="Arial" pitchFamily="-112" charset="0"/>
-              </a:rPr>
-              <a:t>data=</a:t>
-            </a:r>
-            <a:r>
-              <a:rPr lang="en-GB" b="0" dirty="0"/>
-              <a:t>cars) </a:t>
-            </a:r>
-            <a:r>
-              <a:rPr lang="en-GB" sz="1200" b="0" i="1" kern="1200" dirty="0">
-                <a:solidFill>
-                  <a:schemeClr val="tx1"/>
-                </a:solidFill>
-                <a:effectLst/>
-                <a:latin typeface="Arial" pitchFamily="-112" charset="0"/>
-                <a:ea typeface="ＭＳ Ｐゴシック" charset="0"/>
-                <a:cs typeface="Arial" pitchFamily="-112" charset="0"/>
-              </a:rPr>
-              <a:t># build linear regression model on full data</a:t>
-            </a:r>
-          </a:p>
-          <a:p>
-            <a:r>
-              <a:rPr lang="en-GB" sz="1200" b="0" kern="1200" dirty="0">
-                <a:solidFill>
-                  <a:schemeClr val="tx1"/>
-                </a:solidFill>
-                <a:effectLst/>
-                <a:latin typeface="Arial" pitchFamily="-112" charset="0"/>
-                <a:ea typeface="ＭＳ Ｐゴシック" charset="0"/>
-                <a:cs typeface="Arial" pitchFamily="-112" charset="0"/>
-              </a:rPr>
-              <a:t>summary</a:t>
-            </a:r>
-            <a:r>
-              <a:rPr lang="en-GB" b="0" dirty="0"/>
-              <a:t>(</a:t>
-            </a:r>
-            <a:r>
-              <a:rPr lang="en-GB" b="0" dirty="0" err="1"/>
-              <a:t>linearMod</a:t>
-            </a:r>
-            <a:r>
-              <a:rPr lang="en-GB" b="0" dirty="0"/>
-              <a:t>) </a:t>
-            </a:r>
-            <a:r>
-              <a:rPr lang="en-GB" sz="1200" b="0" i="1" kern="1200" dirty="0">
-                <a:solidFill>
-                  <a:schemeClr val="tx1"/>
-                </a:solidFill>
-                <a:effectLst/>
-                <a:latin typeface="Arial" pitchFamily="-112" charset="0"/>
-                <a:ea typeface="ＭＳ Ｐゴシック" charset="0"/>
-                <a:cs typeface="Arial" pitchFamily="-112" charset="0"/>
-              </a:rPr>
-              <a:t>#</a:t>
-            </a:r>
-            <a:r>
-              <a:rPr lang="en-GB" sz="1200" b="0" kern="1200" dirty="0">
-                <a:solidFill>
-                  <a:schemeClr val="tx1"/>
-                </a:solidFill>
-                <a:effectLst/>
-                <a:latin typeface="Arial" pitchFamily="-112" charset="0"/>
-                <a:ea typeface="ＭＳ Ｐゴシック" charset="0"/>
-                <a:cs typeface="Arial" pitchFamily="-112" charset="0"/>
-              </a:rPr>
-              <a:t> summary(</a:t>
-            </a:r>
-            <a:r>
-              <a:rPr lang="en-GB" sz="1200" b="0" kern="1200" dirty="0" err="1">
-                <a:solidFill>
-                  <a:schemeClr val="tx1"/>
-                </a:solidFill>
-                <a:effectLst/>
-                <a:latin typeface="Arial" pitchFamily="-112" charset="0"/>
-                <a:ea typeface="ＭＳ Ｐゴシック" charset="0"/>
-                <a:cs typeface="Arial" pitchFamily="-112" charset="0"/>
-              </a:rPr>
-              <a:t>linearMod</a:t>
-            </a:r>
-            <a:r>
-              <a:rPr lang="en-GB" sz="1200" b="0" kern="1200" dirty="0">
-                <a:solidFill>
-                  <a:schemeClr val="tx1"/>
-                </a:solidFill>
-                <a:effectLst/>
-                <a:latin typeface="Arial" pitchFamily="-112" charset="0"/>
-                <a:ea typeface="ＭＳ Ｐゴシック" charset="0"/>
-                <a:cs typeface="Arial" pitchFamily="-112" charset="0"/>
-              </a:rPr>
-              <a:t>)$</a:t>
-            </a:r>
-            <a:r>
-              <a:rPr lang="en-GB" sz="1200" b="0" kern="1200" dirty="0" err="1">
-                <a:solidFill>
-                  <a:schemeClr val="tx1"/>
-                </a:solidFill>
-                <a:effectLst/>
-                <a:latin typeface="Arial" pitchFamily="-112" charset="0"/>
-                <a:ea typeface="ＭＳ Ｐゴシック" charset="0"/>
-                <a:cs typeface="Arial" pitchFamily="-112" charset="0"/>
-              </a:rPr>
-              <a:t>r.squared</a:t>
-            </a:r>
-            <a:endParaRPr lang="en-GB" sz="1200" b="0" kern="1200" dirty="0">
-              <a:solidFill>
-                <a:schemeClr val="tx1"/>
-              </a:solidFill>
-              <a:effectLst/>
-              <a:latin typeface="Arial" pitchFamily="-112" charset="0"/>
-              <a:ea typeface="ＭＳ Ｐゴシック" charset="0"/>
-              <a:cs typeface="Arial" pitchFamily="-112" charset="0"/>
-            </a:endParaRPr>
-          </a:p>
-          <a:p>
-            <a:r>
-              <a:rPr lang="en-GB" sz="1200" kern="1200" dirty="0" err="1">
-                <a:solidFill>
-                  <a:schemeClr val="tx1"/>
-                </a:solidFill>
-                <a:effectLst/>
-                <a:latin typeface="Arial" pitchFamily="-112" charset="0"/>
-                <a:ea typeface="ＭＳ Ｐゴシック" charset="0"/>
-                <a:cs typeface="Arial" pitchFamily="-112" charset="0"/>
-              </a:rPr>
-              <a:t>abline</a:t>
-            </a:r>
-            <a:r>
-              <a:rPr lang="en-GB" sz="1200" kern="1200" dirty="0">
-                <a:solidFill>
-                  <a:schemeClr val="tx1"/>
-                </a:solidFill>
-                <a:effectLst/>
-                <a:latin typeface="Arial" pitchFamily="-112" charset="0"/>
-                <a:ea typeface="ＭＳ Ｐゴシック" charset="0"/>
-                <a:cs typeface="Arial" pitchFamily="-112" charset="0"/>
-              </a:rPr>
-              <a:t>(</a:t>
-            </a:r>
-            <a:r>
-              <a:rPr lang="en-GB" sz="1200" kern="1200" dirty="0" err="1">
-                <a:solidFill>
-                  <a:schemeClr val="tx1"/>
-                </a:solidFill>
-                <a:effectLst/>
-                <a:latin typeface="Arial" pitchFamily="-112" charset="0"/>
-                <a:ea typeface="ＭＳ Ｐゴシック" charset="0"/>
-                <a:cs typeface="Arial" pitchFamily="-112" charset="0"/>
-              </a:rPr>
-              <a:t>linearMod</a:t>
-            </a:r>
-            <a:r>
-              <a:rPr lang="en-GB" sz="1200" kern="1200" dirty="0">
-                <a:solidFill>
-                  <a:schemeClr val="tx1"/>
-                </a:solidFill>
-                <a:effectLst/>
-                <a:latin typeface="Arial" pitchFamily="-112" charset="0"/>
-                <a:ea typeface="ＭＳ Ｐゴシック" charset="0"/>
-                <a:cs typeface="Arial" pitchFamily="-112" charset="0"/>
-              </a:rPr>
-              <a:t>, col="blue")</a:t>
-            </a:r>
-          </a:p>
-          <a:p>
-            <a:endParaRPr lang="en-US" b="0" dirty="0"/>
-          </a:p>
-          <a:p>
-            <a:endParaRPr lang="en-US" b="0" dirty="0"/>
+            <a:endParaRPr lang="en-US" dirty="0"/>
           </a:p>
         </p:txBody>
       </p:sp>
     </p:spTree>
     <p:extLst>
       <p:ext uri="{BB962C8B-B14F-4D97-AF65-F5344CB8AC3E}">
-        <p14:creationId xmlns:p14="http://schemas.microsoft.com/office/powerpoint/2010/main" val="23820918"/>
+        <p14:creationId xmlns:p14="http://schemas.microsoft.com/office/powerpoint/2010/main" val="1078339810"/>
       </p:ext>
     </p:extLst>
   </p:cSld>
@@ -2075,384 +1662,14 @@
           <a:bodyPr/>
           <a:lstStyle/>
           <a:p>
-            <a:r>
-              <a:rPr lang="en-US" b="0" dirty="0"/>
-              <a:t>head(cars) </a:t>
-            </a:r>
-            <a:r>
-              <a:rPr lang="en-GB" sz="1200" b="0" i="1" kern="1200" dirty="0">
-                <a:solidFill>
-                  <a:schemeClr val="tx1"/>
-                </a:solidFill>
-                <a:effectLst/>
-                <a:latin typeface="Arial" pitchFamily="-112" charset="0"/>
-                <a:ea typeface="ＭＳ Ｐゴシック" charset="0"/>
-                <a:cs typeface="Arial" pitchFamily="-112" charset="0"/>
-              </a:rPr>
-              <a:t>#</a:t>
-            </a:r>
-            <a:r>
-              <a:rPr lang="en-US" b="0" dirty="0"/>
-              <a:t> cars is a table that already comes with R and contain 50 observations of speed and distance in two rows</a:t>
-            </a:r>
-          </a:p>
-          <a:p>
-            <a:r>
-              <a:rPr lang="en-GB" sz="1200" b="0" kern="1200" dirty="0" err="1">
-                <a:solidFill>
-                  <a:schemeClr val="tx1"/>
-                </a:solidFill>
-                <a:effectLst/>
-                <a:latin typeface="Arial" pitchFamily="-112" charset="0"/>
-                <a:ea typeface="ＭＳ Ｐゴシック" charset="0"/>
-                <a:cs typeface="Arial" pitchFamily="-112" charset="0"/>
-              </a:rPr>
-              <a:t>scatter.smooth</a:t>
-            </a:r>
-            <a:r>
-              <a:rPr lang="en-GB" b="0" dirty="0"/>
-              <a:t>(</a:t>
-            </a:r>
-            <a:r>
-              <a:rPr lang="en-GB" sz="1200" b="0" kern="1200" dirty="0">
-                <a:solidFill>
-                  <a:schemeClr val="tx1"/>
-                </a:solidFill>
-                <a:effectLst/>
-                <a:latin typeface="Arial" pitchFamily="-112" charset="0"/>
-                <a:ea typeface="ＭＳ Ｐゴシック" charset="0"/>
-                <a:cs typeface="Arial" pitchFamily="-112" charset="0"/>
-              </a:rPr>
-              <a:t>x=</a:t>
-            </a:r>
-            <a:r>
-              <a:rPr lang="en-GB" b="0" dirty="0" err="1"/>
-              <a:t>cars$speed</a:t>
-            </a:r>
-            <a:r>
-              <a:rPr lang="en-GB" b="0" dirty="0"/>
-              <a:t>, </a:t>
-            </a:r>
-            <a:r>
-              <a:rPr lang="en-GB" sz="1200" b="0" kern="1200" dirty="0">
-                <a:solidFill>
-                  <a:schemeClr val="tx1"/>
-                </a:solidFill>
-                <a:effectLst/>
-                <a:latin typeface="Arial" pitchFamily="-112" charset="0"/>
-                <a:ea typeface="ＭＳ Ｐゴシック" charset="0"/>
-                <a:cs typeface="Arial" pitchFamily="-112" charset="0"/>
-              </a:rPr>
-              <a:t>y=</a:t>
-            </a:r>
-            <a:r>
-              <a:rPr lang="en-GB" b="0" dirty="0" err="1"/>
-              <a:t>cars$dist</a:t>
-            </a:r>
-            <a:r>
-              <a:rPr lang="en-GB" b="0" dirty="0"/>
-              <a:t>, </a:t>
-            </a:r>
-            <a:r>
-              <a:rPr lang="en-GB" sz="1200" b="0" kern="1200" dirty="0">
-                <a:solidFill>
-                  <a:schemeClr val="tx1"/>
-                </a:solidFill>
-                <a:effectLst/>
-                <a:latin typeface="Arial" pitchFamily="-112" charset="0"/>
-                <a:ea typeface="ＭＳ Ｐゴシック" charset="0"/>
-                <a:cs typeface="Arial" pitchFamily="-112" charset="0"/>
-              </a:rPr>
-              <a:t>main="</a:t>
-            </a:r>
-            <a:r>
-              <a:rPr lang="en-GB" sz="1200" b="0" kern="1200" dirty="0" err="1">
-                <a:solidFill>
-                  <a:schemeClr val="tx1"/>
-                </a:solidFill>
-                <a:effectLst/>
-                <a:latin typeface="Arial" pitchFamily="-112" charset="0"/>
-                <a:ea typeface="ＭＳ Ｐゴシック" charset="0"/>
-                <a:cs typeface="Arial" pitchFamily="-112" charset="0"/>
-              </a:rPr>
-              <a:t>Dist</a:t>
-            </a:r>
-            <a:r>
-              <a:rPr lang="en-GB" sz="1200" b="0" kern="1200" dirty="0">
-                <a:solidFill>
-                  <a:schemeClr val="tx1"/>
-                </a:solidFill>
-                <a:effectLst/>
-                <a:latin typeface="Arial" pitchFamily="-112" charset="0"/>
-                <a:ea typeface="ＭＳ Ｐゴシック" charset="0"/>
-                <a:cs typeface="Arial" pitchFamily="-112" charset="0"/>
-              </a:rPr>
-              <a:t> ~ Speed"</a:t>
-            </a:r>
-            <a:r>
-              <a:rPr lang="en-GB" b="0" dirty="0"/>
-              <a:t>) </a:t>
-            </a:r>
-            <a:r>
-              <a:rPr lang="en-GB" sz="1200" b="0" i="1" kern="1200" dirty="0">
-                <a:solidFill>
-                  <a:schemeClr val="tx1"/>
-                </a:solidFill>
-                <a:effectLst/>
-                <a:latin typeface="Arial" pitchFamily="-112" charset="0"/>
-                <a:ea typeface="ＭＳ Ｐゴシック" charset="0"/>
-                <a:cs typeface="Arial" pitchFamily="-112" charset="0"/>
-              </a:rPr>
-              <a:t># scatterplot</a:t>
-            </a:r>
-          </a:p>
-          <a:p>
-            <a:r>
-              <a:rPr lang="en-GB" b="0" dirty="0" err="1"/>
-              <a:t>linearMod</a:t>
-            </a:r>
-            <a:r>
-              <a:rPr lang="en-GB" b="0" dirty="0"/>
-              <a:t> &lt;-</a:t>
-            </a:r>
-            <a:r>
-              <a:rPr lang="en-GB" sz="1200" b="0" kern="1200" dirty="0">
-                <a:solidFill>
-                  <a:schemeClr val="tx1"/>
-                </a:solidFill>
-                <a:effectLst/>
-                <a:latin typeface="Arial" pitchFamily="-112" charset="0"/>
-                <a:ea typeface="ＭＳ Ｐゴシック" charset="0"/>
-                <a:cs typeface="Arial" pitchFamily="-112" charset="0"/>
-              </a:rPr>
-              <a:t> </a:t>
-            </a:r>
-            <a:r>
-              <a:rPr lang="en-GB" sz="1200" b="0" kern="1200" dirty="0" err="1">
-                <a:solidFill>
-                  <a:schemeClr val="tx1"/>
-                </a:solidFill>
-                <a:effectLst/>
-                <a:latin typeface="Arial" pitchFamily="-112" charset="0"/>
-                <a:ea typeface="ＭＳ Ｐゴシック" charset="0"/>
-                <a:cs typeface="Arial" pitchFamily="-112" charset="0"/>
-              </a:rPr>
-              <a:t>lm</a:t>
-            </a:r>
-            <a:r>
-              <a:rPr lang="en-GB" b="0" dirty="0"/>
-              <a:t>(</a:t>
-            </a:r>
-            <a:r>
-              <a:rPr lang="en-GB" b="0" dirty="0" err="1"/>
-              <a:t>dist</a:t>
-            </a:r>
-            <a:r>
-              <a:rPr lang="en-GB" b="0" dirty="0"/>
-              <a:t> ~</a:t>
-            </a:r>
-            <a:r>
-              <a:rPr lang="en-GB" sz="1200" b="0" kern="1200" dirty="0">
-                <a:solidFill>
-                  <a:schemeClr val="tx1"/>
-                </a:solidFill>
-                <a:effectLst/>
-                <a:latin typeface="Arial" pitchFamily="-112" charset="0"/>
-                <a:ea typeface="ＭＳ Ｐゴシック" charset="0"/>
-                <a:cs typeface="Arial" pitchFamily="-112" charset="0"/>
-              </a:rPr>
-              <a:t> </a:t>
-            </a:r>
-            <a:r>
-              <a:rPr lang="en-GB" b="0" dirty="0"/>
-              <a:t>speed, </a:t>
-            </a:r>
-            <a:r>
-              <a:rPr lang="en-GB" sz="1200" b="0" kern="1200" dirty="0">
-                <a:solidFill>
-                  <a:schemeClr val="tx1"/>
-                </a:solidFill>
-                <a:effectLst/>
-                <a:latin typeface="Arial" pitchFamily="-112" charset="0"/>
-                <a:ea typeface="ＭＳ Ｐゴシック" charset="0"/>
-                <a:cs typeface="Arial" pitchFamily="-112" charset="0"/>
-              </a:rPr>
-              <a:t>data=</a:t>
-            </a:r>
-            <a:r>
-              <a:rPr lang="en-GB" b="0" dirty="0"/>
-              <a:t>cars) </a:t>
-            </a:r>
-            <a:r>
-              <a:rPr lang="en-GB" sz="1200" b="0" i="1" kern="1200" dirty="0">
-                <a:solidFill>
-                  <a:schemeClr val="tx1"/>
-                </a:solidFill>
-                <a:effectLst/>
-                <a:latin typeface="Arial" pitchFamily="-112" charset="0"/>
-                <a:ea typeface="ＭＳ Ｐゴシック" charset="0"/>
-                <a:cs typeface="Arial" pitchFamily="-112" charset="0"/>
-              </a:rPr>
-              <a:t># build linear regression model on full data</a:t>
-            </a:r>
-          </a:p>
-          <a:p>
-            <a:r>
-              <a:rPr lang="en-GB" sz="1200" b="0" kern="1200" dirty="0">
-                <a:solidFill>
-                  <a:schemeClr val="tx1"/>
-                </a:solidFill>
-                <a:effectLst/>
-                <a:latin typeface="Arial" pitchFamily="-112" charset="0"/>
-                <a:ea typeface="ＭＳ Ｐゴシック" charset="0"/>
-                <a:cs typeface="Arial" pitchFamily="-112" charset="0"/>
-              </a:rPr>
-              <a:t>summary</a:t>
-            </a:r>
-            <a:r>
-              <a:rPr lang="en-GB" b="0" dirty="0"/>
-              <a:t>(</a:t>
-            </a:r>
-            <a:r>
-              <a:rPr lang="en-GB" b="0" dirty="0" err="1"/>
-              <a:t>linearMod</a:t>
-            </a:r>
-            <a:r>
-              <a:rPr lang="en-GB" b="0" dirty="0"/>
-              <a:t>) </a:t>
-            </a:r>
-            <a:r>
-              <a:rPr lang="en-GB" sz="1200" b="0" i="1" kern="1200" dirty="0">
-                <a:solidFill>
-                  <a:schemeClr val="tx1"/>
-                </a:solidFill>
-                <a:effectLst/>
-                <a:latin typeface="Arial" pitchFamily="-112" charset="0"/>
-                <a:ea typeface="ＭＳ Ｐゴシック" charset="0"/>
-                <a:cs typeface="Arial" pitchFamily="-112" charset="0"/>
-              </a:rPr>
-              <a:t>#</a:t>
-            </a:r>
-            <a:r>
-              <a:rPr lang="en-GB" sz="1200" b="0" kern="1200" dirty="0">
-                <a:solidFill>
-                  <a:schemeClr val="tx1"/>
-                </a:solidFill>
-                <a:effectLst/>
-                <a:latin typeface="Arial" pitchFamily="-112" charset="0"/>
-                <a:ea typeface="ＭＳ Ｐゴシック" charset="0"/>
-                <a:cs typeface="Arial" pitchFamily="-112" charset="0"/>
-              </a:rPr>
-              <a:t> summary(</a:t>
-            </a:r>
-            <a:r>
-              <a:rPr lang="en-GB" sz="1200" b="0" kern="1200" dirty="0" err="1">
-                <a:solidFill>
-                  <a:schemeClr val="tx1"/>
-                </a:solidFill>
-                <a:effectLst/>
-                <a:latin typeface="Arial" pitchFamily="-112" charset="0"/>
-                <a:ea typeface="ＭＳ Ｐゴシック" charset="0"/>
-                <a:cs typeface="Arial" pitchFamily="-112" charset="0"/>
-              </a:rPr>
-              <a:t>linearMod</a:t>
-            </a:r>
-            <a:r>
-              <a:rPr lang="en-GB" sz="1200" b="0" kern="1200" dirty="0">
-                <a:solidFill>
-                  <a:schemeClr val="tx1"/>
-                </a:solidFill>
-                <a:effectLst/>
-                <a:latin typeface="Arial" pitchFamily="-112" charset="0"/>
-                <a:ea typeface="ＭＳ Ｐゴシック" charset="0"/>
-                <a:cs typeface="Arial" pitchFamily="-112" charset="0"/>
-              </a:rPr>
-              <a:t>)$</a:t>
-            </a:r>
-            <a:r>
-              <a:rPr lang="en-GB" sz="1200" b="0" kern="1200" dirty="0" err="1">
-                <a:solidFill>
-                  <a:schemeClr val="tx1"/>
-                </a:solidFill>
-                <a:effectLst/>
-                <a:latin typeface="Arial" pitchFamily="-112" charset="0"/>
-                <a:ea typeface="ＭＳ Ｐゴシック" charset="0"/>
-                <a:cs typeface="Arial" pitchFamily="-112" charset="0"/>
-              </a:rPr>
-              <a:t>r.squared</a:t>
-            </a:r>
-            <a:endParaRPr lang="en-GB" sz="1200" b="0" kern="1200" dirty="0">
-              <a:solidFill>
-                <a:schemeClr val="tx1"/>
-              </a:solidFill>
-              <a:effectLst/>
-              <a:latin typeface="Arial" pitchFamily="-112" charset="0"/>
-              <a:ea typeface="ＭＳ Ｐゴシック" charset="0"/>
-              <a:cs typeface="Arial" pitchFamily="-112" charset="0"/>
-            </a:endParaRPr>
-          </a:p>
-          <a:p>
-            <a:r>
-              <a:rPr lang="en-GB" sz="1200" kern="1200" dirty="0" err="1">
-                <a:solidFill>
-                  <a:schemeClr val="tx1"/>
-                </a:solidFill>
-                <a:effectLst/>
-                <a:latin typeface="Arial" pitchFamily="-112" charset="0"/>
-                <a:ea typeface="ＭＳ Ｐゴシック" charset="0"/>
-                <a:cs typeface="Arial" pitchFamily="-112" charset="0"/>
-              </a:rPr>
-              <a:t>abline</a:t>
-            </a:r>
-            <a:r>
-              <a:rPr lang="en-GB" sz="1200" kern="1200" dirty="0">
-                <a:solidFill>
-                  <a:schemeClr val="tx1"/>
-                </a:solidFill>
-                <a:effectLst/>
-                <a:latin typeface="Arial" pitchFamily="-112" charset="0"/>
-                <a:ea typeface="ＭＳ Ｐゴシック" charset="0"/>
-                <a:cs typeface="Arial" pitchFamily="-112" charset="0"/>
-              </a:rPr>
-              <a:t>(</a:t>
-            </a:r>
-            <a:r>
-              <a:rPr lang="en-GB" sz="1200" kern="1200" dirty="0" err="1">
-                <a:solidFill>
-                  <a:schemeClr val="tx1"/>
-                </a:solidFill>
-                <a:effectLst/>
-                <a:latin typeface="Arial" pitchFamily="-112" charset="0"/>
-                <a:ea typeface="ＭＳ Ｐゴシック" charset="0"/>
-                <a:cs typeface="Arial" pitchFamily="-112" charset="0"/>
-              </a:rPr>
-              <a:t>linearMod</a:t>
-            </a:r>
-            <a:r>
-              <a:rPr lang="en-GB" sz="1200" kern="1200" dirty="0">
-                <a:solidFill>
-                  <a:schemeClr val="tx1"/>
-                </a:solidFill>
-                <a:effectLst/>
-                <a:latin typeface="Arial" pitchFamily="-112" charset="0"/>
-                <a:ea typeface="ＭＳ Ｐゴシック" charset="0"/>
-                <a:cs typeface="Arial" pitchFamily="-112" charset="0"/>
-              </a:rPr>
-              <a:t>, col="blue")</a:t>
-            </a:r>
-          </a:p>
-          <a:p>
-            <a:endParaRPr lang="en-US" b="0" dirty="0"/>
-          </a:p>
-          <a:p>
-            <a:endParaRPr lang="en-US" b="0" dirty="0"/>
+            <a:endParaRPr lang="en-US" dirty="0"/>
           </a:p>
         </p:txBody>
       </p:sp>
     </p:spTree>
     <p:extLst>
       <p:ext uri="{BB962C8B-B14F-4D97-AF65-F5344CB8AC3E}">
-        <p14:creationId xmlns:p14="http://schemas.microsoft.com/office/powerpoint/2010/main" val="2613326136"/>
+        <p14:creationId xmlns:p14="http://schemas.microsoft.com/office/powerpoint/2010/main" val="2414013397"/>
       </p:ext>
     </p:extLst>
   </p:cSld>
@@ -2513,7 +1730,7 @@
     </p:spTree>
     <p:extLst>
       <p:ext uri="{BB962C8B-B14F-4D97-AF65-F5344CB8AC3E}">
-        <p14:creationId xmlns:p14="http://schemas.microsoft.com/office/powerpoint/2010/main" val="3794071447"/>
+        <p14:creationId xmlns:p14="http://schemas.microsoft.com/office/powerpoint/2010/main" val="1697391470"/>
       </p:ext>
     </p:extLst>
   </p:cSld>
@@ -2567,14 +1784,384 @@
           <a:bodyPr/>
           <a:lstStyle/>
           <a:p>
-            <a:endParaRPr lang="en-US" dirty="0"/>
+            <a:r>
+              <a:rPr lang="en-US" b="0" dirty="0"/>
+              <a:t>head(cars) </a:t>
+            </a:r>
+            <a:r>
+              <a:rPr lang="en-GB" sz="1200" b="0" i="1" kern="1200" dirty="0">
+                <a:solidFill>
+                  <a:schemeClr val="tx1"/>
+                </a:solidFill>
+                <a:effectLst/>
+                <a:latin typeface="Arial" pitchFamily="-112" charset="0"/>
+                <a:ea typeface="ＭＳ Ｐゴシック" charset="0"/>
+                <a:cs typeface="Arial" pitchFamily="-112" charset="0"/>
+              </a:rPr>
+              <a:t>#</a:t>
+            </a:r>
+            <a:r>
+              <a:rPr lang="en-US" b="0" dirty="0"/>
+              <a:t> cars is a table that already comes with R and contain 50 observations of speed and distance in two rows</a:t>
+            </a:r>
+          </a:p>
+          <a:p>
+            <a:r>
+              <a:rPr lang="en-GB" sz="1200" b="0" kern="1200" dirty="0" err="1">
+                <a:solidFill>
+                  <a:schemeClr val="tx1"/>
+                </a:solidFill>
+                <a:effectLst/>
+                <a:latin typeface="Arial" pitchFamily="-112" charset="0"/>
+                <a:ea typeface="ＭＳ Ｐゴシック" charset="0"/>
+                <a:cs typeface="Arial" pitchFamily="-112" charset="0"/>
+              </a:rPr>
+              <a:t>scatter.smooth</a:t>
+            </a:r>
+            <a:r>
+              <a:rPr lang="en-GB" b="0" dirty="0"/>
+              <a:t>(</a:t>
+            </a:r>
+            <a:r>
+              <a:rPr lang="en-GB" sz="1200" b="0" kern="1200" dirty="0">
+                <a:solidFill>
+                  <a:schemeClr val="tx1"/>
+                </a:solidFill>
+                <a:effectLst/>
+                <a:latin typeface="Arial" pitchFamily="-112" charset="0"/>
+                <a:ea typeface="ＭＳ Ｐゴシック" charset="0"/>
+                <a:cs typeface="Arial" pitchFamily="-112" charset="0"/>
+              </a:rPr>
+              <a:t>x=</a:t>
+            </a:r>
+            <a:r>
+              <a:rPr lang="en-GB" b="0" dirty="0" err="1"/>
+              <a:t>cars$speed</a:t>
+            </a:r>
+            <a:r>
+              <a:rPr lang="en-GB" b="0" dirty="0"/>
+              <a:t>, </a:t>
+            </a:r>
+            <a:r>
+              <a:rPr lang="en-GB" sz="1200" b="0" kern="1200" dirty="0">
+                <a:solidFill>
+                  <a:schemeClr val="tx1"/>
+                </a:solidFill>
+                <a:effectLst/>
+                <a:latin typeface="Arial" pitchFamily="-112" charset="0"/>
+                <a:ea typeface="ＭＳ Ｐゴシック" charset="0"/>
+                <a:cs typeface="Arial" pitchFamily="-112" charset="0"/>
+              </a:rPr>
+              <a:t>y=</a:t>
+            </a:r>
+            <a:r>
+              <a:rPr lang="en-GB" b="0" dirty="0" err="1"/>
+              <a:t>cars$dist</a:t>
+            </a:r>
+            <a:r>
+              <a:rPr lang="en-GB" b="0" dirty="0"/>
+              <a:t>, </a:t>
+            </a:r>
+            <a:r>
+              <a:rPr lang="en-GB" sz="1200" b="0" kern="1200" dirty="0">
+                <a:solidFill>
+                  <a:schemeClr val="tx1"/>
+                </a:solidFill>
+                <a:effectLst/>
+                <a:latin typeface="Arial" pitchFamily="-112" charset="0"/>
+                <a:ea typeface="ＭＳ Ｐゴシック" charset="0"/>
+                <a:cs typeface="Arial" pitchFamily="-112" charset="0"/>
+              </a:rPr>
+              <a:t>main="</a:t>
+            </a:r>
+            <a:r>
+              <a:rPr lang="en-GB" sz="1200" b="0" kern="1200" dirty="0" err="1">
+                <a:solidFill>
+                  <a:schemeClr val="tx1"/>
+                </a:solidFill>
+                <a:effectLst/>
+                <a:latin typeface="Arial" pitchFamily="-112" charset="0"/>
+                <a:ea typeface="ＭＳ Ｐゴシック" charset="0"/>
+                <a:cs typeface="Arial" pitchFamily="-112" charset="0"/>
+              </a:rPr>
+              <a:t>Dist</a:t>
+            </a:r>
+            <a:r>
+              <a:rPr lang="en-GB" sz="1200" b="0" kern="1200" dirty="0">
+                <a:solidFill>
+                  <a:schemeClr val="tx1"/>
+                </a:solidFill>
+                <a:effectLst/>
+                <a:latin typeface="Arial" pitchFamily="-112" charset="0"/>
+                <a:ea typeface="ＭＳ Ｐゴシック" charset="0"/>
+                <a:cs typeface="Arial" pitchFamily="-112" charset="0"/>
+              </a:rPr>
+              <a:t> ~ Speed"</a:t>
+            </a:r>
+            <a:r>
+              <a:rPr lang="en-GB" b="0" dirty="0"/>
+              <a:t>) </a:t>
+            </a:r>
+            <a:r>
+              <a:rPr lang="en-GB" sz="1200" b="0" i="1" kern="1200" dirty="0">
+                <a:solidFill>
+                  <a:schemeClr val="tx1"/>
+                </a:solidFill>
+                <a:effectLst/>
+                <a:latin typeface="Arial" pitchFamily="-112" charset="0"/>
+                <a:ea typeface="ＭＳ Ｐゴシック" charset="0"/>
+                <a:cs typeface="Arial" pitchFamily="-112" charset="0"/>
+              </a:rPr>
+              <a:t># scatterplot</a:t>
+            </a:r>
+          </a:p>
+          <a:p>
+            <a:r>
+              <a:rPr lang="en-GB" b="0" dirty="0" err="1"/>
+              <a:t>linearMod</a:t>
+            </a:r>
+            <a:r>
+              <a:rPr lang="en-GB" b="0" dirty="0"/>
+              <a:t> &lt;-</a:t>
+            </a:r>
+            <a:r>
+              <a:rPr lang="en-GB" sz="1200" b="0" kern="1200" dirty="0">
+                <a:solidFill>
+                  <a:schemeClr val="tx1"/>
+                </a:solidFill>
+                <a:effectLst/>
+                <a:latin typeface="Arial" pitchFamily="-112" charset="0"/>
+                <a:ea typeface="ＭＳ Ｐゴシック" charset="0"/>
+                <a:cs typeface="Arial" pitchFamily="-112" charset="0"/>
+              </a:rPr>
+              <a:t> </a:t>
+            </a:r>
+            <a:r>
+              <a:rPr lang="en-GB" sz="1200" b="0" kern="1200" dirty="0" err="1">
+                <a:solidFill>
+                  <a:schemeClr val="tx1"/>
+                </a:solidFill>
+                <a:effectLst/>
+                <a:latin typeface="Arial" pitchFamily="-112" charset="0"/>
+                <a:ea typeface="ＭＳ Ｐゴシック" charset="0"/>
+                <a:cs typeface="Arial" pitchFamily="-112" charset="0"/>
+              </a:rPr>
+              <a:t>lm</a:t>
+            </a:r>
+            <a:r>
+              <a:rPr lang="en-GB" b="0" dirty="0"/>
+              <a:t>(</a:t>
+            </a:r>
+            <a:r>
+              <a:rPr lang="en-GB" b="0" dirty="0" err="1"/>
+              <a:t>dist</a:t>
+            </a:r>
+            <a:r>
+              <a:rPr lang="en-GB" b="0" dirty="0"/>
+              <a:t> ~</a:t>
+            </a:r>
+            <a:r>
+              <a:rPr lang="en-GB" sz="1200" b="0" kern="1200" dirty="0">
+                <a:solidFill>
+                  <a:schemeClr val="tx1"/>
+                </a:solidFill>
+                <a:effectLst/>
+                <a:latin typeface="Arial" pitchFamily="-112" charset="0"/>
+                <a:ea typeface="ＭＳ Ｐゴシック" charset="0"/>
+                <a:cs typeface="Arial" pitchFamily="-112" charset="0"/>
+              </a:rPr>
+              <a:t> </a:t>
+            </a:r>
+            <a:r>
+              <a:rPr lang="en-GB" b="0" dirty="0"/>
+              <a:t>speed, </a:t>
+            </a:r>
+            <a:r>
+              <a:rPr lang="en-GB" sz="1200" b="0" kern="1200" dirty="0">
+                <a:solidFill>
+                  <a:schemeClr val="tx1"/>
+                </a:solidFill>
+                <a:effectLst/>
+                <a:latin typeface="Arial" pitchFamily="-112" charset="0"/>
+                <a:ea typeface="ＭＳ Ｐゴシック" charset="0"/>
+                <a:cs typeface="Arial" pitchFamily="-112" charset="0"/>
+              </a:rPr>
+              <a:t>data=</a:t>
+            </a:r>
+            <a:r>
+              <a:rPr lang="en-GB" b="0" dirty="0"/>
+              <a:t>cars) </a:t>
+            </a:r>
+            <a:r>
+              <a:rPr lang="en-GB" sz="1200" b="0" i="1" kern="1200" dirty="0">
+                <a:solidFill>
+                  <a:schemeClr val="tx1"/>
+                </a:solidFill>
+                <a:effectLst/>
+                <a:latin typeface="Arial" pitchFamily="-112" charset="0"/>
+                <a:ea typeface="ＭＳ Ｐゴシック" charset="0"/>
+                <a:cs typeface="Arial" pitchFamily="-112" charset="0"/>
+              </a:rPr>
+              <a:t># build linear regression model on full data</a:t>
+            </a:r>
+          </a:p>
+          <a:p>
+            <a:r>
+              <a:rPr lang="en-GB" sz="1200" b="0" kern="1200" dirty="0">
+                <a:solidFill>
+                  <a:schemeClr val="tx1"/>
+                </a:solidFill>
+                <a:effectLst/>
+                <a:latin typeface="Arial" pitchFamily="-112" charset="0"/>
+                <a:ea typeface="ＭＳ Ｐゴシック" charset="0"/>
+                <a:cs typeface="Arial" pitchFamily="-112" charset="0"/>
+              </a:rPr>
+              <a:t>summary</a:t>
+            </a:r>
+            <a:r>
+              <a:rPr lang="en-GB" b="0" dirty="0"/>
+              <a:t>(</a:t>
+            </a:r>
+            <a:r>
+              <a:rPr lang="en-GB" b="0" dirty="0" err="1"/>
+              <a:t>linearMod</a:t>
+            </a:r>
+            <a:r>
+              <a:rPr lang="en-GB" b="0" dirty="0"/>
+              <a:t>) </a:t>
+            </a:r>
+            <a:r>
+              <a:rPr lang="en-GB" sz="1200" b="0" i="1" kern="1200" dirty="0">
+                <a:solidFill>
+                  <a:schemeClr val="tx1"/>
+                </a:solidFill>
+                <a:effectLst/>
+                <a:latin typeface="Arial" pitchFamily="-112" charset="0"/>
+                <a:ea typeface="ＭＳ Ｐゴシック" charset="0"/>
+                <a:cs typeface="Arial" pitchFamily="-112" charset="0"/>
+              </a:rPr>
+              <a:t>#</a:t>
+            </a:r>
+            <a:r>
+              <a:rPr lang="en-GB" sz="1200" b="0" kern="1200" dirty="0">
+                <a:solidFill>
+                  <a:schemeClr val="tx1"/>
+                </a:solidFill>
+                <a:effectLst/>
+                <a:latin typeface="Arial" pitchFamily="-112" charset="0"/>
+                <a:ea typeface="ＭＳ Ｐゴシック" charset="0"/>
+                <a:cs typeface="Arial" pitchFamily="-112" charset="0"/>
+              </a:rPr>
+              <a:t> summary(</a:t>
+            </a:r>
+            <a:r>
+              <a:rPr lang="en-GB" sz="1200" b="0" kern="1200" dirty="0" err="1">
+                <a:solidFill>
+                  <a:schemeClr val="tx1"/>
+                </a:solidFill>
+                <a:effectLst/>
+                <a:latin typeface="Arial" pitchFamily="-112" charset="0"/>
+                <a:ea typeface="ＭＳ Ｐゴシック" charset="0"/>
+                <a:cs typeface="Arial" pitchFamily="-112" charset="0"/>
+              </a:rPr>
+              <a:t>linearMod</a:t>
+            </a:r>
+            <a:r>
+              <a:rPr lang="en-GB" sz="1200" b="0" kern="1200" dirty="0">
+                <a:solidFill>
+                  <a:schemeClr val="tx1"/>
+                </a:solidFill>
+                <a:effectLst/>
+                <a:latin typeface="Arial" pitchFamily="-112" charset="0"/>
+                <a:ea typeface="ＭＳ Ｐゴシック" charset="0"/>
+                <a:cs typeface="Arial" pitchFamily="-112" charset="0"/>
+              </a:rPr>
+              <a:t>)$</a:t>
+            </a:r>
+            <a:r>
+              <a:rPr lang="en-GB" sz="1200" b="0" kern="1200" dirty="0" err="1">
+                <a:solidFill>
+                  <a:schemeClr val="tx1"/>
+                </a:solidFill>
+                <a:effectLst/>
+                <a:latin typeface="Arial" pitchFamily="-112" charset="0"/>
+                <a:ea typeface="ＭＳ Ｐゴシック" charset="0"/>
+                <a:cs typeface="Arial" pitchFamily="-112" charset="0"/>
+              </a:rPr>
+              <a:t>r.squared</a:t>
+            </a:r>
+            <a:endParaRPr lang="en-GB" sz="1200" b="0" kern="1200" dirty="0">
+              <a:solidFill>
+                <a:schemeClr val="tx1"/>
+              </a:solidFill>
+              <a:effectLst/>
+              <a:latin typeface="Arial" pitchFamily="-112" charset="0"/>
+              <a:ea typeface="ＭＳ Ｐゴシック" charset="0"/>
+              <a:cs typeface="Arial" pitchFamily="-112" charset="0"/>
+            </a:endParaRPr>
+          </a:p>
+          <a:p>
+            <a:r>
+              <a:rPr lang="en-GB" sz="1200" kern="1200" dirty="0" err="1">
+                <a:solidFill>
+                  <a:schemeClr val="tx1"/>
+                </a:solidFill>
+                <a:effectLst/>
+                <a:latin typeface="Arial" pitchFamily="-112" charset="0"/>
+                <a:ea typeface="ＭＳ Ｐゴシック" charset="0"/>
+                <a:cs typeface="Arial" pitchFamily="-112" charset="0"/>
+              </a:rPr>
+              <a:t>abline</a:t>
+            </a:r>
+            <a:r>
+              <a:rPr lang="en-GB" sz="1200" kern="1200" dirty="0">
+                <a:solidFill>
+                  <a:schemeClr val="tx1"/>
+                </a:solidFill>
+                <a:effectLst/>
+                <a:latin typeface="Arial" pitchFamily="-112" charset="0"/>
+                <a:ea typeface="ＭＳ Ｐゴシック" charset="0"/>
+                <a:cs typeface="Arial" pitchFamily="-112" charset="0"/>
+              </a:rPr>
+              <a:t>(</a:t>
+            </a:r>
+            <a:r>
+              <a:rPr lang="en-GB" sz="1200" kern="1200" dirty="0" err="1">
+                <a:solidFill>
+                  <a:schemeClr val="tx1"/>
+                </a:solidFill>
+                <a:effectLst/>
+                <a:latin typeface="Arial" pitchFamily="-112" charset="0"/>
+                <a:ea typeface="ＭＳ Ｐゴシック" charset="0"/>
+                <a:cs typeface="Arial" pitchFamily="-112" charset="0"/>
+              </a:rPr>
+              <a:t>linearMod</a:t>
+            </a:r>
+            <a:r>
+              <a:rPr lang="en-GB" sz="1200" kern="1200" dirty="0">
+                <a:solidFill>
+                  <a:schemeClr val="tx1"/>
+                </a:solidFill>
+                <a:effectLst/>
+                <a:latin typeface="Arial" pitchFamily="-112" charset="0"/>
+                <a:ea typeface="ＭＳ Ｐゴシック" charset="0"/>
+                <a:cs typeface="Arial" pitchFamily="-112" charset="0"/>
+              </a:rPr>
+              <a:t>, col="blue")</a:t>
+            </a:r>
+          </a:p>
+          <a:p>
+            <a:endParaRPr lang="en-US" b="0" dirty="0"/>
+          </a:p>
+          <a:p>
+            <a:endParaRPr lang="en-US" b="0" dirty="0"/>
           </a:p>
         </p:txBody>
       </p:sp>
     </p:spTree>
     <p:extLst>
       <p:ext uri="{BB962C8B-B14F-4D97-AF65-F5344CB8AC3E}">
-        <p14:creationId xmlns:p14="http://schemas.microsoft.com/office/powerpoint/2010/main" val="3499185409"/>
+        <p14:creationId xmlns:p14="http://schemas.microsoft.com/office/powerpoint/2010/main" val="23820918"/>
       </p:ext>
     </p:extLst>
   </p:cSld>
@@ -2628,14 +2215,384 @@
           <a:bodyPr/>
           <a:lstStyle/>
           <a:p>
-            <a:endParaRPr lang="en-US" dirty="0"/>
+            <a:r>
+              <a:rPr lang="en-US" b="0" dirty="0"/>
+              <a:t>head(cars) </a:t>
+            </a:r>
+            <a:r>
+              <a:rPr lang="en-GB" sz="1200" b="0" i="1" kern="1200" dirty="0">
+                <a:solidFill>
+                  <a:schemeClr val="tx1"/>
+                </a:solidFill>
+                <a:effectLst/>
+                <a:latin typeface="Arial" pitchFamily="-112" charset="0"/>
+                <a:ea typeface="ＭＳ Ｐゴシック" charset="0"/>
+                <a:cs typeface="Arial" pitchFamily="-112" charset="0"/>
+              </a:rPr>
+              <a:t>#</a:t>
+            </a:r>
+            <a:r>
+              <a:rPr lang="en-US" b="0" dirty="0"/>
+              <a:t> cars is a table that already comes with R and contain 50 observations of speed and distance in two rows</a:t>
+            </a:r>
+          </a:p>
+          <a:p>
+            <a:r>
+              <a:rPr lang="en-GB" sz="1200" b="0" kern="1200" dirty="0" err="1">
+                <a:solidFill>
+                  <a:schemeClr val="tx1"/>
+                </a:solidFill>
+                <a:effectLst/>
+                <a:latin typeface="Arial" pitchFamily="-112" charset="0"/>
+                <a:ea typeface="ＭＳ Ｐゴシック" charset="0"/>
+                <a:cs typeface="Arial" pitchFamily="-112" charset="0"/>
+              </a:rPr>
+              <a:t>scatter.smooth</a:t>
+            </a:r>
+            <a:r>
+              <a:rPr lang="en-GB" b="0" dirty="0"/>
+              <a:t>(</a:t>
+            </a:r>
+            <a:r>
+              <a:rPr lang="en-GB" sz="1200" b="0" kern="1200" dirty="0">
+                <a:solidFill>
+                  <a:schemeClr val="tx1"/>
+                </a:solidFill>
+                <a:effectLst/>
+                <a:latin typeface="Arial" pitchFamily="-112" charset="0"/>
+                <a:ea typeface="ＭＳ Ｐゴシック" charset="0"/>
+                <a:cs typeface="Arial" pitchFamily="-112" charset="0"/>
+              </a:rPr>
+              <a:t>x=</a:t>
+            </a:r>
+            <a:r>
+              <a:rPr lang="en-GB" b="0" dirty="0" err="1"/>
+              <a:t>cars$speed</a:t>
+            </a:r>
+            <a:r>
+              <a:rPr lang="en-GB" b="0" dirty="0"/>
+              <a:t>, </a:t>
+            </a:r>
+            <a:r>
+              <a:rPr lang="en-GB" sz="1200" b="0" kern="1200" dirty="0">
+                <a:solidFill>
+                  <a:schemeClr val="tx1"/>
+                </a:solidFill>
+                <a:effectLst/>
+                <a:latin typeface="Arial" pitchFamily="-112" charset="0"/>
+                <a:ea typeface="ＭＳ Ｐゴシック" charset="0"/>
+                <a:cs typeface="Arial" pitchFamily="-112" charset="0"/>
+              </a:rPr>
+              <a:t>y=</a:t>
+            </a:r>
+            <a:r>
+              <a:rPr lang="en-GB" b="0" dirty="0" err="1"/>
+              <a:t>cars$dist</a:t>
+            </a:r>
+            <a:r>
+              <a:rPr lang="en-GB" b="0" dirty="0"/>
+              <a:t>, </a:t>
+            </a:r>
+            <a:r>
+              <a:rPr lang="en-GB" sz="1200" b="0" kern="1200" dirty="0">
+                <a:solidFill>
+                  <a:schemeClr val="tx1"/>
+                </a:solidFill>
+                <a:effectLst/>
+                <a:latin typeface="Arial" pitchFamily="-112" charset="0"/>
+                <a:ea typeface="ＭＳ Ｐゴシック" charset="0"/>
+                <a:cs typeface="Arial" pitchFamily="-112" charset="0"/>
+              </a:rPr>
+              <a:t>main="</a:t>
+            </a:r>
+            <a:r>
+              <a:rPr lang="en-GB" sz="1200" b="0" kern="1200" dirty="0" err="1">
+                <a:solidFill>
+                  <a:schemeClr val="tx1"/>
+                </a:solidFill>
+                <a:effectLst/>
+                <a:latin typeface="Arial" pitchFamily="-112" charset="0"/>
+                <a:ea typeface="ＭＳ Ｐゴシック" charset="0"/>
+                <a:cs typeface="Arial" pitchFamily="-112" charset="0"/>
+              </a:rPr>
+              <a:t>Dist</a:t>
+            </a:r>
+            <a:r>
+              <a:rPr lang="en-GB" sz="1200" b="0" kern="1200" dirty="0">
+                <a:solidFill>
+                  <a:schemeClr val="tx1"/>
+                </a:solidFill>
+                <a:effectLst/>
+                <a:latin typeface="Arial" pitchFamily="-112" charset="0"/>
+                <a:ea typeface="ＭＳ Ｐゴシック" charset="0"/>
+                <a:cs typeface="Arial" pitchFamily="-112" charset="0"/>
+              </a:rPr>
+              <a:t> ~ Speed"</a:t>
+            </a:r>
+            <a:r>
+              <a:rPr lang="en-GB" b="0" dirty="0"/>
+              <a:t>) </a:t>
+            </a:r>
+            <a:r>
+              <a:rPr lang="en-GB" sz="1200" b="0" i="1" kern="1200" dirty="0">
+                <a:solidFill>
+                  <a:schemeClr val="tx1"/>
+                </a:solidFill>
+                <a:effectLst/>
+                <a:latin typeface="Arial" pitchFamily="-112" charset="0"/>
+                <a:ea typeface="ＭＳ Ｐゴシック" charset="0"/>
+                <a:cs typeface="Arial" pitchFamily="-112" charset="0"/>
+              </a:rPr>
+              <a:t># scatterplot</a:t>
+            </a:r>
+          </a:p>
+          <a:p>
+            <a:r>
+              <a:rPr lang="en-GB" b="0" dirty="0" err="1"/>
+              <a:t>linearMod</a:t>
+            </a:r>
+            <a:r>
+              <a:rPr lang="en-GB" b="0" dirty="0"/>
+              <a:t> &lt;-</a:t>
+            </a:r>
+            <a:r>
+              <a:rPr lang="en-GB" sz="1200" b="0" kern="1200" dirty="0">
+                <a:solidFill>
+                  <a:schemeClr val="tx1"/>
+                </a:solidFill>
+                <a:effectLst/>
+                <a:latin typeface="Arial" pitchFamily="-112" charset="0"/>
+                <a:ea typeface="ＭＳ Ｐゴシック" charset="0"/>
+                <a:cs typeface="Arial" pitchFamily="-112" charset="0"/>
+              </a:rPr>
+              <a:t> </a:t>
+            </a:r>
+            <a:r>
+              <a:rPr lang="en-GB" sz="1200" b="0" kern="1200" dirty="0" err="1">
+                <a:solidFill>
+                  <a:schemeClr val="tx1"/>
+                </a:solidFill>
+                <a:effectLst/>
+                <a:latin typeface="Arial" pitchFamily="-112" charset="0"/>
+                <a:ea typeface="ＭＳ Ｐゴシック" charset="0"/>
+                <a:cs typeface="Arial" pitchFamily="-112" charset="0"/>
+              </a:rPr>
+              <a:t>lm</a:t>
+            </a:r>
+            <a:r>
+              <a:rPr lang="en-GB" b="0" dirty="0"/>
+              <a:t>(</a:t>
+            </a:r>
+            <a:r>
+              <a:rPr lang="en-GB" b="0" dirty="0" err="1"/>
+              <a:t>dist</a:t>
+            </a:r>
+            <a:r>
+              <a:rPr lang="en-GB" b="0" dirty="0"/>
+              <a:t> ~</a:t>
+            </a:r>
+            <a:r>
+              <a:rPr lang="en-GB" sz="1200" b="0" kern="1200" dirty="0">
+                <a:solidFill>
+                  <a:schemeClr val="tx1"/>
+                </a:solidFill>
+                <a:effectLst/>
+                <a:latin typeface="Arial" pitchFamily="-112" charset="0"/>
+                <a:ea typeface="ＭＳ Ｐゴシック" charset="0"/>
+                <a:cs typeface="Arial" pitchFamily="-112" charset="0"/>
+              </a:rPr>
+              <a:t> </a:t>
+            </a:r>
+            <a:r>
+              <a:rPr lang="en-GB" b="0" dirty="0"/>
+              <a:t>speed, </a:t>
+            </a:r>
+            <a:r>
+              <a:rPr lang="en-GB" sz="1200" b="0" kern="1200" dirty="0">
+                <a:solidFill>
+                  <a:schemeClr val="tx1"/>
+                </a:solidFill>
+                <a:effectLst/>
+                <a:latin typeface="Arial" pitchFamily="-112" charset="0"/>
+                <a:ea typeface="ＭＳ Ｐゴシック" charset="0"/>
+                <a:cs typeface="Arial" pitchFamily="-112" charset="0"/>
+              </a:rPr>
+              <a:t>data=</a:t>
+            </a:r>
+            <a:r>
+              <a:rPr lang="en-GB" b="0" dirty="0"/>
+              <a:t>cars) </a:t>
+            </a:r>
+            <a:r>
+              <a:rPr lang="en-GB" sz="1200" b="0" i="1" kern="1200" dirty="0">
+                <a:solidFill>
+                  <a:schemeClr val="tx1"/>
+                </a:solidFill>
+                <a:effectLst/>
+                <a:latin typeface="Arial" pitchFamily="-112" charset="0"/>
+                <a:ea typeface="ＭＳ Ｐゴシック" charset="0"/>
+                <a:cs typeface="Arial" pitchFamily="-112" charset="0"/>
+              </a:rPr>
+              <a:t># build linear regression model on full data</a:t>
+            </a:r>
+          </a:p>
+          <a:p>
+            <a:r>
+              <a:rPr lang="en-GB" sz="1200" b="0" kern="1200" dirty="0">
+                <a:solidFill>
+                  <a:schemeClr val="tx1"/>
+                </a:solidFill>
+                <a:effectLst/>
+                <a:latin typeface="Arial" pitchFamily="-112" charset="0"/>
+                <a:ea typeface="ＭＳ Ｐゴシック" charset="0"/>
+                <a:cs typeface="Arial" pitchFamily="-112" charset="0"/>
+              </a:rPr>
+              <a:t>summary</a:t>
+            </a:r>
+            <a:r>
+              <a:rPr lang="en-GB" b="0" dirty="0"/>
+              <a:t>(</a:t>
+            </a:r>
+            <a:r>
+              <a:rPr lang="en-GB" b="0" dirty="0" err="1"/>
+              <a:t>linearMod</a:t>
+            </a:r>
+            <a:r>
+              <a:rPr lang="en-GB" b="0" dirty="0"/>
+              <a:t>) </a:t>
+            </a:r>
+            <a:r>
+              <a:rPr lang="en-GB" sz="1200" b="0" i="1" kern="1200" dirty="0">
+                <a:solidFill>
+                  <a:schemeClr val="tx1"/>
+                </a:solidFill>
+                <a:effectLst/>
+                <a:latin typeface="Arial" pitchFamily="-112" charset="0"/>
+                <a:ea typeface="ＭＳ Ｐゴシック" charset="0"/>
+                <a:cs typeface="Arial" pitchFamily="-112" charset="0"/>
+              </a:rPr>
+              <a:t>#</a:t>
+            </a:r>
+            <a:r>
+              <a:rPr lang="en-GB" sz="1200" b="0" kern="1200" dirty="0">
+                <a:solidFill>
+                  <a:schemeClr val="tx1"/>
+                </a:solidFill>
+                <a:effectLst/>
+                <a:latin typeface="Arial" pitchFamily="-112" charset="0"/>
+                <a:ea typeface="ＭＳ Ｐゴシック" charset="0"/>
+                <a:cs typeface="Arial" pitchFamily="-112" charset="0"/>
+              </a:rPr>
+              <a:t> summary(</a:t>
+            </a:r>
+            <a:r>
+              <a:rPr lang="en-GB" sz="1200" b="0" kern="1200" dirty="0" err="1">
+                <a:solidFill>
+                  <a:schemeClr val="tx1"/>
+                </a:solidFill>
+                <a:effectLst/>
+                <a:latin typeface="Arial" pitchFamily="-112" charset="0"/>
+                <a:ea typeface="ＭＳ Ｐゴシック" charset="0"/>
+                <a:cs typeface="Arial" pitchFamily="-112" charset="0"/>
+              </a:rPr>
+              <a:t>linearMod</a:t>
+            </a:r>
+            <a:r>
+              <a:rPr lang="en-GB" sz="1200" b="0" kern="1200" dirty="0">
+                <a:solidFill>
+                  <a:schemeClr val="tx1"/>
+                </a:solidFill>
+                <a:effectLst/>
+                <a:latin typeface="Arial" pitchFamily="-112" charset="0"/>
+                <a:ea typeface="ＭＳ Ｐゴシック" charset="0"/>
+                <a:cs typeface="Arial" pitchFamily="-112" charset="0"/>
+              </a:rPr>
+              <a:t>)$</a:t>
+            </a:r>
+            <a:r>
+              <a:rPr lang="en-GB" sz="1200" b="0" kern="1200" dirty="0" err="1">
+                <a:solidFill>
+                  <a:schemeClr val="tx1"/>
+                </a:solidFill>
+                <a:effectLst/>
+                <a:latin typeface="Arial" pitchFamily="-112" charset="0"/>
+                <a:ea typeface="ＭＳ Ｐゴシック" charset="0"/>
+                <a:cs typeface="Arial" pitchFamily="-112" charset="0"/>
+              </a:rPr>
+              <a:t>r.squared</a:t>
+            </a:r>
+            <a:endParaRPr lang="en-GB" sz="1200" b="0" kern="1200" dirty="0">
+              <a:solidFill>
+                <a:schemeClr val="tx1"/>
+              </a:solidFill>
+              <a:effectLst/>
+              <a:latin typeface="Arial" pitchFamily="-112" charset="0"/>
+              <a:ea typeface="ＭＳ Ｐゴシック" charset="0"/>
+              <a:cs typeface="Arial" pitchFamily="-112" charset="0"/>
+            </a:endParaRPr>
+          </a:p>
+          <a:p>
+            <a:r>
+              <a:rPr lang="en-GB" sz="1200" kern="1200" dirty="0" err="1">
+                <a:solidFill>
+                  <a:schemeClr val="tx1"/>
+                </a:solidFill>
+                <a:effectLst/>
+                <a:latin typeface="Arial" pitchFamily="-112" charset="0"/>
+                <a:ea typeface="ＭＳ Ｐゴシック" charset="0"/>
+                <a:cs typeface="Arial" pitchFamily="-112" charset="0"/>
+              </a:rPr>
+              <a:t>abline</a:t>
+            </a:r>
+            <a:r>
+              <a:rPr lang="en-GB" sz="1200" kern="1200" dirty="0">
+                <a:solidFill>
+                  <a:schemeClr val="tx1"/>
+                </a:solidFill>
+                <a:effectLst/>
+                <a:latin typeface="Arial" pitchFamily="-112" charset="0"/>
+                <a:ea typeface="ＭＳ Ｐゴシック" charset="0"/>
+                <a:cs typeface="Arial" pitchFamily="-112" charset="0"/>
+              </a:rPr>
+              <a:t>(</a:t>
+            </a:r>
+            <a:r>
+              <a:rPr lang="en-GB" sz="1200" kern="1200" dirty="0" err="1">
+                <a:solidFill>
+                  <a:schemeClr val="tx1"/>
+                </a:solidFill>
+                <a:effectLst/>
+                <a:latin typeface="Arial" pitchFamily="-112" charset="0"/>
+                <a:ea typeface="ＭＳ Ｐゴシック" charset="0"/>
+                <a:cs typeface="Arial" pitchFamily="-112" charset="0"/>
+              </a:rPr>
+              <a:t>linearMod</a:t>
+            </a:r>
+            <a:r>
+              <a:rPr lang="en-GB" sz="1200" kern="1200" dirty="0">
+                <a:solidFill>
+                  <a:schemeClr val="tx1"/>
+                </a:solidFill>
+                <a:effectLst/>
+                <a:latin typeface="Arial" pitchFamily="-112" charset="0"/>
+                <a:ea typeface="ＭＳ Ｐゴシック" charset="0"/>
+                <a:cs typeface="Arial" pitchFamily="-112" charset="0"/>
+              </a:rPr>
+              <a:t>, col="blue")</a:t>
+            </a:r>
+          </a:p>
+          <a:p>
+            <a:endParaRPr lang="en-US" b="0" dirty="0"/>
+          </a:p>
+          <a:p>
+            <a:endParaRPr lang="en-US" b="0" dirty="0"/>
           </a:p>
         </p:txBody>
       </p:sp>
     </p:spTree>
     <p:extLst>
       <p:ext uri="{BB962C8B-B14F-4D97-AF65-F5344CB8AC3E}">
-        <p14:creationId xmlns:p14="http://schemas.microsoft.com/office/powerpoint/2010/main" val="2522327774"/>
+        <p14:creationId xmlns:p14="http://schemas.microsoft.com/office/powerpoint/2010/main" val="2613326136"/>
       </p:ext>
     </p:extLst>
   </p:cSld>
@@ -2696,7 +2653,7 @@
     </p:spTree>
     <p:extLst>
       <p:ext uri="{BB962C8B-B14F-4D97-AF65-F5344CB8AC3E}">
-        <p14:creationId xmlns:p14="http://schemas.microsoft.com/office/powerpoint/2010/main" val="1874092422"/>
+        <p14:creationId xmlns:p14="http://schemas.microsoft.com/office/powerpoint/2010/main" val="3499185409"/>
       </p:ext>
     </p:extLst>
   </p:cSld>
@@ -2757,7 +2714,7 @@
     </p:spTree>
     <p:extLst>
       <p:ext uri="{BB962C8B-B14F-4D97-AF65-F5344CB8AC3E}">
-        <p14:creationId xmlns:p14="http://schemas.microsoft.com/office/powerpoint/2010/main" val="1110001098"/>
+        <p14:creationId xmlns:p14="http://schemas.microsoft.com/office/powerpoint/2010/main" val="2522327774"/>
       </p:ext>
     </p:extLst>
   </p:cSld>
@@ -2818,7 +2775,7 @@
     </p:spTree>
     <p:extLst>
       <p:ext uri="{BB962C8B-B14F-4D97-AF65-F5344CB8AC3E}">
-        <p14:creationId xmlns:p14="http://schemas.microsoft.com/office/powerpoint/2010/main" val="2472612760"/>
+        <p14:creationId xmlns:p14="http://schemas.microsoft.com/office/powerpoint/2010/main" val="1874092422"/>
       </p:ext>
     </p:extLst>
   </p:cSld>
@@ -2879,7 +2836,7 @@
     </p:spTree>
     <p:extLst>
       <p:ext uri="{BB962C8B-B14F-4D97-AF65-F5344CB8AC3E}">
-        <p14:creationId xmlns:p14="http://schemas.microsoft.com/office/powerpoint/2010/main" val="2649198506"/>
+        <p14:creationId xmlns:p14="http://schemas.microsoft.com/office/powerpoint/2010/main" val="1110001098"/>
       </p:ext>
     </p:extLst>
   </p:cSld>
@@ -2940,7 +2897,7 @@
     </p:spTree>
     <p:extLst>
       <p:ext uri="{BB962C8B-B14F-4D97-AF65-F5344CB8AC3E}">
-        <p14:creationId xmlns:p14="http://schemas.microsoft.com/office/powerpoint/2010/main" val="1001716625"/>
+        <p14:creationId xmlns:p14="http://schemas.microsoft.com/office/powerpoint/2010/main" val="2472612760"/>
       </p:ext>
     </p:extLst>
   </p:cSld>
@@ -3001,7 +2958,7 @@
     </p:spTree>
     <p:extLst>
       <p:ext uri="{BB962C8B-B14F-4D97-AF65-F5344CB8AC3E}">
-        <p14:creationId xmlns:p14="http://schemas.microsoft.com/office/powerpoint/2010/main" val="831421241"/>
+        <p14:creationId xmlns:p14="http://schemas.microsoft.com/office/powerpoint/2010/main" val="2649198506"/>
       </p:ext>
     </p:extLst>
   </p:cSld>
@@ -3062,7 +3019,7 @@
     </p:spTree>
     <p:extLst>
       <p:ext uri="{BB962C8B-B14F-4D97-AF65-F5344CB8AC3E}">
-        <p14:creationId xmlns:p14="http://schemas.microsoft.com/office/powerpoint/2010/main" val="1057792794"/>
+        <p14:creationId xmlns:p14="http://schemas.microsoft.com/office/powerpoint/2010/main" val="1001716625"/>
       </p:ext>
     </p:extLst>
   </p:cSld>
@@ -3116,408 +3073,14 @@
           <a:bodyPr/>
           <a:lstStyle/>
           <a:p>
-            <a:r>
-              <a:rPr lang="en-US" b="0" dirty="0"/>
-              <a:t>head(cars) </a:t>
-            </a:r>
-            <a:r>
-              <a:rPr lang="en-GB" sz="1200" b="0" i="1" kern="1200" dirty="0">
-                <a:solidFill>
-                  <a:schemeClr val="tx1"/>
-                </a:solidFill>
-                <a:effectLst/>
-                <a:latin typeface="Arial" pitchFamily="-112" charset="0"/>
-                <a:ea typeface="ＭＳ Ｐゴシック" charset="0"/>
-                <a:cs typeface="Arial" pitchFamily="-112" charset="0"/>
-              </a:rPr>
-              <a:t>#</a:t>
-            </a:r>
-            <a:r>
-              <a:rPr lang="en-US" b="0" dirty="0"/>
-              <a:t> cars is a table that already comes with R and contain 50 observations of speed and distance in two rows</a:t>
-            </a:r>
-          </a:p>
-          <a:p>
-            <a:r>
-              <a:rPr lang="en-GB" sz="1200" b="0" kern="1200" dirty="0" err="1">
-                <a:solidFill>
-                  <a:schemeClr val="tx1"/>
-                </a:solidFill>
-                <a:effectLst/>
-                <a:latin typeface="Arial" pitchFamily="-112" charset="0"/>
-                <a:ea typeface="ＭＳ Ｐゴシック" charset="0"/>
-                <a:cs typeface="Arial" pitchFamily="-112" charset="0"/>
-              </a:rPr>
-              <a:t>scatter.smooth</a:t>
-            </a:r>
-            <a:r>
-              <a:rPr lang="en-GB" b="0" dirty="0"/>
-              <a:t>(</a:t>
-            </a:r>
-            <a:r>
-              <a:rPr lang="en-GB" sz="1200" b="0" kern="1200" dirty="0">
-                <a:solidFill>
-                  <a:schemeClr val="tx1"/>
-                </a:solidFill>
-                <a:effectLst/>
-                <a:latin typeface="Arial" pitchFamily="-112" charset="0"/>
-                <a:ea typeface="ＭＳ Ｐゴシック" charset="0"/>
-                <a:cs typeface="Arial" pitchFamily="-112" charset="0"/>
-              </a:rPr>
-              <a:t>x=</a:t>
-            </a:r>
-            <a:r>
-              <a:rPr lang="en-GB" b="0" dirty="0" err="1"/>
-              <a:t>cars$speed</a:t>
-            </a:r>
-            <a:r>
-              <a:rPr lang="en-GB" b="0" dirty="0"/>
-              <a:t>, </a:t>
-            </a:r>
-            <a:r>
-              <a:rPr lang="en-GB" sz="1200" b="0" kern="1200" dirty="0">
-                <a:solidFill>
-                  <a:schemeClr val="tx1"/>
-                </a:solidFill>
-                <a:effectLst/>
-                <a:latin typeface="Arial" pitchFamily="-112" charset="0"/>
-                <a:ea typeface="ＭＳ Ｐゴシック" charset="0"/>
-                <a:cs typeface="Arial" pitchFamily="-112" charset="0"/>
-              </a:rPr>
-              <a:t>y=</a:t>
-            </a:r>
-            <a:r>
-              <a:rPr lang="en-GB" b="0" dirty="0" err="1"/>
-              <a:t>cars$dist</a:t>
-            </a:r>
-            <a:r>
-              <a:rPr lang="en-GB" b="0" dirty="0"/>
-              <a:t>, </a:t>
-            </a:r>
-            <a:r>
-              <a:rPr lang="en-GB" sz="1200" b="0" kern="1200" dirty="0">
-                <a:solidFill>
-                  <a:schemeClr val="tx1"/>
-                </a:solidFill>
-                <a:effectLst/>
-                <a:latin typeface="Arial" pitchFamily="-112" charset="0"/>
-                <a:ea typeface="ＭＳ Ｐゴシック" charset="0"/>
-                <a:cs typeface="Arial" pitchFamily="-112" charset="0"/>
-              </a:rPr>
-              <a:t>main="</a:t>
-            </a:r>
-            <a:r>
-              <a:rPr lang="en-GB" sz="1200" b="0" kern="1200" dirty="0" err="1">
-                <a:solidFill>
-                  <a:schemeClr val="tx1"/>
-                </a:solidFill>
-                <a:effectLst/>
-                <a:latin typeface="Arial" pitchFamily="-112" charset="0"/>
-                <a:ea typeface="ＭＳ Ｐゴシック" charset="0"/>
-                <a:cs typeface="Arial" pitchFamily="-112" charset="0"/>
-              </a:rPr>
-              <a:t>Dist</a:t>
-            </a:r>
-            <a:r>
-              <a:rPr lang="en-GB" sz="1200" b="0" kern="1200" dirty="0">
-                <a:solidFill>
-                  <a:schemeClr val="tx1"/>
-                </a:solidFill>
-                <a:effectLst/>
-                <a:latin typeface="Arial" pitchFamily="-112" charset="0"/>
-                <a:ea typeface="ＭＳ Ｐゴシック" charset="0"/>
-                <a:cs typeface="Arial" pitchFamily="-112" charset="0"/>
-              </a:rPr>
-              <a:t> ~ Speed"</a:t>
-            </a:r>
-            <a:r>
-              <a:rPr lang="en-GB" b="0" dirty="0"/>
-              <a:t>) </a:t>
-            </a:r>
-            <a:r>
-              <a:rPr lang="en-GB" sz="1200" b="0" i="1" kern="1200" dirty="0">
-                <a:solidFill>
-                  <a:schemeClr val="tx1"/>
-                </a:solidFill>
-                <a:effectLst/>
-                <a:latin typeface="Arial" pitchFamily="-112" charset="0"/>
-                <a:ea typeface="ＭＳ Ｐゴシック" charset="0"/>
-                <a:cs typeface="Arial" pitchFamily="-112" charset="0"/>
-              </a:rPr>
-              <a:t># scatterplot</a:t>
-            </a:r>
-          </a:p>
-          <a:p>
-            <a:r>
-              <a:rPr lang="en-GB" b="0" dirty="0" err="1"/>
-              <a:t>linearMod</a:t>
-            </a:r>
-            <a:r>
-              <a:rPr lang="en-GB" b="0" dirty="0"/>
-              <a:t> &lt;-</a:t>
-            </a:r>
-            <a:r>
-              <a:rPr lang="en-GB" sz="1200" b="0" kern="1200" dirty="0">
-                <a:solidFill>
-                  <a:schemeClr val="tx1"/>
-                </a:solidFill>
-                <a:effectLst/>
-                <a:latin typeface="Arial" pitchFamily="-112" charset="0"/>
-                <a:ea typeface="ＭＳ Ｐゴシック" charset="0"/>
-                <a:cs typeface="Arial" pitchFamily="-112" charset="0"/>
-              </a:rPr>
-              <a:t> </a:t>
-            </a:r>
-            <a:r>
-              <a:rPr lang="en-GB" sz="1200" b="0" kern="1200" dirty="0" err="1">
-                <a:solidFill>
-                  <a:schemeClr val="tx1"/>
-                </a:solidFill>
-                <a:effectLst/>
-                <a:latin typeface="Arial" pitchFamily="-112" charset="0"/>
-                <a:ea typeface="ＭＳ Ｐゴシック" charset="0"/>
-                <a:cs typeface="Arial" pitchFamily="-112" charset="0"/>
-              </a:rPr>
-              <a:t>lm</a:t>
-            </a:r>
-            <a:r>
-              <a:rPr lang="en-GB" b="0" dirty="0"/>
-              <a:t>(</a:t>
-            </a:r>
-            <a:r>
-              <a:rPr lang="en-GB" b="0" dirty="0" err="1"/>
-              <a:t>dist</a:t>
-            </a:r>
-            <a:r>
-              <a:rPr lang="en-GB" b="0" dirty="0"/>
-              <a:t> ~</a:t>
-            </a:r>
-            <a:r>
-              <a:rPr lang="en-GB" sz="1200" b="0" kern="1200" dirty="0">
-                <a:solidFill>
-                  <a:schemeClr val="tx1"/>
-                </a:solidFill>
-                <a:effectLst/>
-                <a:latin typeface="Arial" pitchFamily="-112" charset="0"/>
-                <a:ea typeface="ＭＳ Ｐゴシック" charset="0"/>
-                <a:cs typeface="Arial" pitchFamily="-112" charset="0"/>
-              </a:rPr>
-              <a:t> </a:t>
-            </a:r>
-            <a:r>
-              <a:rPr lang="en-GB" b="0" dirty="0"/>
-              <a:t>speed, </a:t>
-            </a:r>
-            <a:r>
-              <a:rPr lang="en-GB" sz="1200" b="0" kern="1200" dirty="0">
-                <a:solidFill>
-                  <a:schemeClr val="tx1"/>
-                </a:solidFill>
-                <a:effectLst/>
-                <a:latin typeface="Arial" pitchFamily="-112" charset="0"/>
-                <a:ea typeface="ＭＳ Ｐゴシック" charset="0"/>
-                <a:cs typeface="Arial" pitchFamily="-112" charset="0"/>
-              </a:rPr>
-              <a:t>data=</a:t>
-            </a:r>
-            <a:r>
-              <a:rPr lang="en-GB" b="0" dirty="0"/>
-              <a:t>cars) </a:t>
-            </a:r>
-            <a:r>
-              <a:rPr lang="en-GB" sz="1200" b="0" i="1" kern="1200" dirty="0">
-                <a:solidFill>
-                  <a:schemeClr val="tx1"/>
-                </a:solidFill>
-                <a:effectLst/>
-                <a:latin typeface="Arial" pitchFamily="-112" charset="0"/>
-                <a:ea typeface="ＭＳ Ｐゴシック" charset="0"/>
-                <a:cs typeface="Arial" pitchFamily="-112" charset="0"/>
-              </a:rPr>
-              <a:t># build linear regression model on full data</a:t>
-            </a:r>
-          </a:p>
-          <a:p>
-            <a:r>
-              <a:rPr lang="en-GB" sz="1200" b="0" kern="1200" dirty="0">
-                <a:solidFill>
-                  <a:schemeClr val="tx1"/>
-                </a:solidFill>
-                <a:effectLst/>
-                <a:latin typeface="Arial" pitchFamily="-112" charset="0"/>
-                <a:ea typeface="ＭＳ Ｐゴシック" charset="0"/>
-                <a:cs typeface="Arial" pitchFamily="-112" charset="0"/>
-              </a:rPr>
-              <a:t>summary</a:t>
-            </a:r>
-            <a:r>
-              <a:rPr lang="en-GB" b="0" dirty="0"/>
-              <a:t>(</a:t>
-            </a:r>
-            <a:r>
-              <a:rPr lang="en-GB" b="0" dirty="0" err="1"/>
-              <a:t>linearMod</a:t>
-            </a:r>
-            <a:r>
-              <a:rPr lang="en-GB" b="0" dirty="0"/>
-              <a:t>) </a:t>
-            </a:r>
-            <a:r>
-              <a:rPr lang="en-GB" sz="1200" b="0" i="1" kern="1200" dirty="0">
-                <a:solidFill>
-                  <a:schemeClr val="tx1"/>
-                </a:solidFill>
-                <a:effectLst/>
-                <a:latin typeface="Arial" pitchFamily="-112" charset="0"/>
-                <a:ea typeface="ＭＳ Ｐゴシック" charset="0"/>
-                <a:cs typeface="Arial" pitchFamily="-112" charset="0"/>
-              </a:rPr>
-              <a:t>#</a:t>
-            </a:r>
-            <a:r>
-              <a:rPr lang="en-GB" sz="1200" b="0" kern="1200" dirty="0">
-                <a:solidFill>
-                  <a:schemeClr val="tx1"/>
-                </a:solidFill>
-                <a:effectLst/>
-                <a:latin typeface="Arial" pitchFamily="-112" charset="0"/>
-                <a:ea typeface="ＭＳ Ｐゴシック" charset="0"/>
-                <a:cs typeface="Arial" pitchFamily="-112" charset="0"/>
-              </a:rPr>
-              <a:t> summary(</a:t>
-            </a:r>
-            <a:r>
-              <a:rPr lang="en-GB" sz="1200" b="0" kern="1200" dirty="0" err="1">
-                <a:solidFill>
-                  <a:schemeClr val="tx1"/>
-                </a:solidFill>
-                <a:effectLst/>
-                <a:latin typeface="Arial" pitchFamily="-112" charset="0"/>
-                <a:ea typeface="ＭＳ Ｐゴシック" charset="0"/>
-                <a:cs typeface="Arial" pitchFamily="-112" charset="0"/>
-              </a:rPr>
-              <a:t>linearMod</a:t>
-            </a:r>
-            <a:r>
-              <a:rPr lang="en-GB" sz="1200" b="0" kern="1200" dirty="0">
-                <a:solidFill>
-                  <a:schemeClr val="tx1"/>
-                </a:solidFill>
-                <a:effectLst/>
-                <a:latin typeface="Arial" pitchFamily="-112" charset="0"/>
-                <a:ea typeface="ＭＳ Ｐゴシック" charset="0"/>
-                <a:cs typeface="Arial" pitchFamily="-112" charset="0"/>
-              </a:rPr>
-              <a:t>)$</a:t>
-            </a:r>
-            <a:r>
-              <a:rPr lang="en-GB" sz="1200" b="0" kern="1200" dirty="0" err="1">
-                <a:solidFill>
-                  <a:schemeClr val="tx1"/>
-                </a:solidFill>
-                <a:effectLst/>
-                <a:latin typeface="Arial" pitchFamily="-112" charset="0"/>
-                <a:ea typeface="ＭＳ Ｐゴシック" charset="0"/>
-                <a:cs typeface="Arial" pitchFamily="-112" charset="0"/>
-              </a:rPr>
-              <a:t>r.squared</a:t>
-            </a:r>
-            <a:endParaRPr lang="en-GB" sz="1200" b="0" kern="1200" dirty="0">
-              <a:solidFill>
-                <a:schemeClr val="tx1"/>
-              </a:solidFill>
-              <a:effectLst/>
-              <a:latin typeface="Arial" pitchFamily="-112" charset="0"/>
-              <a:ea typeface="ＭＳ Ｐゴシック" charset="0"/>
-              <a:cs typeface="Arial" pitchFamily="-112" charset="0"/>
-            </a:endParaRPr>
-          </a:p>
-          <a:p>
-            <a:r>
-              <a:rPr lang="en-GB" sz="1200" kern="1200" dirty="0" err="1">
-                <a:solidFill>
-                  <a:schemeClr val="tx1"/>
-                </a:solidFill>
-                <a:effectLst/>
-                <a:latin typeface="Arial" pitchFamily="-112" charset="0"/>
-                <a:ea typeface="ＭＳ Ｐゴシック" charset="0"/>
-                <a:cs typeface="Arial" pitchFamily="-112" charset="0"/>
-              </a:rPr>
-              <a:t>abline</a:t>
-            </a:r>
-            <a:r>
-              <a:rPr lang="en-GB" sz="1200" kern="1200" dirty="0">
-                <a:solidFill>
-                  <a:schemeClr val="tx1"/>
-                </a:solidFill>
-                <a:effectLst/>
-                <a:latin typeface="Arial" pitchFamily="-112" charset="0"/>
-                <a:ea typeface="ＭＳ Ｐゴシック" charset="0"/>
-                <a:cs typeface="Arial" pitchFamily="-112" charset="0"/>
-              </a:rPr>
-              <a:t>(</a:t>
-            </a:r>
-            <a:r>
-              <a:rPr lang="en-GB" sz="1200" kern="1200" dirty="0" err="1">
-                <a:solidFill>
-                  <a:schemeClr val="tx1"/>
-                </a:solidFill>
-                <a:effectLst/>
-                <a:latin typeface="Arial" pitchFamily="-112" charset="0"/>
-                <a:ea typeface="ＭＳ Ｐゴシック" charset="0"/>
-                <a:cs typeface="Arial" pitchFamily="-112" charset="0"/>
-              </a:rPr>
-              <a:t>linearMod</a:t>
-            </a:r>
-            <a:r>
-              <a:rPr lang="en-GB" sz="1200" kern="1200" dirty="0">
-                <a:solidFill>
-                  <a:schemeClr val="tx1"/>
-                </a:solidFill>
-                <a:effectLst/>
-                <a:latin typeface="Arial" pitchFamily="-112" charset="0"/>
-                <a:ea typeface="ＭＳ Ｐゴシック" charset="0"/>
-                <a:cs typeface="Arial" pitchFamily="-112" charset="0"/>
-              </a:rPr>
-              <a:t>, col="blue")</a:t>
-            </a:r>
-          </a:p>
-          <a:p>
-            <a:endParaRPr lang="en-US" b="0" dirty="0"/>
-          </a:p>
-          <a:p>
-            <a:endParaRPr lang="en-US" b="0" dirty="0"/>
-          </a:p>
-        </p:txBody>
-      </p:sp>
-      <p:sp>
-        <p:nvSpPr>
-          <p:cNvPr id="4" name="Slide Number Placeholder 3"/>
-          <p:cNvSpPr>
-            <a:spLocks noGrp="1"/>
-          </p:cNvSpPr>
-          <p:nvPr>
-            <p:ph type="sldNum" sz="quarter" idx="5"/>
-          </p:nvPr>
-        </p:nvSpPr>
-        <p:spPr/>
-        <p:txBody>
-          <a:bodyPr/>
-          <a:lstStyle/>
-          <a:p>
-            <a:fld id="{E91DA07C-0371-AF49-92B1-98B16D460E6C}" type="slidenum">
-              <a:rPr lang="en-US" smtClean="0"/>
-              <a:pPr/>
-              <a:t>37</a:t>
-            </a:fld>
-            <a:endParaRPr lang="en-US"/>
+            <a:endParaRPr lang="en-US" dirty="0"/>
           </a:p>
         </p:txBody>
       </p:sp>
     </p:spTree>
     <p:extLst>
       <p:ext uri="{BB962C8B-B14F-4D97-AF65-F5344CB8AC3E}">
-        <p14:creationId xmlns:p14="http://schemas.microsoft.com/office/powerpoint/2010/main" val="1808907745"/>
+        <p14:creationId xmlns:p14="http://schemas.microsoft.com/office/powerpoint/2010/main" val="831421241"/>
       </p:ext>
     </p:extLst>
   </p:cSld>
@@ -3578,7 +3141,7 @@
     </p:spTree>
     <p:extLst>
       <p:ext uri="{BB962C8B-B14F-4D97-AF65-F5344CB8AC3E}">
-        <p14:creationId xmlns:p14="http://schemas.microsoft.com/office/powerpoint/2010/main" val="1855829942"/>
+        <p14:creationId xmlns:p14="http://schemas.microsoft.com/office/powerpoint/2010/main" val="3794071447"/>
       </p:ext>
     </p:extLst>
   </p:cSld>
@@ -3589,6 +3152,522 @@
 </file>
 
 <file path=ppt/notesSlides/notesSlide30.xml><?xml version="1.0" encoding="utf-8"?>
+<p:notes xmlns:a="http://schemas.openxmlformats.org/drawingml/2006/main" xmlns:r="http://schemas.openxmlformats.org/officeDocument/2006/relationships" xmlns:p="http://schemas.openxmlformats.org/presentationml/2006/main">
+  <p:cSld>
+    <p:spTree>
+      <p:nvGrpSpPr>
+        <p:cNvPr id="1" name=""/>
+        <p:cNvGrpSpPr/>
+        <p:nvPr/>
+      </p:nvGrpSpPr>
+      <p:grpSpPr>
+        <a:xfrm>
+          <a:off x="0" y="0"/>
+          <a:ext cx="0" cy="0"/>
+          <a:chOff x="0" y="0"/>
+          <a:chExt cx="0" cy="0"/>
+        </a:xfrm>
+      </p:grpSpPr>
+      <p:sp>
+        <p:nvSpPr>
+          <p:cNvPr id="2" name="Slide Image Placeholder 1"/>
+          <p:cNvSpPr>
+            <a:spLocks noGrp="1" noRot="1" noChangeAspect="1"/>
+          </p:cNvSpPr>
+          <p:nvPr>
+            <p:ph type="sldImg"/>
+          </p:nvPr>
+        </p:nvSpPr>
+        <p:spPr/>
+      </p:sp>
+      <p:sp>
+        <p:nvSpPr>
+          <p:cNvPr id="3" name="Notes Placeholder 2"/>
+          <p:cNvSpPr>
+            <a:spLocks noGrp="1"/>
+          </p:cNvSpPr>
+          <p:nvPr>
+            <p:ph type="body" idx="1"/>
+          </p:nvPr>
+        </p:nvSpPr>
+        <p:spPr/>
+        <p:txBody>
+          <a:bodyPr/>
+          <a:lstStyle/>
+          <a:p>
+            <a:endParaRPr lang="en-US" dirty="0"/>
+          </a:p>
+        </p:txBody>
+      </p:sp>
+    </p:spTree>
+    <p:extLst>
+      <p:ext uri="{BB962C8B-B14F-4D97-AF65-F5344CB8AC3E}">
+        <p14:creationId xmlns:p14="http://schemas.microsoft.com/office/powerpoint/2010/main" val="1057792794"/>
+      </p:ext>
+    </p:extLst>
+  </p:cSld>
+  <p:clrMapOvr>
+    <a:masterClrMapping/>
+  </p:clrMapOvr>
+</p:notes>
+</file>
+
+<file path=ppt/notesSlides/notesSlide31.xml><?xml version="1.0" encoding="utf-8"?>
+<p:notes xmlns:a="http://schemas.openxmlformats.org/drawingml/2006/main" xmlns:r="http://schemas.openxmlformats.org/officeDocument/2006/relationships" xmlns:p="http://schemas.openxmlformats.org/presentationml/2006/main">
+  <p:cSld>
+    <p:spTree>
+      <p:nvGrpSpPr>
+        <p:cNvPr id="1" name=""/>
+        <p:cNvGrpSpPr/>
+        <p:nvPr/>
+      </p:nvGrpSpPr>
+      <p:grpSpPr>
+        <a:xfrm>
+          <a:off x="0" y="0"/>
+          <a:ext cx="0" cy="0"/>
+          <a:chOff x="0" y="0"/>
+          <a:chExt cx="0" cy="0"/>
+        </a:xfrm>
+      </p:grpSpPr>
+      <p:sp>
+        <p:nvSpPr>
+          <p:cNvPr id="2" name="Slide Image Placeholder 1"/>
+          <p:cNvSpPr>
+            <a:spLocks noGrp="1" noRot="1" noChangeAspect="1"/>
+          </p:cNvSpPr>
+          <p:nvPr>
+            <p:ph type="sldImg"/>
+          </p:nvPr>
+        </p:nvSpPr>
+        <p:spPr/>
+      </p:sp>
+      <p:sp>
+        <p:nvSpPr>
+          <p:cNvPr id="3" name="Notes Placeholder 2"/>
+          <p:cNvSpPr>
+            <a:spLocks noGrp="1"/>
+          </p:cNvSpPr>
+          <p:nvPr>
+            <p:ph type="body" idx="1"/>
+          </p:nvPr>
+        </p:nvSpPr>
+        <p:spPr/>
+        <p:txBody>
+          <a:bodyPr/>
+          <a:lstStyle/>
+          <a:p>
+            <a:r>
+              <a:rPr lang="en-US" b="0" dirty="0"/>
+              <a:t>head(cars) </a:t>
+            </a:r>
+            <a:r>
+              <a:rPr lang="en-GB" sz="1200" b="0" i="1" kern="1200" dirty="0">
+                <a:solidFill>
+                  <a:schemeClr val="tx1"/>
+                </a:solidFill>
+                <a:effectLst/>
+                <a:latin typeface="Arial" pitchFamily="-112" charset="0"/>
+                <a:ea typeface="ＭＳ Ｐゴシック" charset="0"/>
+                <a:cs typeface="Arial" pitchFamily="-112" charset="0"/>
+              </a:rPr>
+              <a:t>#</a:t>
+            </a:r>
+            <a:r>
+              <a:rPr lang="en-US" b="0" dirty="0"/>
+              <a:t> cars is a table that already comes with R and contain 50 observations of speed and distance in two rows</a:t>
+            </a:r>
+          </a:p>
+          <a:p>
+            <a:r>
+              <a:rPr lang="en-GB" sz="1200" b="0" kern="1200" dirty="0" err="1">
+                <a:solidFill>
+                  <a:schemeClr val="tx1"/>
+                </a:solidFill>
+                <a:effectLst/>
+                <a:latin typeface="Arial" pitchFamily="-112" charset="0"/>
+                <a:ea typeface="ＭＳ Ｐゴシック" charset="0"/>
+                <a:cs typeface="Arial" pitchFamily="-112" charset="0"/>
+              </a:rPr>
+              <a:t>scatter.smooth</a:t>
+            </a:r>
+            <a:r>
+              <a:rPr lang="en-GB" b="0" dirty="0"/>
+              <a:t>(</a:t>
+            </a:r>
+            <a:r>
+              <a:rPr lang="en-GB" sz="1200" b="0" kern="1200" dirty="0">
+                <a:solidFill>
+                  <a:schemeClr val="tx1"/>
+                </a:solidFill>
+                <a:effectLst/>
+                <a:latin typeface="Arial" pitchFamily="-112" charset="0"/>
+                <a:ea typeface="ＭＳ Ｐゴシック" charset="0"/>
+                <a:cs typeface="Arial" pitchFamily="-112" charset="0"/>
+              </a:rPr>
+              <a:t>x=</a:t>
+            </a:r>
+            <a:r>
+              <a:rPr lang="en-GB" b="0" dirty="0" err="1"/>
+              <a:t>cars$speed</a:t>
+            </a:r>
+            <a:r>
+              <a:rPr lang="en-GB" b="0" dirty="0"/>
+              <a:t>, </a:t>
+            </a:r>
+            <a:r>
+              <a:rPr lang="en-GB" sz="1200" b="0" kern="1200" dirty="0">
+                <a:solidFill>
+                  <a:schemeClr val="tx1"/>
+                </a:solidFill>
+                <a:effectLst/>
+                <a:latin typeface="Arial" pitchFamily="-112" charset="0"/>
+                <a:ea typeface="ＭＳ Ｐゴシック" charset="0"/>
+                <a:cs typeface="Arial" pitchFamily="-112" charset="0"/>
+              </a:rPr>
+              <a:t>y=</a:t>
+            </a:r>
+            <a:r>
+              <a:rPr lang="en-GB" b="0" dirty="0" err="1"/>
+              <a:t>cars$dist</a:t>
+            </a:r>
+            <a:r>
+              <a:rPr lang="en-GB" b="0" dirty="0"/>
+              <a:t>, </a:t>
+            </a:r>
+            <a:r>
+              <a:rPr lang="en-GB" sz="1200" b="0" kern="1200" dirty="0">
+                <a:solidFill>
+                  <a:schemeClr val="tx1"/>
+                </a:solidFill>
+                <a:effectLst/>
+                <a:latin typeface="Arial" pitchFamily="-112" charset="0"/>
+                <a:ea typeface="ＭＳ Ｐゴシック" charset="0"/>
+                <a:cs typeface="Arial" pitchFamily="-112" charset="0"/>
+              </a:rPr>
+              <a:t>main="</a:t>
+            </a:r>
+            <a:r>
+              <a:rPr lang="en-GB" sz="1200" b="0" kern="1200" dirty="0" err="1">
+                <a:solidFill>
+                  <a:schemeClr val="tx1"/>
+                </a:solidFill>
+                <a:effectLst/>
+                <a:latin typeface="Arial" pitchFamily="-112" charset="0"/>
+                <a:ea typeface="ＭＳ Ｐゴシック" charset="0"/>
+                <a:cs typeface="Arial" pitchFamily="-112" charset="0"/>
+              </a:rPr>
+              <a:t>Dist</a:t>
+            </a:r>
+            <a:r>
+              <a:rPr lang="en-GB" sz="1200" b="0" kern="1200" dirty="0">
+                <a:solidFill>
+                  <a:schemeClr val="tx1"/>
+                </a:solidFill>
+                <a:effectLst/>
+                <a:latin typeface="Arial" pitchFamily="-112" charset="0"/>
+                <a:ea typeface="ＭＳ Ｐゴシック" charset="0"/>
+                <a:cs typeface="Arial" pitchFamily="-112" charset="0"/>
+              </a:rPr>
+              <a:t> ~ Speed"</a:t>
+            </a:r>
+            <a:r>
+              <a:rPr lang="en-GB" b="0" dirty="0"/>
+              <a:t>) </a:t>
+            </a:r>
+            <a:r>
+              <a:rPr lang="en-GB" sz="1200" b="0" i="1" kern="1200" dirty="0">
+                <a:solidFill>
+                  <a:schemeClr val="tx1"/>
+                </a:solidFill>
+                <a:effectLst/>
+                <a:latin typeface="Arial" pitchFamily="-112" charset="0"/>
+                <a:ea typeface="ＭＳ Ｐゴシック" charset="0"/>
+                <a:cs typeface="Arial" pitchFamily="-112" charset="0"/>
+              </a:rPr>
+              <a:t># scatterplot</a:t>
+            </a:r>
+          </a:p>
+          <a:p>
+            <a:r>
+              <a:rPr lang="en-GB" b="0" dirty="0" err="1"/>
+              <a:t>linearMod</a:t>
+            </a:r>
+            <a:r>
+              <a:rPr lang="en-GB" b="0" dirty="0"/>
+              <a:t> &lt;-</a:t>
+            </a:r>
+            <a:r>
+              <a:rPr lang="en-GB" sz="1200" b="0" kern="1200" dirty="0">
+                <a:solidFill>
+                  <a:schemeClr val="tx1"/>
+                </a:solidFill>
+                <a:effectLst/>
+                <a:latin typeface="Arial" pitchFamily="-112" charset="0"/>
+                <a:ea typeface="ＭＳ Ｐゴシック" charset="0"/>
+                <a:cs typeface="Arial" pitchFamily="-112" charset="0"/>
+              </a:rPr>
+              <a:t> </a:t>
+            </a:r>
+            <a:r>
+              <a:rPr lang="en-GB" sz="1200" b="0" kern="1200" dirty="0" err="1">
+                <a:solidFill>
+                  <a:schemeClr val="tx1"/>
+                </a:solidFill>
+                <a:effectLst/>
+                <a:latin typeface="Arial" pitchFamily="-112" charset="0"/>
+                <a:ea typeface="ＭＳ Ｐゴシック" charset="0"/>
+                <a:cs typeface="Arial" pitchFamily="-112" charset="0"/>
+              </a:rPr>
+              <a:t>lm</a:t>
+            </a:r>
+            <a:r>
+              <a:rPr lang="en-GB" b="0" dirty="0"/>
+              <a:t>(</a:t>
+            </a:r>
+            <a:r>
+              <a:rPr lang="en-GB" b="0" dirty="0" err="1"/>
+              <a:t>dist</a:t>
+            </a:r>
+            <a:r>
+              <a:rPr lang="en-GB" b="0" dirty="0"/>
+              <a:t> ~</a:t>
+            </a:r>
+            <a:r>
+              <a:rPr lang="en-GB" sz="1200" b="0" kern="1200" dirty="0">
+                <a:solidFill>
+                  <a:schemeClr val="tx1"/>
+                </a:solidFill>
+                <a:effectLst/>
+                <a:latin typeface="Arial" pitchFamily="-112" charset="0"/>
+                <a:ea typeface="ＭＳ Ｐゴシック" charset="0"/>
+                <a:cs typeface="Arial" pitchFamily="-112" charset="0"/>
+              </a:rPr>
+              <a:t> </a:t>
+            </a:r>
+            <a:r>
+              <a:rPr lang="en-GB" b="0" dirty="0"/>
+              <a:t>speed, </a:t>
+            </a:r>
+            <a:r>
+              <a:rPr lang="en-GB" sz="1200" b="0" kern="1200" dirty="0">
+                <a:solidFill>
+                  <a:schemeClr val="tx1"/>
+                </a:solidFill>
+                <a:effectLst/>
+                <a:latin typeface="Arial" pitchFamily="-112" charset="0"/>
+                <a:ea typeface="ＭＳ Ｐゴシック" charset="0"/>
+                <a:cs typeface="Arial" pitchFamily="-112" charset="0"/>
+              </a:rPr>
+              <a:t>data=</a:t>
+            </a:r>
+            <a:r>
+              <a:rPr lang="en-GB" b="0" dirty="0"/>
+              <a:t>cars) </a:t>
+            </a:r>
+            <a:r>
+              <a:rPr lang="en-GB" sz="1200" b="0" i="1" kern="1200" dirty="0">
+                <a:solidFill>
+                  <a:schemeClr val="tx1"/>
+                </a:solidFill>
+                <a:effectLst/>
+                <a:latin typeface="Arial" pitchFamily="-112" charset="0"/>
+                <a:ea typeface="ＭＳ Ｐゴシック" charset="0"/>
+                <a:cs typeface="Arial" pitchFamily="-112" charset="0"/>
+              </a:rPr>
+              <a:t># build linear regression model on full data</a:t>
+            </a:r>
+          </a:p>
+          <a:p>
+            <a:r>
+              <a:rPr lang="en-GB" sz="1200" b="0" kern="1200" dirty="0">
+                <a:solidFill>
+                  <a:schemeClr val="tx1"/>
+                </a:solidFill>
+                <a:effectLst/>
+                <a:latin typeface="Arial" pitchFamily="-112" charset="0"/>
+                <a:ea typeface="ＭＳ Ｐゴシック" charset="0"/>
+                <a:cs typeface="Arial" pitchFamily="-112" charset="0"/>
+              </a:rPr>
+              <a:t>summary</a:t>
+            </a:r>
+            <a:r>
+              <a:rPr lang="en-GB" b="0" dirty="0"/>
+              <a:t>(</a:t>
+            </a:r>
+            <a:r>
+              <a:rPr lang="en-GB" b="0" dirty="0" err="1"/>
+              <a:t>linearMod</a:t>
+            </a:r>
+            <a:r>
+              <a:rPr lang="en-GB" b="0" dirty="0"/>
+              <a:t>) </a:t>
+            </a:r>
+            <a:r>
+              <a:rPr lang="en-GB" sz="1200" b="0" i="1" kern="1200" dirty="0">
+                <a:solidFill>
+                  <a:schemeClr val="tx1"/>
+                </a:solidFill>
+                <a:effectLst/>
+                <a:latin typeface="Arial" pitchFamily="-112" charset="0"/>
+                <a:ea typeface="ＭＳ Ｐゴシック" charset="0"/>
+                <a:cs typeface="Arial" pitchFamily="-112" charset="0"/>
+              </a:rPr>
+              <a:t>#</a:t>
+            </a:r>
+            <a:r>
+              <a:rPr lang="en-GB" sz="1200" b="0" kern="1200" dirty="0">
+                <a:solidFill>
+                  <a:schemeClr val="tx1"/>
+                </a:solidFill>
+                <a:effectLst/>
+                <a:latin typeface="Arial" pitchFamily="-112" charset="0"/>
+                <a:ea typeface="ＭＳ Ｐゴシック" charset="0"/>
+                <a:cs typeface="Arial" pitchFamily="-112" charset="0"/>
+              </a:rPr>
+              <a:t> summary(</a:t>
+            </a:r>
+            <a:r>
+              <a:rPr lang="en-GB" sz="1200" b="0" kern="1200" dirty="0" err="1">
+                <a:solidFill>
+                  <a:schemeClr val="tx1"/>
+                </a:solidFill>
+                <a:effectLst/>
+                <a:latin typeface="Arial" pitchFamily="-112" charset="0"/>
+                <a:ea typeface="ＭＳ Ｐゴシック" charset="0"/>
+                <a:cs typeface="Arial" pitchFamily="-112" charset="0"/>
+              </a:rPr>
+              <a:t>linearMod</a:t>
+            </a:r>
+            <a:r>
+              <a:rPr lang="en-GB" sz="1200" b="0" kern="1200" dirty="0">
+                <a:solidFill>
+                  <a:schemeClr val="tx1"/>
+                </a:solidFill>
+                <a:effectLst/>
+                <a:latin typeface="Arial" pitchFamily="-112" charset="0"/>
+                <a:ea typeface="ＭＳ Ｐゴシック" charset="0"/>
+                <a:cs typeface="Arial" pitchFamily="-112" charset="0"/>
+              </a:rPr>
+              <a:t>)$</a:t>
+            </a:r>
+            <a:r>
+              <a:rPr lang="en-GB" sz="1200" b="0" kern="1200" dirty="0" err="1">
+                <a:solidFill>
+                  <a:schemeClr val="tx1"/>
+                </a:solidFill>
+                <a:effectLst/>
+                <a:latin typeface="Arial" pitchFamily="-112" charset="0"/>
+                <a:ea typeface="ＭＳ Ｐゴシック" charset="0"/>
+                <a:cs typeface="Arial" pitchFamily="-112" charset="0"/>
+              </a:rPr>
+              <a:t>r.squared</a:t>
+            </a:r>
+            <a:endParaRPr lang="en-GB" sz="1200" b="0" kern="1200" dirty="0">
+              <a:solidFill>
+                <a:schemeClr val="tx1"/>
+              </a:solidFill>
+              <a:effectLst/>
+              <a:latin typeface="Arial" pitchFamily="-112" charset="0"/>
+              <a:ea typeface="ＭＳ Ｐゴシック" charset="0"/>
+              <a:cs typeface="Arial" pitchFamily="-112" charset="0"/>
+            </a:endParaRPr>
+          </a:p>
+          <a:p>
+            <a:r>
+              <a:rPr lang="en-GB" sz="1200" kern="1200" dirty="0" err="1">
+                <a:solidFill>
+                  <a:schemeClr val="tx1"/>
+                </a:solidFill>
+                <a:effectLst/>
+                <a:latin typeface="Arial" pitchFamily="-112" charset="0"/>
+                <a:ea typeface="ＭＳ Ｐゴシック" charset="0"/>
+                <a:cs typeface="Arial" pitchFamily="-112" charset="0"/>
+              </a:rPr>
+              <a:t>abline</a:t>
+            </a:r>
+            <a:r>
+              <a:rPr lang="en-GB" sz="1200" kern="1200" dirty="0">
+                <a:solidFill>
+                  <a:schemeClr val="tx1"/>
+                </a:solidFill>
+                <a:effectLst/>
+                <a:latin typeface="Arial" pitchFamily="-112" charset="0"/>
+                <a:ea typeface="ＭＳ Ｐゴシック" charset="0"/>
+                <a:cs typeface="Arial" pitchFamily="-112" charset="0"/>
+              </a:rPr>
+              <a:t>(</a:t>
+            </a:r>
+            <a:r>
+              <a:rPr lang="en-GB" sz="1200" kern="1200" dirty="0" err="1">
+                <a:solidFill>
+                  <a:schemeClr val="tx1"/>
+                </a:solidFill>
+                <a:effectLst/>
+                <a:latin typeface="Arial" pitchFamily="-112" charset="0"/>
+                <a:ea typeface="ＭＳ Ｐゴシック" charset="0"/>
+                <a:cs typeface="Arial" pitchFamily="-112" charset="0"/>
+              </a:rPr>
+              <a:t>linearMod</a:t>
+            </a:r>
+            <a:r>
+              <a:rPr lang="en-GB" sz="1200" kern="1200" dirty="0">
+                <a:solidFill>
+                  <a:schemeClr val="tx1"/>
+                </a:solidFill>
+                <a:effectLst/>
+                <a:latin typeface="Arial" pitchFamily="-112" charset="0"/>
+                <a:ea typeface="ＭＳ Ｐゴシック" charset="0"/>
+                <a:cs typeface="Arial" pitchFamily="-112" charset="0"/>
+              </a:rPr>
+              <a:t>, col="blue")</a:t>
+            </a:r>
+          </a:p>
+          <a:p>
+            <a:endParaRPr lang="en-US" b="0" dirty="0"/>
+          </a:p>
+          <a:p>
+            <a:endParaRPr lang="en-US" b="0" dirty="0"/>
+          </a:p>
+        </p:txBody>
+      </p:sp>
+      <p:sp>
+        <p:nvSpPr>
+          <p:cNvPr id="4" name="Slide Number Placeholder 3"/>
+          <p:cNvSpPr>
+            <a:spLocks noGrp="1"/>
+          </p:cNvSpPr>
+          <p:nvPr>
+            <p:ph type="sldNum" sz="quarter" idx="5"/>
+          </p:nvPr>
+        </p:nvSpPr>
+        <p:spPr/>
+        <p:txBody>
+          <a:bodyPr/>
+          <a:lstStyle/>
+          <a:p>
+            <a:fld id="{E91DA07C-0371-AF49-92B1-98B16D460E6C}" type="slidenum">
+              <a:rPr lang="en-US" smtClean="0"/>
+              <a:pPr/>
+              <a:t>38</a:t>
+            </a:fld>
+            <a:endParaRPr lang="en-US"/>
+          </a:p>
+        </p:txBody>
+      </p:sp>
+    </p:spTree>
+    <p:extLst>
+      <p:ext uri="{BB962C8B-B14F-4D97-AF65-F5344CB8AC3E}">
+        <p14:creationId xmlns:p14="http://schemas.microsoft.com/office/powerpoint/2010/main" val="1808907745"/>
+      </p:ext>
+    </p:extLst>
+  </p:cSld>
+  <p:clrMapOvr>
+    <a:masterClrMapping/>
+  </p:clrMapOvr>
+</p:notes>
+</file>
+
+<file path=ppt/notesSlides/notesSlide32.xml><?xml version="1.0" encoding="utf-8"?>
 <p:notes xmlns:a="http://schemas.openxmlformats.org/drawingml/2006/main" xmlns:r="http://schemas.openxmlformats.org/officeDocument/2006/relationships" xmlns:p="http://schemas.openxmlformats.org/presentationml/2006/main">
   <p:cSld>
     <p:spTree>
@@ -3634,14 +3713,14 @@
           <a:ln/>
           <a:extLst>
             <a:ext uri="{909E8E84-426E-40dd-AFC4-6F175D3DCCD1}">
-              <a14:hiddenFill xmlns:a14="http://schemas.microsoft.com/office/drawing/2010/main" xmlns="">
+              <a14:hiddenFill xmlns="" xmlns:a14="http://schemas.microsoft.com/office/drawing/2010/main">
                 <a:solidFill>
                   <a:srgbClr val="FFFFFF"/>
                 </a:solidFill>
               </a14:hiddenFill>
             </a:ext>
             <a:ext uri="{91240B29-F687-4f45-9708-019B960494DF}">
-              <a14:hiddenLine xmlns:a14="http://schemas.microsoft.com/office/drawing/2010/main" xmlns="" w="9525">
+              <a14:hiddenLine xmlns="" xmlns:a14="http://schemas.microsoft.com/office/drawing/2010/main" w="9525">
                 <a:solidFill>
                   <a:srgbClr val="000000"/>
                 </a:solidFill>
@@ -3651,7 +3730,7 @@
               </a14:hiddenLine>
             </a:ext>
             <a:ext uri="{FAA26D3D-D897-4be2-8F04-BA451C77F1D7}">
-              <ma14:placeholderFlag xmlns:ma14="http://schemas.microsoft.com/office/mac/drawingml/2011/main" xmlns="" val="1"/>
+              <ma14:placeholderFlag xmlns="" xmlns:ma14="http://schemas.microsoft.com/office/mac/drawingml/2011/main" val="1"/>
             </a:ext>
           </a:extLst>
         </p:spPr>
@@ -3730,7 +3809,7 @@
     </p:spTree>
     <p:extLst>
       <p:ext uri="{BB962C8B-B14F-4D97-AF65-F5344CB8AC3E}">
-        <p14:creationId xmlns:p14="http://schemas.microsoft.com/office/powerpoint/2010/main" val="2756111158"/>
+        <p14:creationId xmlns:p14="http://schemas.microsoft.com/office/powerpoint/2010/main" val="1855829942"/>
       </p:ext>
     </p:extLst>
   </p:cSld>
@@ -4668,14 +4747,14 @@
           </a:ln>
           <a:extLst>
             <a:ext uri="{909E8E84-426E-40dd-AFC4-6F175D3DCCD1}">
-              <a14:hiddenFill xmlns:a14="http://schemas.microsoft.com/office/drawing/2010/main" xmlns="">
+              <a14:hiddenFill xmlns="" xmlns:a14="http://schemas.microsoft.com/office/drawing/2010/main">
                 <a:solidFill>
                   <a:srgbClr val="FFFFFF"/>
                 </a:solidFill>
               </a14:hiddenFill>
             </a:ext>
             <a:ext uri="{91240B29-F687-4f45-9708-019B960494DF}">
-              <a14:hiddenLine xmlns:a14="http://schemas.microsoft.com/office/drawing/2010/main" xmlns="" w="9525">
+              <a14:hiddenLine xmlns="" xmlns:a14="http://schemas.microsoft.com/office/drawing/2010/main" w="9525">
                 <a:solidFill>
                   <a:srgbClr val="000000"/>
                 </a:solidFill>
@@ -4685,7 +4764,7 @@
               </a14:hiddenLine>
             </a:ext>
             <a:ext uri="{FAA26D3D-D897-4be2-8F04-BA451C77F1D7}">
-              <ma14:placeholderFlag xmlns:ma14="http://schemas.microsoft.com/office/mac/drawingml/2011/main" xmlns="" val="1"/>
+              <ma14:placeholderFlag xmlns="" xmlns:ma14="http://schemas.microsoft.com/office/mac/drawingml/2011/main" val="1"/>
             </a:ext>
           </a:extLst>
         </p:spPr>
@@ -4729,14 +4808,14 @@
           </a:ln>
           <a:extLst>
             <a:ext uri="{909E8E84-426E-40dd-AFC4-6F175D3DCCD1}">
-              <a14:hiddenFill xmlns:a14="http://schemas.microsoft.com/office/drawing/2010/main" xmlns="">
+              <a14:hiddenFill xmlns="" xmlns:a14="http://schemas.microsoft.com/office/drawing/2010/main">
                 <a:solidFill>
                   <a:srgbClr val="FFFFFF"/>
                 </a:solidFill>
               </a14:hiddenFill>
             </a:ext>
             <a:ext uri="{91240B29-F687-4f45-9708-019B960494DF}">
-              <a14:hiddenLine xmlns:a14="http://schemas.microsoft.com/office/drawing/2010/main" xmlns="" w="9525">
+              <a14:hiddenLine xmlns="" xmlns:a14="http://schemas.microsoft.com/office/drawing/2010/main" w="9525">
                 <a:solidFill>
                   <a:srgbClr val="000000"/>
                 </a:solidFill>
@@ -4746,7 +4825,7 @@
               </a14:hiddenLine>
             </a:ext>
             <a:ext uri="{FAA26D3D-D897-4be2-8F04-BA451C77F1D7}">
-              <ma14:placeholderFlag xmlns:ma14="http://schemas.microsoft.com/office/mac/drawingml/2011/main" xmlns="" val="1"/>
+              <ma14:placeholderFlag xmlns="" xmlns:ma14="http://schemas.microsoft.com/office/mac/drawingml/2011/main" val="1"/>
             </a:ext>
           </a:extLst>
         </p:spPr>
@@ -5301,14 +5380,14 @@
           </a:ln>
           <a:extLst>
             <a:ext uri="{909E8E84-426E-40dd-AFC4-6F175D3DCCD1}">
-              <a14:hiddenFill xmlns:a14="http://schemas.microsoft.com/office/drawing/2010/main" xmlns="">
+              <a14:hiddenFill xmlns="" xmlns:a14="http://schemas.microsoft.com/office/drawing/2010/main">
                 <a:solidFill>
                   <a:srgbClr val="FFFFFF"/>
                 </a:solidFill>
               </a14:hiddenFill>
             </a:ext>
             <a:ext uri="{91240B29-F687-4f45-9708-019B960494DF}">
-              <a14:hiddenLine xmlns:a14="http://schemas.microsoft.com/office/drawing/2010/main" xmlns="" w="9525">
+              <a14:hiddenLine xmlns="" xmlns:a14="http://schemas.microsoft.com/office/drawing/2010/main" w="9525">
                 <a:solidFill>
                   <a:srgbClr val="000000"/>
                 </a:solidFill>
@@ -5579,14 +5658,14 @@
           </a:ln>
           <a:extLst>
             <a:ext uri="{909E8E84-426E-40dd-AFC4-6F175D3DCCD1}">
-              <a14:hiddenFill xmlns:a14="http://schemas.microsoft.com/office/drawing/2010/main" xmlns="">
+              <a14:hiddenFill xmlns="" xmlns:a14="http://schemas.microsoft.com/office/drawing/2010/main">
                 <a:solidFill>
                   <a:srgbClr val="FFFFFF"/>
                 </a:solidFill>
               </a14:hiddenFill>
             </a:ext>
             <a:ext uri="{91240B29-F687-4f45-9708-019B960494DF}">
-              <a14:hiddenLine xmlns:a14="http://schemas.microsoft.com/office/drawing/2010/main" xmlns="" w="12700">
+              <a14:hiddenLine xmlns="" xmlns:a14="http://schemas.microsoft.com/office/drawing/2010/main" w="12700">
                 <a:solidFill>
                   <a:schemeClr val="tx1"/>
                 </a:solidFill>
@@ -5720,7 +5799,7 @@
           </a:ln>
           <a:extLst>
             <a:ext uri="{909E8E84-426E-40dd-AFC4-6F175D3DCCD1}">
-              <a14:hiddenFill xmlns:a14="http://schemas.microsoft.com/office/drawing/2010/main" xmlns="">
+              <a14:hiddenFill xmlns="" xmlns:a14="http://schemas.microsoft.com/office/drawing/2010/main">
                 <a:solidFill>
                   <a:srgbClr val="FFFFFF"/>
                 </a:solidFill>
@@ -5751,356 +5830,6 @@
 </file>
 
 <file path=ppt/slides/slide10.xml><?xml version="1.0" encoding="utf-8"?>
-<p:sld xmlns:a="http://schemas.openxmlformats.org/drawingml/2006/main" xmlns:r="http://schemas.openxmlformats.org/officeDocument/2006/relationships" xmlns:p="http://schemas.openxmlformats.org/presentationml/2006/main">
-  <p:cSld>
-    <p:spTree>
-      <p:nvGrpSpPr>
-        <p:cNvPr id="1" name=""/>
-        <p:cNvGrpSpPr/>
-        <p:nvPr/>
-      </p:nvGrpSpPr>
-      <p:grpSpPr>
-        <a:xfrm>
-          <a:off x="0" y="0"/>
-          <a:ext cx="0" cy="0"/>
-          <a:chOff x="0" y="0"/>
-          <a:chExt cx="0" cy="0"/>
-        </a:xfrm>
-      </p:grpSpPr>
-      <p:sp>
-        <p:nvSpPr>
-          <p:cNvPr id="3" name="Text Placeholder 3">
-            <a:extLst>
-              <a:ext uri="{FF2B5EF4-FFF2-40B4-BE49-F238E27FC236}">
-                <a16:creationId xmlns:a16="http://schemas.microsoft.com/office/drawing/2014/main" id="{C49EA165-9DDA-CA4A-A91B-90684F96664B}"/>
-              </a:ext>
-            </a:extLst>
-          </p:cNvPr>
-          <p:cNvSpPr txBox="1">
-            <a:spLocks/>
-          </p:cNvSpPr>
-          <p:nvPr/>
-        </p:nvSpPr>
-        <p:spPr bwMode="auto">
-          <a:xfrm>
-            <a:off x="609600" y="609600"/>
-            <a:ext cx="8305800" cy="4140201"/>
-          </a:xfrm>
-          <a:prstGeom prst="rect">
-            <a:avLst/>
-          </a:prstGeom>
-          <a:noFill/>
-          <a:ln w="9525">
-            <a:noFill/>
-            <a:miter lim="800000"/>
-            <a:headEnd/>
-            <a:tailEnd/>
-          </a:ln>
-        </p:spPr>
-        <p:txBody>
-          <a:bodyPr/>
-          <a:lstStyle/>
-          <a:p>
-            <a:pPr lvl="0">
-              <a:spcBef>
-                <a:spcPct val="20000"/>
-              </a:spcBef>
-              <a:defRPr/>
-            </a:pPr>
-            <a:r>
-              <a:rPr lang="en-GB" sz="2400" b="0" dirty="0">
-                <a:solidFill>
-                  <a:srgbClr val="222222"/>
-                </a:solidFill>
-                <a:latin typeface="arial" panose="020B0604020202020204" pitchFamily="34" charset="0"/>
-              </a:rPr>
-              <a:t>now, like with all the test we have seen, we look into a table, here the Chi-square table)</a:t>
-            </a:r>
-            <a:endParaRPr lang="en-GB" sz="2400" kern="0" dirty="0">
-              <a:solidFill>
-                <a:srgbClr val="99CC00"/>
-              </a:solidFill>
-              <a:latin typeface="Arial"/>
-              <a:ea typeface="Arial"/>
-              <a:cs typeface="Arial"/>
-            </a:endParaRPr>
-          </a:p>
-        </p:txBody>
-      </p:sp>
-      <p:pic>
-        <p:nvPicPr>
-          <p:cNvPr id="5" name="Picture 4">
-            <a:extLst>
-              <a:ext uri="{FF2B5EF4-FFF2-40B4-BE49-F238E27FC236}">
-                <a16:creationId xmlns:a16="http://schemas.microsoft.com/office/drawing/2014/main" id="{77C6AF9A-24FE-9649-B0A7-96776AC4FC9B}"/>
-              </a:ext>
-            </a:extLst>
-          </p:cNvPr>
-          <p:cNvPicPr>
-            <a:picLocks noChangeAspect="1"/>
-          </p:cNvPicPr>
-          <p:nvPr/>
-        </p:nvPicPr>
-        <p:blipFill rotWithShape="1">
-          <a:blip r:embed="rId3"/>
-          <a:srcRect b="7143"/>
-          <a:stretch/>
-        </p:blipFill>
-        <p:spPr>
-          <a:xfrm>
-            <a:off x="618067" y="1752600"/>
-            <a:ext cx="5589351" cy="4953000"/>
-          </a:xfrm>
-          <a:prstGeom prst="rect">
-            <a:avLst/>
-          </a:prstGeom>
-        </p:spPr>
-      </p:pic>
-      <p:sp>
-        <p:nvSpPr>
-          <p:cNvPr id="6" name="Rounded Rectangle 5">
-            <a:extLst>
-              <a:ext uri="{FF2B5EF4-FFF2-40B4-BE49-F238E27FC236}">
-                <a16:creationId xmlns:a16="http://schemas.microsoft.com/office/drawing/2014/main" id="{AD553110-7389-5F49-BFE2-B1165464B37C}"/>
-              </a:ext>
-            </a:extLst>
-          </p:cNvPr>
-          <p:cNvSpPr/>
-          <p:nvPr/>
-        </p:nvSpPr>
-        <p:spPr bwMode="auto">
-          <a:xfrm>
-            <a:off x="1295400" y="3276600"/>
-            <a:ext cx="533400" cy="304800"/>
-          </a:xfrm>
-          <a:prstGeom prst="roundRect">
-            <a:avLst/>
-          </a:prstGeom>
-          <a:noFill/>
-          <a:ln w="63500" cap="flat" cmpd="sng" algn="ctr">
-            <a:solidFill>
-              <a:srgbClr val="99CC00"/>
-            </a:solidFill>
-            <a:prstDash val="solid"/>
-            <a:round/>
-            <a:headEnd type="none" w="med" len="med"/>
-            <a:tailEnd type="none" w="med" len="med"/>
-          </a:ln>
-          <a:effectLst/>
-        </p:spPr>
-        <p:txBody>
-          <a:bodyPr vert="horz" wrap="square" lIns="91440" tIns="45720" rIns="91440" bIns="45720" numCol="1" rtlCol="0" anchor="t" anchorCtr="0" compatLnSpc="1">
-            <a:prstTxWarp prst="textNoShape">
-              <a:avLst/>
-            </a:prstTxWarp>
-          </a:bodyPr>
-          <a:lstStyle/>
-          <a:p>
-            <a:pPr marL="0" marR="0" indent="0" algn="l" defTabSz="914400" rtl="0" eaLnBrk="1" fontAlgn="base" latinLnBrk="0" hangingPunct="1">
-              <a:lnSpc>
-                <a:spcPct val="100000"/>
-              </a:lnSpc>
-              <a:spcBef>
-                <a:spcPct val="0"/>
-              </a:spcBef>
-              <a:spcAft>
-                <a:spcPct val="0"/>
-              </a:spcAft>
-              <a:buClrTx/>
-              <a:buSzTx/>
-              <a:buFontTx/>
-              <a:buNone/>
-              <a:tabLst/>
-            </a:pPr>
-            <a:endParaRPr kumimoji="0" lang="en-US" sz="1800" b="1" i="0" u="none" strike="noStrike" cap="none" normalizeH="0" baseline="0">
-              <a:ln>
-                <a:noFill/>
-              </a:ln>
-              <a:solidFill>
-                <a:schemeClr val="tx1"/>
-              </a:solidFill>
-              <a:effectLst/>
-              <a:latin typeface="Arial" pitchFamily="-112" charset="0"/>
-              <a:ea typeface="Arial" pitchFamily="-112" charset="0"/>
-              <a:cs typeface="Arial" pitchFamily="-112" charset="0"/>
-            </a:endParaRPr>
-          </a:p>
-        </p:txBody>
-      </p:sp>
-      <p:sp>
-        <p:nvSpPr>
-          <p:cNvPr id="7" name="Freeform 6">
-            <a:extLst>
-              <a:ext uri="{FF2B5EF4-FFF2-40B4-BE49-F238E27FC236}">
-                <a16:creationId xmlns:a16="http://schemas.microsoft.com/office/drawing/2014/main" id="{C6F60561-D926-EF47-8DD4-9D1219278C3D}"/>
-              </a:ext>
-            </a:extLst>
-          </p:cNvPr>
-          <p:cNvSpPr/>
-          <p:nvPr/>
-        </p:nvSpPr>
-        <p:spPr bwMode="auto">
-          <a:xfrm>
-            <a:off x="1828801" y="2667001"/>
-            <a:ext cx="4739578" cy="702856"/>
-          </a:xfrm>
-          <a:custGeom>
-            <a:avLst/>
-            <a:gdLst>
-              <a:gd name="connsiteX0" fmla="*/ 0 w 736979"/>
-              <a:gd name="connsiteY0" fmla="*/ 516397 h 516397"/>
-              <a:gd name="connsiteX1" fmla="*/ 423081 w 736979"/>
-              <a:gd name="connsiteY1" fmla="*/ 66021 h 516397"/>
-              <a:gd name="connsiteX2" fmla="*/ 736979 w 736979"/>
-              <a:gd name="connsiteY2" fmla="*/ 11430 h 516397"/>
-            </a:gdLst>
-            <a:ahLst/>
-            <a:cxnLst>
-              <a:cxn ang="0">
-                <a:pos x="connsiteX0" y="connsiteY0"/>
-              </a:cxn>
-              <a:cxn ang="0">
-                <a:pos x="connsiteX1" y="connsiteY1"/>
-              </a:cxn>
-              <a:cxn ang="0">
-                <a:pos x="connsiteX2" y="connsiteY2"/>
-              </a:cxn>
-            </a:cxnLst>
-            <a:rect l="l" t="t" r="r" b="b"/>
-            <a:pathLst>
-              <a:path w="736979" h="516397">
-                <a:moveTo>
-                  <a:pt x="0" y="516397"/>
-                </a:moveTo>
-                <a:cubicBezTo>
-                  <a:pt x="150125" y="333289"/>
-                  <a:pt x="300251" y="150182"/>
-                  <a:pt x="423081" y="66021"/>
-                </a:cubicBezTo>
-                <a:cubicBezTo>
-                  <a:pt x="545911" y="-18140"/>
-                  <a:pt x="641445" y="-3355"/>
-                  <a:pt x="736979" y="11430"/>
-                </a:cubicBezTo>
-              </a:path>
-            </a:pathLst>
-          </a:custGeom>
-          <a:noFill/>
-          <a:ln w="9525" cap="flat" cmpd="sng" algn="ctr">
-            <a:solidFill>
-              <a:schemeClr val="tx1"/>
-            </a:solidFill>
-            <a:prstDash val="dash"/>
-            <a:round/>
-            <a:headEnd type="none" w="med" len="med"/>
-            <a:tailEnd type="none" w="med" len="med"/>
-          </a:ln>
-          <a:effectLst/>
-        </p:spPr>
-        <p:txBody>
-          <a:bodyPr vert="horz" wrap="square" lIns="91440" tIns="45720" rIns="91440" bIns="45720" numCol="1" rtlCol="0" anchor="t" anchorCtr="0" compatLnSpc="1">
-            <a:prstTxWarp prst="textNoShape">
-              <a:avLst/>
-            </a:prstTxWarp>
-          </a:bodyPr>
-          <a:lstStyle/>
-          <a:p>
-            <a:pPr marL="0" marR="0" indent="0" algn="l" defTabSz="914400" rtl="0" eaLnBrk="1" fontAlgn="base" latinLnBrk="0" hangingPunct="1">
-              <a:lnSpc>
-                <a:spcPct val="100000"/>
-              </a:lnSpc>
-              <a:spcBef>
-                <a:spcPct val="0"/>
-              </a:spcBef>
-              <a:spcAft>
-                <a:spcPct val="0"/>
-              </a:spcAft>
-              <a:buClrTx/>
-              <a:buSzTx/>
-              <a:buFontTx/>
-              <a:buNone/>
-              <a:tabLst/>
-            </a:pPr>
-            <a:endParaRPr kumimoji="0" lang="en-US" sz="1800" b="1" i="0" u="none" strike="noStrike" cap="none" normalizeH="0" baseline="0">
-              <a:ln>
-                <a:noFill/>
-              </a:ln>
-              <a:solidFill>
-                <a:schemeClr val="tx1"/>
-              </a:solidFill>
-              <a:effectLst/>
-              <a:latin typeface="Arial" pitchFamily="-112" charset="0"/>
-              <a:ea typeface="Arial" pitchFamily="-112" charset="0"/>
-              <a:cs typeface="Arial" pitchFamily="-112" charset="0"/>
-            </a:endParaRPr>
-          </a:p>
-        </p:txBody>
-      </p:sp>
-      <p:sp>
-        <p:nvSpPr>
-          <p:cNvPr id="8" name="Rectangle 7">
-            <a:extLst>
-              <a:ext uri="{FF2B5EF4-FFF2-40B4-BE49-F238E27FC236}">
-                <a16:creationId xmlns:a16="http://schemas.microsoft.com/office/drawing/2014/main" id="{E95756B7-E2E6-DD46-B035-7A4B2B6E76B5}"/>
-              </a:ext>
-            </a:extLst>
-          </p:cNvPr>
-          <p:cNvSpPr/>
-          <p:nvPr/>
-        </p:nvSpPr>
-        <p:spPr>
-          <a:xfrm>
-            <a:off x="6568378" y="2723526"/>
-            <a:ext cx="2505814" cy="646331"/>
-          </a:xfrm>
-          <a:prstGeom prst="rect">
-            <a:avLst/>
-          </a:prstGeom>
-        </p:spPr>
-        <p:txBody>
-          <a:bodyPr wrap="none">
-            <a:spAutoFit/>
-          </a:bodyPr>
-          <a:lstStyle/>
-          <a:p>
-            <a:r>
-              <a:rPr lang="en-GB" b="0" dirty="0">
-                <a:solidFill>
-                  <a:srgbClr val="222222"/>
-                </a:solidFill>
-                <a:latin typeface="arial" panose="020B0604020202020204" pitchFamily="34" charset="0"/>
-              </a:rPr>
-              <a:t>degree of freedom DF </a:t>
-            </a:r>
-          </a:p>
-          <a:p>
-            <a:r>
-              <a:rPr lang="en-GB" b="0" dirty="0">
-                <a:solidFill>
-                  <a:srgbClr val="222222"/>
-                </a:solidFill>
-                <a:latin typeface="arial" panose="020B0604020202020204" pitchFamily="34" charset="0"/>
-              </a:rPr>
-              <a:t>= number of group - 1</a:t>
-            </a:r>
-            <a:endParaRPr lang="en-US" dirty="0"/>
-          </a:p>
-        </p:txBody>
-      </p:sp>
-    </p:spTree>
-    <p:extLst>
-      <p:ext uri="{BB962C8B-B14F-4D97-AF65-F5344CB8AC3E}">
-        <p14:creationId xmlns:p14="http://schemas.microsoft.com/office/powerpoint/2010/main" val="990600431"/>
-      </p:ext>
-    </p:extLst>
-  </p:cSld>
-  <p:clrMapOvr>
-    <a:masterClrMapping/>
-  </p:clrMapOvr>
-</p:sld>
-</file>
-
-<file path=ppt/slides/slide11.xml><?xml version="1.0" encoding="utf-8"?>
 <p:sld xmlns:a="http://schemas.openxmlformats.org/drawingml/2006/main" xmlns:r="http://schemas.openxmlformats.org/officeDocument/2006/relationships" xmlns:p="http://schemas.openxmlformats.org/presentationml/2006/main">
   <p:cSld>
     <p:spTree>
@@ -6221,33 +5950,6 @@
               <a:cs typeface="Arial"/>
             </a:endParaRPr>
           </a:p>
-          <a:p>
-            <a:pPr lvl="0">
-              <a:spcBef>
-                <a:spcPct val="20000"/>
-              </a:spcBef>
-              <a:defRPr/>
-            </a:pPr>
-            <a:r>
-              <a:rPr lang="en-GB" sz="2400" b="0" kern="0" dirty="0">
-                <a:solidFill>
-                  <a:srgbClr val="222222"/>
-                </a:solidFill>
-                <a:latin typeface="arial" panose="020B0604020202020204" pitchFamily="34" charset="0"/>
-                <a:ea typeface="Arial"/>
-                <a:cs typeface="Arial"/>
-              </a:rPr>
-              <a:t>... again we cannot reject the null hypothesis we cannot conclude, we can only say “insufficient evidence to reject the theory”</a:t>
-            </a:r>
-            <a:endParaRPr lang="en-GB" sz="2400" kern="0" dirty="0">
-              <a:solidFill>
-                <a:srgbClr val="99CC00"/>
-              </a:solidFill>
-              <a:latin typeface="Arial"/>
-              <a:ea typeface="Arial"/>
-              <a:cs typeface="Arial"/>
-            </a:endParaRPr>
-          </a:p>
         </p:txBody>
       </p:sp>
     </p:spTree>
@@ -6260,89 +5962,10 @@
   <p:clrMapOvr>
     <a:masterClrMapping/>
   </p:clrMapOvr>
-  <p:timing>
-    <p:tnLst>
-      <p:par>
-        <p:cTn id="1" dur="indefinite" restart="never" nodeType="tmRoot">
-          <p:childTnLst>
-            <p:seq concurrent="1" nextAc="seek">
-              <p:cTn id="2" dur="indefinite" nodeType="mainSeq">
-                <p:childTnLst>
-                  <p:par>
-                    <p:cTn id="3" fill="hold">
-                      <p:stCondLst>
-                        <p:cond delay="indefinite"/>
-                      </p:stCondLst>
-                      <p:childTnLst>
-                        <p:par>
-                          <p:cTn id="4" fill="hold">
-                            <p:stCondLst>
-                              <p:cond delay="0"/>
-                            </p:stCondLst>
-                            <p:childTnLst>
-                              <p:par>
-                                <p:cTn id="5" presetID="1" presetClass="entr" presetSubtype="0" fill="hold" nodeType="clickEffect">
-                                  <p:stCondLst>
-                                    <p:cond delay="0"/>
-                                  </p:stCondLst>
-                                  <p:childTnLst>
-                                    <p:set>
-                                      <p:cBhvr>
-                                        <p:cTn id="6" dur="1" fill="hold">
-                                          <p:stCondLst>
-                                            <p:cond delay="0"/>
-                                          </p:stCondLst>
-                                        </p:cTn>
-                                        <p:tgtEl>
-                                          <p:spTgt spid="6">
-                                            <p:txEl>
-                                              <p:pRg st="4" end="4"/>
-                                            </p:txEl>
-                                          </p:spTgt>
-                                        </p:tgtEl>
-                                        <p:attrNameLst>
-                                          <p:attrName>style.visibility</p:attrName>
-                                        </p:attrNameLst>
-                                      </p:cBhvr>
-                                      <p:to>
-                                        <p:strVal val="visible"/>
-                                      </p:to>
-                                    </p:set>
-                                  </p:childTnLst>
-                                </p:cTn>
-                              </p:par>
-                            </p:childTnLst>
-                          </p:cTn>
-                        </p:par>
-                      </p:childTnLst>
-                    </p:cTn>
-                  </p:par>
-                </p:childTnLst>
-              </p:cTn>
-              <p:prevCondLst>
-                <p:cond evt="onPrev" delay="0">
-                  <p:tgtEl>
-                    <p:sldTgt/>
-                  </p:tgtEl>
-                </p:cond>
-              </p:prevCondLst>
-              <p:nextCondLst>
-                <p:cond evt="onNext" delay="0">
-                  <p:tgtEl>
-                    <p:sldTgt/>
-                  </p:tgtEl>
-                </p:cond>
-              </p:nextCondLst>
-            </p:seq>
-          </p:childTnLst>
-        </p:cTn>
-      </p:par>
-    </p:tnLst>
-  </p:timing>
 </p:sld>
 </file>
 
-<file path=ppt/slides/slide12.xml><?xml version="1.0" encoding="utf-8"?>
+<file path=ppt/slides/slide11.xml><?xml version="1.0" encoding="utf-8"?>
 <p:sld xmlns:a="http://schemas.openxmlformats.org/drawingml/2006/main" xmlns:r="http://schemas.openxmlformats.org/officeDocument/2006/relationships" xmlns:p="http://schemas.openxmlformats.org/presentationml/2006/main">
   <p:cSld>
     <p:spTree>
@@ -6574,14 +6197,14 @@
             </a:ln>
             <a:extLst>
               <a:ext uri="{909E8E84-426E-40dd-AFC4-6F175D3DCCD1}">
-                <a14:hiddenFill xmlns:a14="http://schemas.microsoft.com/office/drawing/2010/main" xmlns="">
+                <a14:hiddenFill xmlns="" xmlns:a14="http://schemas.microsoft.com/office/drawing/2010/main">
                   <a:solidFill>
                     <a:srgbClr val="FFFFFF"/>
                   </a:solidFill>
                 </a14:hiddenFill>
               </a:ext>
               <a:ext uri="{91240B29-F687-4f45-9708-019B960494DF}">
-                <a14:hiddenLine xmlns:a14="http://schemas.microsoft.com/office/drawing/2010/main" xmlns="" w="9525">
+                <a14:hiddenLine xmlns="" xmlns:a14="http://schemas.microsoft.com/office/drawing/2010/main" w="9525">
                   <a:solidFill>
                     <a:srgbClr val="000000"/>
                   </a:solidFill>
@@ -6591,7 +6214,7 @@
                 </a14:hiddenLine>
               </a:ext>
               <a:ext uri="{FAA26D3D-D897-4be2-8F04-BA451C77F1D7}">
-                <ma14:placeholderFlag xmlns:ma14="http://schemas.microsoft.com/office/mac/drawingml/2011/main" xmlns="" val="1"/>
+                <ma14:placeholderFlag xmlns="" xmlns:ma14="http://schemas.microsoft.com/office/mac/drawingml/2011/main" val="1"/>
               </a:ext>
             </a:extLst>
           </p:spPr>
@@ -6903,14 +6526,14 @@
             </a:ln>
             <a:extLst>
               <a:ext uri="{909E8E84-426E-40dd-AFC4-6F175D3DCCD1}">
-                <a14:hiddenFill xmlns:a14="http://schemas.microsoft.com/office/drawing/2010/main" xmlns="">
+                <a14:hiddenFill xmlns="" xmlns:a14="http://schemas.microsoft.com/office/drawing/2010/main">
                   <a:solidFill>
                     <a:srgbClr val="FFFFFF"/>
                   </a:solidFill>
                 </a14:hiddenFill>
               </a:ext>
               <a:ext uri="{91240B29-F687-4f45-9708-019B960494DF}">
-                <a14:hiddenLine xmlns:a14="http://schemas.microsoft.com/office/drawing/2010/main" xmlns="" w="9525">
+                <a14:hiddenLine xmlns="" xmlns:a14="http://schemas.microsoft.com/office/drawing/2010/main" w="9525">
                   <a:solidFill>
                     <a:srgbClr val="000000"/>
                   </a:solidFill>
@@ -6920,7 +6543,7 @@
                 </a14:hiddenLine>
               </a:ext>
               <a:ext uri="{FAA26D3D-D897-4be2-8F04-BA451C77F1D7}">
-                <ma14:placeholderFlag xmlns:ma14="http://schemas.microsoft.com/office/mac/drawingml/2011/main" xmlns="" val="1"/>
+                <ma14:placeholderFlag xmlns="" xmlns:ma14="http://schemas.microsoft.com/office/mac/drawingml/2011/main" val="1"/>
               </a:ext>
             </a:extLst>
           </p:spPr>
@@ -7482,8 +7105,8 @@
           </p:sp>
         </mc:Fallback>
       </mc:AlternateContent>
-      <mc:AlternateContent xmlns:mc="http://schemas.openxmlformats.org/markup-compatibility/2006" xmlns:a14="http://schemas.microsoft.com/office/drawing/2010/main">
-        <mc:Choice Requires="a14">
+      <mc:AlternateContent xmlns:mc="http://schemas.openxmlformats.org/markup-compatibility/2006">
+        <mc:Choice xmlns:a14="http://schemas.microsoft.com/office/drawing/2010/main" Requires="a14">
           <p:sp>
             <p:nvSpPr>
               <p:cNvPr id="13" name="Rectangle 12">
@@ -7498,7 +7121,7 @@
             </p:nvSpPr>
             <p:spPr>
               <a:xfrm>
-                <a:off x="2675060" y="5709883"/>
+                <a:off x="5482110" y="5043195"/>
                 <a:ext cx="619080" cy="461665"/>
               </a:xfrm>
               <a:prstGeom prst="rect">
@@ -7538,7 +7161,7 @@
             </p:txBody>
           </p:sp>
         </mc:Choice>
-        <mc:Fallback xmlns="">
+        <mc:Fallback>
           <p:sp>
             <p:nvSpPr>
               <p:cNvPr id="13" name="Rectangle 12">
@@ -7555,7 +7178,7 @@
             </p:nvSpPr>
             <p:spPr>
               <a:xfrm>
-                <a:off x="2675060" y="5709883"/>
+                <a:off x="5482110" y="5043195"/>
                 <a:ext cx="619080" cy="461665"/>
               </a:xfrm>
               <a:prstGeom prst="rect">
@@ -7564,7 +7187,7 @@
               <a:blipFill>
                 <a:blip r:embed="rId5"/>
                 <a:stretch>
-                  <a:fillRect l="-14286" t="-10811" r="-2041" b="-24324"/>
+                  <a:fillRect l="-16667" t="-8108" b="-27027"/>
                 </a:stretch>
               </a:blipFill>
             </p:spPr>
@@ -7599,8 +7222,8 @@
         </p:nvSpPr>
         <p:spPr bwMode="auto">
           <a:xfrm>
-            <a:off x="0" y="6267766"/>
-            <a:ext cx="9144000" cy="646331"/>
+            <a:off x="0" y="5657671"/>
+            <a:ext cx="9144000" cy="1200329"/>
           </a:xfrm>
           <a:prstGeom prst="rect">
             <a:avLst/>
@@ -7615,7 +7238,7 @@
           </a:ln>
           <a:extLst>
             <a:ext uri="{91240B29-F687-4f45-9708-019B960494DF}">
-              <a14:hiddenLine xmlns:a14="http://schemas.microsoft.com/office/drawing/2010/main" xmlns="" w="9525">
+              <a14:hiddenLine xmlns="" xmlns:a14="http://schemas.microsoft.com/office/drawing/2010/main" w="9525">
                 <a:solidFill>
                   <a:srgbClr val="000000"/>
                 </a:solidFill>
@@ -7754,7 +7377,23 @@
                   <a:schemeClr val="bg1"/>
                 </a:solidFill>
               </a:rPr>
-              <a:t>If the data was a perfect fit …</a:t>
+              <a:t>if data was perfect fit (</a:t>
+            </a:r>
+            <a:r>
+              <a:rPr lang="en-US" sz="3600" b="0" dirty="0" err="1">
+                <a:solidFill>
+                  <a:schemeClr val="bg1"/>
+                </a:solidFill>
+              </a:rPr>
+              <a:t>pvalue</a:t>
+            </a:r>
+            <a:r>
+              <a:rPr lang="en-US" sz="3600" b="0" dirty="0">
+                <a:solidFill>
+                  <a:schemeClr val="bg1"/>
+                </a:solidFill>
+              </a:rPr>
+              <a:t> would be = 1) … cannot reject null (thus cannot conclude)</a:t>
             </a:r>
             <a:endParaRPr lang="en-US" sz="3600" dirty="0">
               <a:solidFill>
@@ -7777,7 +7416,795 @@
 </p:sld>
 </file>
 
+<file path=ppt/slides/slide12.xml><?xml version="1.0" encoding="utf-8"?>
+<p:sld xmlns:a="http://schemas.openxmlformats.org/drawingml/2006/main" xmlns:r="http://schemas.openxmlformats.org/officeDocument/2006/relationships" xmlns:p="http://schemas.openxmlformats.org/presentationml/2006/main">
+  <p:cSld>
+    <p:spTree>
+      <p:nvGrpSpPr>
+        <p:cNvPr id="1" name=""/>
+        <p:cNvGrpSpPr/>
+        <p:nvPr/>
+      </p:nvGrpSpPr>
+      <p:grpSpPr>
+        <a:xfrm>
+          <a:off x="0" y="0"/>
+          <a:ext cx="0" cy="0"/>
+          <a:chOff x="0" y="0"/>
+          <a:chExt cx="0" cy="0"/>
+        </a:xfrm>
+      </p:grpSpPr>
+      <p:sp>
+        <p:nvSpPr>
+          <p:cNvPr id="6" name="Text Placeholder 3"/>
+          <p:cNvSpPr txBox="1">
+            <a:spLocks/>
+          </p:cNvSpPr>
+          <p:nvPr/>
+        </p:nvSpPr>
+        <p:spPr bwMode="auto">
+          <a:xfrm>
+            <a:off x="609600" y="838200"/>
+            <a:ext cx="8305800" cy="4140201"/>
+          </a:xfrm>
+          <a:prstGeom prst="rect">
+            <a:avLst/>
+          </a:prstGeom>
+          <a:noFill/>
+          <a:ln w="9525">
+            <a:noFill/>
+            <a:miter lim="800000"/>
+            <a:headEnd/>
+            <a:tailEnd/>
+          </a:ln>
+        </p:spPr>
+        <p:txBody>
+          <a:bodyPr/>
+          <a:lstStyle/>
+          <a:p>
+            <a:pPr lvl="0">
+              <a:spcBef>
+                <a:spcPct val="20000"/>
+              </a:spcBef>
+              <a:defRPr/>
+            </a:pPr>
+            <a:r>
+              <a:rPr lang="en-GB" sz="2400" b="0" dirty="0">
+                <a:solidFill>
+                  <a:srgbClr val="222222"/>
+                </a:solidFill>
+                <a:latin typeface="arial" panose="020B0604020202020204" pitchFamily="34" charset="0"/>
+              </a:rPr>
+              <a:t>let’s see if our theory holds with a raise of hand</a:t>
+            </a:r>
+          </a:p>
+          <a:p>
+            <a:pPr lvl="0">
+              <a:spcBef>
+                <a:spcPct val="20000"/>
+              </a:spcBef>
+              <a:defRPr/>
+            </a:pPr>
+            <a:endParaRPr lang="en-GB" sz="2400" b="0" dirty="0">
+              <a:solidFill>
+                <a:srgbClr val="222222"/>
+              </a:solidFill>
+              <a:latin typeface="arial" panose="020B0604020202020204" pitchFamily="34" charset="0"/>
+            </a:endParaRPr>
+          </a:p>
+          <a:p>
+            <a:pPr lvl="0">
+              <a:spcBef>
+                <a:spcPct val="20000"/>
+              </a:spcBef>
+              <a:defRPr/>
+            </a:pPr>
+            <a:endParaRPr lang="en-GB" sz="2400" b="0" dirty="0">
+              <a:solidFill>
+                <a:srgbClr val="222222"/>
+              </a:solidFill>
+              <a:latin typeface="arial" panose="020B0604020202020204" pitchFamily="34" charset="0"/>
+            </a:endParaRPr>
+          </a:p>
+          <a:p>
+            <a:pPr lvl="0">
+              <a:spcBef>
+                <a:spcPct val="20000"/>
+              </a:spcBef>
+              <a:defRPr/>
+            </a:pPr>
+            <a:r>
+              <a:rPr lang="en-GB" sz="2400" b="0" dirty="0">
+                <a:solidFill>
+                  <a:srgbClr val="222222"/>
+                </a:solidFill>
+                <a:latin typeface="arial" panose="020B0604020202020204" pitchFamily="34" charset="0"/>
+              </a:rPr>
+              <a:t>who like Brussel sprout?</a:t>
+            </a:r>
+          </a:p>
+          <a:p>
+            <a:pPr lvl="0">
+              <a:spcBef>
+                <a:spcPct val="20000"/>
+              </a:spcBef>
+              <a:defRPr/>
+            </a:pPr>
+            <a:endParaRPr lang="en-GB" sz="2400" b="0" kern="0" dirty="0">
+              <a:solidFill>
+                <a:srgbClr val="222222"/>
+              </a:solidFill>
+              <a:latin typeface="arial" panose="020B0604020202020204" pitchFamily="34" charset="0"/>
+              <a:ea typeface="Arial"/>
+              <a:cs typeface="Arial"/>
+            </a:endParaRPr>
+          </a:p>
+          <a:p>
+            <a:pPr lvl="0">
+              <a:spcBef>
+                <a:spcPct val="20000"/>
+              </a:spcBef>
+              <a:defRPr/>
+            </a:pPr>
+            <a:endParaRPr lang="en-GB" sz="2400" b="0" kern="0" dirty="0">
+              <a:solidFill>
+                <a:srgbClr val="222222"/>
+              </a:solidFill>
+              <a:latin typeface="arial" panose="020B0604020202020204" pitchFamily="34" charset="0"/>
+              <a:ea typeface="Arial"/>
+              <a:cs typeface="Arial"/>
+            </a:endParaRPr>
+          </a:p>
+          <a:p>
+            <a:pPr lvl="0">
+              <a:spcBef>
+                <a:spcPct val="20000"/>
+              </a:spcBef>
+              <a:defRPr/>
+            </a:pPr>
+            <a:endParaRPr lang="en-GB" sz="2400" b="0" kern="0" dirty="0">
+              <a:solidFill>
+                <a:srgbClr val="222222"/>
+              </a:solidFill>
+              <a:latin typeface="arial" panose="020B0604020202020204" pitchFamily="34" charset="0"/>
+              <a:ea typeface="Arial"/>
+              <a:cs typeface="Arial"/>
+            </a:endParaRPr>
+          </a:p>
+          <a:p>
+            <a:pPr lvl="0">
+              <a:spcBef>
+                <a:spcPct val="20000"/>
+              </a:spcBef>
+              <a:defRPr/>
+            </a:pPr>
+            <a:r>
+              <a:rPr lang="en-GB" sz="2400" b="0" kern="0" dirty="0">
+                <a:solidFill>
+                  <a:srgbClr val="222222"/>
+                </a:solidFill>
+                <a:latin typeface="arial" panose="020B0604020202020204" pitchFamily="34" charset="0"/>
+                <a:ea typeface="Arial"/>
+                <a:cs typeface="Arial"/>
+              </a:rPr>
+              <a:t>who dislike Brussel sprout?</a:t>
+            </a:r>
+            <a:endParaRPr lang="en-GB" sz="2400" kern="0" dirty="0">
+              <a:solidFill>
+                <a:srgbClr val="99CC00"/>
+              </a:solidFill>
+              <a:latin typeface="Arial"/>
+              <a:ea typeface="Arial"/>
+              <a:cs typeface="Arial"/>
+            </a:endParaRPr>
+          </a:p>
+        </p:txBody>
+      </p:sp>
+      <p:pic>
+        <p:nvPicPr>
+          <p:cNvPr id="2" name="Picture 1">
+            <a:extLst>
+              <a:ext uri="{FF2B5EF4-FFF2-40B4-BE49-F238E27FC236}">
+                <a16:creationId xmlns:a16="http://schemas.microsoft.com/office/drawing/2014/main" id="{77EE9BCC-642E-AA4B-8A7D-E6222959782B}"/>
+              </a:ext>
+            </a:extLst>
+          </p:cNvPr>
+          <p:cNvPicPr>
+            <a:picLocks noChangeAspect="1"/>
+          </p:cNvPicPr>
+          <p:nvPr/>
+        </p:nvPicPr>
+        <p:blipFill>
+          <a:blip r:embed="rId3"/>
+          <a:stretch>
+            <a:fillRect/>
+          </a:stretch>
+        </p:blipFill>
+        <p:spPr>
+          <a:xfrm>
+            <a:off x="4495800" y="1371600"/>
+            <a:ext cx="3810000" cy="1955800"/>
+          </a:xfrm>
+          <a:prstGeom prst="rect">
+            <a:avLst/>
+          </a:prstGeom>
+        </p:spPr>
+      </p:pic>
+      <p:pic>
+        <p:nvPicPr>
+          <p:cNvPr id="5" name="Picture 4">
+            <a:extLst>
+              <a:ext uri="{FF2B5EF4-FFF2-40B4-BE49-F238E27FC236}">
+                <a16:creationId xmlns:a16="http://schemas.microsoft.com/office/drawing/2014/main" id="{628B67D3-867C-AF40-B831-931F63BB8E25}"/>
+              </a:ext>
+            </a:extLst>
+          </p:cNvPr>
+          <p:cNvPicPr>
+            <a:picLocks noChangeAspect="1"/>
+          </p:cNvPicPr>
+          <p:nvPr/>
+        </p:nvPicPr>
+        <p:blipFill>
+          <a:blip r:embed="rId4"/>
+          <a:stretch>
+            <a:fillRect/>
+          </a:stretch>
+        </p:blipFill>
+        <p:spPr>
+          <a:xfrm>
+            <a:off x="5105400" y="3545763"/>
+            <a:ext cx="2971800" cy="1718388"/>
+          </a:xfrm>
+          <a:prstGeom prst="rect">
+            <a:avLst/>
+          </a:prstGeom>
+        </p:spPr>
+      </p:pic>
+    </p:spTree>
+    <p:extLst>
+      <p:ext uri="{BB962C8B-B14F-4D97-AF65-F5344CB8AC3E}">
+        <p14:creationId xmlns:p14="http://schemas.microsoft.com/office/powerpoint/2010/main" val="3203001696"/>
+      </p:ext>
+    </p:extLst>
+  </p:cSld>
+  <p:clrMapOvr>
+    <a:masterClrMapping/>
+  </p:clrMapOvr>
+  <p:timing>
+    <p:tnLst>
+      <p:par>
+        <p:cTn id="1" dur="indefinite" restart="never" nodeType="tmRoot">
+          <p:childTnLst>
+            <p:seq concurrent="1" nextAc="seek">
+              <p:cTn id="2" dur="indefinite" nodeType="mainSeq">
+                <p:childTnLst>
+                  <p:par>
+                    <p:cTn id="3" fill="hold">
+                      <p:stCondLst>
+                        <p:cond delay="indefinite"/>
+                      </p:stCondLst>
+                      <p:childTnLst>
+                        <p:par>
+                          <p:cTn id="4" fill="hold">
+                            <p:stCondLst>
+                              <p:cond delay="0"/>
+                            </p:stCondLst>
+                            <p:childTnLst>
+                              <p:par>
+                                <p:cTn id="5" presetID="1" presetClass="entr" presetSubtype="0" fill="hold" nodeType="clickEffect">
+                                  <p:stCondLst>
+                                    <p:cond delay="0"/>
+                                  </p:stCondLst>
+                                  <p:childTnLst>
+                                    <p:set>
+                                      <p:cBhvr>
+                                        <p:cTn id="6" dur="1" fill="hold">
+                                          <p:stCondLst>
+                                            <p:cond delay="0"/>
+                                          </p:stCondLst>
+                                        </p:cTn>
+                                        <p:tgtEl>
+                                          <p:spTgt spid="2"/>
+                                        </p:tgtEl>
+                                        <p:attrNameLst>
+                                          <p:attrName>style.visibility</p:attrName>
+                                        </p:attrNameLst>
+                                      </p:cBhvr>
+                                      <p:to>
+                                        <p:strVal val="visible"/>
+                                      </p:to>
+                                    </p:set>
+                                  </p:childTnLst>
+                                </p:cTn>
+                              </p:par>
+                              <p:par>
+                                <p:cTn id="7" presetID="1" presetClass="entr" presetSubtype="0" fill="hold" nodeType="withEffect">
+                                  <p:stCondLst>
+                                    <p:cond delay="0"/>
+                                  </p:stCondLst>
+                                  <p:childTnLst>
+                                    <p:set>
+                                      <p:cBhvr>
+                                        <p:cTn id="8" dur="1" fill="hold">
+                                          <p:stCondLst>
+                                            <p:cond delay="0"/>
+                                          </p:stCondLst>
+                                        </p:cTn>
+                                        <p:tgtEl>
+                                          <p:spTgt spid="6">
+                                            <p:txEl>
+                                              <p:pRg st="3" end="3"/>
+                                            </p:txEl>
+                                          </p:spTgt>
+                                        </p:tgtEl>
+                                        <p:attrNameLst>
+                                          <p:attrName>style.visibility</p:attrName>
+                                        </p:attrNameLst>
+                                      </p:cBhvr>
+                                      <p:to>
+                                        <p:strVal val="visible"/>
+                                      </p:to>
+                                    </p:set>
+                                  </p:childTnLst>
+                                </p:cTn>
+                              </p:par>
+                            </p:childTnLst>
+                          </p:cTn>
+                        </p:par>
+                      </p:childTnLst>
+                    </p:cTn>
+                  </p:par>
+                  <p:par>
+                    <p:cTn id="9" fill="hold">
+                      <p:stCondLst>
+                        <p:cond delay="indefinite"/>
+                      </p:stCondLst>
+                      <p:childTnLst>
+                        <p:par>
+                          <p:cTn id="10" fill="hold">
+                            <p:stCondLst>
+                              <p:cond delay="0"/>
+                            </p:stCondLst>
+                            <p:childTnLst>
+                              <p:par>
+                                <p:cTn id="11" presetID="1" presetClass="entr" presetSubtype="0" fill="hold" nodeType="clickEffect">
+                                  <p:stCondLst>
+                                    <p:cond delay="0"/>
+                                  </p:stCondLst>
+                                  <p:childTnLst>
+                                    <p:set>
+                                      <p:cBhvr>
+                                        <p:cTn id="12" dur="1" fill="hold">
+                                          <p:stCondLst>
+                                            <p:cond delay="0"/>
+                                          </p:stCondLst>
+                                        </p:cTn>
+                                        <p:tgtEl>
+                                          <p:spTgt spid="6">
+                                            <p:txEl>
+                                              <p:pRg st="7" end="7"/>
+                                            </p:txEl>
+                                          </p:spTgt>
+                                        </p:tgtEl>
+                                        <p:attrNameLst>
+                                          <p:attrName>style.visibility</p:attrName>
+                                        </p:attrNameLst>
+                                      </p:cBhvr>
+                                      <p:to>
+                                        <p:strVal val="visible"/>
+                                      </p:to>
+                                    </p:set>
+                                  </p:childTnLst>
+                                </p:cTn>
+                              </p:par>
+                              <p:par>
+                                <p:cTn id="13" presetID="1" presetClass="entr" presetSubtype="0" fill="hold" nodeType="withEffect">
+                                  <p:stCondLst>
+                                    <p:cond delay="0"/>
+                                  </p:stCondLst>
+                                  <p:childTnLst>
+                                    <p:set>
+                                      <p:cBhvr>
+                                        <p:cTn id="14" dur="1" fill="hold">
+                                          <p:stCondLst>
+                                            <p:cond delay="0"/>
+                                          </p:stCondLst>
+                                        </p:cTn>
+                                        <p:tgtEl>
+                                          <p:spTgt spid="5"/>
+                                        </p:tgtEl>
+                                        <p:attrNameLst>
+                                          <p:attrName>style.visibility</p:attrName>
+                                        </p:attrNameLst>
+                                      </p:cBhvr>
+                                      <p:to>
+                                        <p:strVal val="visible"/>
+                                      </p:to>
+                                    </p:set>
+                                  </p:childTnLst>
+                                </p:cTn>
+                              </p:par>
+                            </p:childTnLst>
+                          </p:cTn>
+                        </p:par>
+                      </p:childTnLst>
+                    </p:cTn>
+                  </p:par>
+                </p:childTnLst>
+              </p:cTn>
+              <p:prevCondLst>
+                <p:cond evt="onPrev" delay="0">
+                  <p:tgtEl>
+                    <p:sldTgt/>
+                  </p:tgtEl>
+                </p:cond>
+              </p:prevCondLst>
+              <p:nextCondLst>
+                <p:cond evt="onNext" delay="0">
+                  <p:tgtEl>
+                    <p:sldTgt/>
+                  </p:tgtEl>
+                </p:cond>
+              </p:nextCondLst>
+            </p:seq>
+          </p:childTnLst>
+        </p:cTn>
+      </p:par>
+    </p:tnLst>
+  </p:timing>
+</p:sld>
+</file>
+
 <file path=ppt/slides/slide13.xml><?xml version="1.0" encoding="utf-8"?>
+<p:sld xmlns:a="http://schemas.openxmlformats.org/drawingml/2006/main" xmlns:r="http://schemas.openxmlformats.org/officeDocument/2006/relationships" xmlns:p="http://schemas.openxmlformats.org/presentationml/2006/main">
+  <p:cSld>
+    <p:spTree>
+      <p:nvGrpSpPr>
+        <p:cNvPr id="1" name=""/>
+        <p:cNvGrpSpPr/>
+        <p:nvPr/>
+      </p:nvGrpSpPr>
+      <p:grpSpPr>
+        <a:xfrm>
+          <a:off x="0" y="0"/>
+          <a:ext cx="0" cy="0"/>
+          <a:chOff x="0" y="0"/>
+          <a:chExt cx="0" cy="0"/>
+        </a:xfrm>
+      </p:grpSpPr>
+      <p:grpSp>
+        <p:nvGrpSpPr>
+          <p:cNvPr id="4" name="Group 3">
+            <a:extLst>
+              <a:ext uri="{FF2B5EF4-FFF2-40B4-BE49-F238E27FC236}">
+                <a16:creationId xmlns:a16="http://schemas.microsoft.com/office/drawing/2014/main" id="{93D1E6CD-1347-864B-A10B-DA81CFDA63E1}"/>
+              </a:ext>
+            </a:extLst>
+          </p:cNvPr>
+          <p:cNvGrpSpPr/>
+          <p:nvPr/>
+        </p:nvGrpSpPr>
+        <p:grpSpPr>
+          <a:xfrm>
+            <a:off x="7772400" y="-258128"/>
+            <a:ext cx="1371600" cy="1630760"/>
+            <a:chOff x="7772400" y="-258128"/>
+            <a:chExt cx="1371600" cy="1630760"/>
+          </a:xfrm>
+        </p:grpSpPr>
+        <p:sp>
+          <p:nvSpPr>
+            <p:cNvPr id="5" name="Right Triangle 4">
+              <a:extLst>
+                <a:ext uri="{FF2B5EF4-FFF2-40B4-BE49-F238E27FC236}">
+                  <a16:creationId xmlns:a16="http://schemas.microsoft.com/office/drawing/2014/main" id="{A2BED168-524C-E74D-AF4C-0F5BAB8DEA96}"/>
+                </a:ext>
+              </a:extLst>
+            </p:cNvPr>
+            <p:cNvSpPr/>
+            <p:nvPr/>
+          </p:nvSpPr>
+          <p:spPr bwMode="auto">
+            <a:xfrm rot="10800000">
+              <a:off x="7772400" y="1032"/>
+              <a:ext cx="1371600" cy="1371600"/>
+            </a:xfrm>
+            <a:prstGeom prst="rtTriangle">
+              <a:avLst/>
+            </a:prstGeom>
+            <a:solidFill>
+              <a:srgbClr val="99CC00"/>
+            </a:solidFill>
+            <a:ln w="9525" cap="flat" cmpd="sng" algn="ctr">
+              <a:noFill/>
+              <a:prstDash val="solid"/>
+              <a:round/>
+              <a:headEnd type="none" w="med" len="med"/>
+              <a:tailEnd type="none" w="med" len="med"/>
+            </a:ln>
+            <a:effectLst/>
+          </p:spPr>
+          <p:txBody>
+            <a:bodyPr vert="horz" wrap="square" lIns="91440" tIns="45720" rIns="91440" bIns="45720" numCol="1" rtlCol="0" anchor="t" anchorCtr="0" compatLnSpc="1">
+              <a:prstTxWarp prst="textNoShape">
+                <a:avLst/>
+              </a:prstTxWarp>
+            </a:bodyPr>
+            <a:lstStyle/>
+            <a:p>
+              <a:pPr marL="0" marR="0" indent="0" algn="l" defTabSz="914400" rtl="0" eaLnBrk="1" fontAlgn="base" latinLnBrk="0" hangingPunct="1">
+                <a:lnSpc>
+                  <a:spcPct val="100000"/>
+                </a:lnSpc>
+                <a:spcBef>
+                  <a:spcPct val="0"/>
+                </a:spcBef>
+                <a:spcAft>
+                  <a:spcPct val="0"/>
+                </a:spcAft>
+                <a:buClrTx/>
+                <a:buSzTx/>
+                <a:buFontTx/>
+                <a:buNone/>
+                <a:tabLst/>
+              </a:pPr>
+              <a:endParaRPr kumimoji="0" lang="en-US" sz="1800" b="1" i="0" u="none" strike="noStrike" cap="none" normalizeH="0" baseline="0">
+                <a:ln>
+                  <a:noFill/>
+                </a:ln>
+                <a:solidFill>
+                  <a:schemeClr val="tx1"/>
+                </a:solidFill>
+                <a:effectLst/>
+                <a:latin typeface="Arial" pitchFamily="-112" charset="0"/>
+                <a:ea typeface="Arial" pitchFamily="-112" charset="0"/>
+                <a:cs typeface="Arial" pitchFamily="-112" charset="0"/>
+              </a:endParaRPr>
+            </a:p>
+          </p:txBody>
+        </p:sp>
+        <p:sp>
+          <p:nvSpPr>
+            <p:cNvPr id="6" name="TextBox 5">
+              <a:extLst>
+                <a:ext uri="{FF2B5EF4-FFF2-40B4-BE49-F238E27FC236}">
+                  <a16:creationId xmlns:a16="http://schemas.microsoft.com/office/drawing/2014/main" id="{C2556D37-0A57-0044-9ABA-69B7B607F15E}"/>
+                </a:ext>
+              </a:extLst>
+            </p:cNvPr>
+            <p:cNvSpPr txBox="1"/>
+            <p:nvPr/>
+          </p:nvSpPr>
+          <p:spPr>
+            <a:xfrm>
+              <a:off x="8229600" y="-258128"/>
+              <a:ext cx="685800" cy="1477328"/>
+            </a:xfrm>
+            <a:prstGeom prst="rect">
+              <a:avLst/>
+            </a:prstGeom>
+            <a:noFill/>
+          </p:spPr>
+          <p:txBody>
+            <a:bodyPr wrap="square" rtlCol="0">
+              <a:spAutoFit/>
+            </a:bodyPr>
+            <a:lstStyle/>
+            <a:p>
+              <a:r>
+                <a:rPr lang="en-US" sz="9000" dirty="0">
+                  <a:solidFill>
+                    <a:schemeClr val="bg1"/>
+                  </a:solidFill>
+                </a:rPr>
+                <a:t>R</a:t>
+              </a:r>
+            </a:p>
+          </p:txBody>
+        </p:sp>
+      </p:grpSp>
+      <p:sp>
+        <p:nvSpPr>
+          <p:cNvPr id="8" name="Rectangle 7">
+            <a:extLst>
+              <a:ext uri="{FF2B5EF4-FFF2-40B4-BE49-F238E27FC236}">
+                <a16:creationId xmlns:a16="http://schemas.microsoft.com/office/drawing/2014/main" id="{B93B1DD6-33BF-0948-AAB0-1CDDA1840480}"/>
+              </a:ext>
+            </a:extLst>
+          </p:cNvPr>
+          <p:cNvSpPr/>
+          <p:nvPr/>
+        </p:nvSpPr>
+        <p:spPr>
+          <a:xfrm>
+            <a:off x="533400" y="838200"/>
+            <a:ext cx="8229600" cy="4524315"/>
+          </a:xfrm>
+          <a:prstGeom prst="rect">
+            <a:avLst/>
+          </a:prstGeom>
+        </p:spPr>
+        <p:txBody>
+          <a:bodyPr wrap="square">
+            <a:spAutoFit/>
+          </a:bodyPr>
+          <a:lstStyle/>
+          <a:p>
+            <a:r>
+              <a:rPr lang="en-US" b="0" dirty="0">
+                <a:latin typeface="Courier" pitchFamily="2" charset="0"/>
+              </a:rPr>
+              <a:t>table = c(11,139)</a:t>
+            </a:r>
+          </a:p>
+          <a:p>
+            <a:endParaRPr lang="en-US" b="0" dirty="0">
+              <a:latin typeface="Courier" pitchFamily="2" charset="0"/>
+            </a:endParaRPr>
+          </a:p>
+          <a:p>
+            <a:r>
+              <a:rPr lang="en-US" b="0" dirty="0">
+                <a:solidFill>
+                  <a:srgbClr val="99CC00"/>
+                </a:solidFill>
+                <a:latin typeface="Courier" pitchFamily="2" charset="0"/>
+              </a:rPr>
+              <a:t>       male female Sum</a:t>
+            </a:r>
+          </a:p>
+          <a:p>
+            <a:r>
+              <a:rPr lang="en-US" b="0" dirty="0">
+                <a:solidFill>
+                  <a:srgbClr val="99CC00"/>
+                </a:solidFill>
+                <a:latin typeface="Courier" pitchFamily="2" charset="0"/>
+              </a:rPr>
+              <a:t>sport    26      3  29</a:t>
+            </a:r>
+          </a:p>
+          <a:p>
+            <a:r>
+              <a:rPr lang="en-US" b="0" dirty="0">
+                <a:solidFill>
+                  <a:srgbClr val="99CC00"/>
+                </a:solidFill>
+                <a:latin typeface="Courier" pitchFamily="2" charset="0"/>
+              </a:rPr>
+              <a:t>family   24     22  46</a:t>
+            </a:r>
+          </a:p>
+          <a:p>
+            <a:r>
+              <a:rPr lang="en-US" b="0" dirty="0">
+                <a:solidFill>
+                  <a:srgbClr val="99CC00"/>
+                </a:solidFill>
+                <a:latin typeface="Courier" pitchFamily="2" charset="0"/>
+              </a:rPr>
+              <a:t>Sum      50     25  75</a:t>
+            </a:r>
+          </a:p>
+          <a:p>
+            <a:endParaRPr lang="en-US" b="0" dirty="0">
+              <a:solidFill>
+                <a:srgbClr val="99CC00"/>
+              </a:solidFill>
+              <a:latin typeface="Courier" pitchFamily="2" charset="0"/>
+            </a:endParaRPr>
+          </a:p>
+          <a:p>
+            <a:r>
+              <a:rPr lang="en-US" b="0" dirty="0" err="1">
+                <a:latin typeface="Courier" pitchFamily="2" charset="0"/>
+              </a:rPr>
+              <a:t>chisq.test</a:t>
+            </a:r>
+            <a:r>
+              <a:rPr lang="en-US" b="0" dirty="0">
+                <a:latin typeface="Courier" pitchFamily="2" charset="0"/>
+              </a:rPr>
+              <a:t>(tulip, p = c(1/4, 3/4))</a:t>
+            </a:r>
+          </a:p>
+          <a:p>
+            <a:endParaRPr lang="en-US" b="0" dirty="0">
+              <a:latin typeface="Courier" pitchFamily="2" charset="0"/>
+            </a:endParaRPr>
+          </a:p>
+          <a:p>
+            <a:r>
+              <a:rPr lang="en-US" b="0" dirty="0">
+                <a:solidFill>
+                  <a:srgbClr val="99CC00"/>
+                </a:solidFill>
+                <a:latin typeface="Courier" pitchFamily="2" charset="0"/>
+              </a:rPr>
+              <a:t>Chi-squared test for given probabilities</a:t>
+            </a:r>
+          </a:p>
+          <a:p>
+            <a:br>
+              <a:rPr lang="en-US" b="0" dirty="0">
+                <a:solidFill>
+                  <a:srgbClr val="99CC00"/>
+                </a:solidFill>
+                <a:latin typeface="Courier" pitchFamily="2" charset="0"/>
+              </a:rPr>
+            </a:br>
+            <a:endParaRPr lang="en-US" b="0" dirty="0">
+              <a:solidFill>
+                <a:srgbClr val="99CC00"/>
+              </a:solidFill>
+              <a:latin typeface="Courier" pitchFamily="2" charset="0"/>
+            </a:endParaRPr>
+          </a:p>
+          <a:p>
+            <a:r>
+              <a:rPr lang="en-US" b="0" dirty="0">
+                <a:solidFill>
+                  <a:srgbClr val="99CC00"/>
+                </a:solidFill>
+                <a:latin typeface="Courier" pitchFamily="2" charset="0"/>
+              </a:rPr>
+              <a:t>data:  tulip</a:t>
+            </a:r>
+          </a:p>
+          <a:p>
+            <a:r>
+              <a:rPr lang="en-US" b="0" dirty="0">
+                <a:solidFill>
+                  <a:srgbClr val="99CC00"/>
+                </a:solidFill>
+                <a:latin typeface="Courier" pitchFamily="2" charset="0"/>
+              </a:rPr>
+              <a:t>X-squared = 24.969, </a:t>
+            </a:r>
+            <a:r>
+              <a:rPr lang="en-US" b="0" dirty="0" err="1">
+                <a:solidFill>
+                  <a:srgbClr val="99CC00"/>
+                </a:solidFill>
+                <a:latin typeface="Courier" pitchFamily="2" charset="0"/>
+              </a:rPr>
+              <a:t>df</a:t>
+            </a:r>
+            <a:r>
+              <a:rPr lang="en-US" b="0" dirty="0">
+                <a:solidFill>
+                  <a:srgbClr val="99CC00"/>
+                </a:solidFill>
+                <a:latin typeface="Courier" pitchFamily="2" charset="0"/>
+              </a:rPr>
+              <a:t> = 1, p-value = 5.826e-07</a:t>
+            </a:r>
+          </a:p>
+          <a:p>
+            <a:endParaRPr lang="en-US" b="0" dirty="0">
+              <a:latin typeface="Courier" pitchFamily="2" charset="0"/>
+            </a:endParaRPr>
+          </a:p>
+          <a:p>
+            <a:endParaRPr lang="en-US" b="0" dirty="0">
+              <a:latin typeface="Courier" pitchFamily="2" charset="0"/>
+            </a:endParaRPr>
+          </a:p>
+        </p:txBody>
+      </p:sp>
+    </p:spTree>
+    <p:extLst>
+      <p:ext uri="{BB962C8B-B14F-4D97-AF65-F5344CB8AC3E}">
+        <p14:creationId xmlns:p14="http://schemas.microsoft.com/office/powerpoint/2010/main" val="2525106263"/>
+      </p:ext>
+    </p:extLst>
+  </p:cSld>
+  <p:clrMapOvr>
+    <a:masterClrMapping/>
+  </p:clrMapOvr>
+</p:sld>
+</file>
+
+<file path=ppt/slides/slide14.xml><?xml version="1.0" encoding="utf-8"?>
 <p:sld xmlns:a="http://schemas.openxmlformats.org/drawingml/2006/main" xmlns:r="http://schemas.openxmlformats.org/officeDocument/2006/relationships" xmlns:p="http://schemas.openxmlformats.org/presentationml/2006/main">
   <p:cSld>
     <p:spTree>
@@ -7805,7 +8232,7 @@
         <p:spPr bwMode="auto">
           <a:xfrm>
             <a:off x="609600" y="2438400"/>
-            <a:ext cx="8305800" cy="4140201"/>
+            <a:ext cx="7924800" cy="4140201"/>
           </a:xfrm>
           <a:prstGeom prst="rect">
             <a:avLst/>
@@ -7835,32 +8262,8 @@
                 </a:solidFill>
                 <a:latin typeface="arial" panose="020B0604020202020204" pitchFamily="34" charset="0"/>
               </a:rPr>
-              <a:t>this example is fairly simple but Chi-square also work with more categories</a:t>
-            </a:r>
-          </a:p>
-          <a:p>
-            <a:pPr lvl="0">
-              <a:spcBef>
-                <a:spcPct val="20000"/>
-              </a:spcBef>
-              <a:defRPr/>
-            </a:pPr>
-            <a:endParaRPr lang="en-GB" sz="2400" b="0" kern="0" dirty="0">
-              <a:solidFill>
-                <a:srgbClr val="222222"/>
-              </a:solidFill>
-              <a:latin typeface="arial" panose="020B0604020202020204" pitchFamily="34" charset="0"/>
-              <a:ea typeface="Arial"/>
-              <a:cs typeface="Arial"/>
-            </a:endParaRPr>
-          </a:p>
-          <a:p>
-            <a:pPr lvl="0">
-              <a:spcBef>
-                <a:spcPct val="20000"/>
-              </a:spcBef>
-              <a:defRPr/>
-            </a:pPr>
+              <a:t>this example is fairly simple but Chi-square also work with more data, </a:t>
+            </a:r>
             <a:r>
               <a:rPr lang="en-GB" sz="2400" b="0" kern="0" dirty="0">
                 <a:solidFill>
@@ -7931,7 +8334,7 @@
 </p:sld>
 </file>
 
-<file path=ppt/slides/slide14.xml><?xml version="1.0" encoding="utf-8"?>
+<file path=ppt/slides/slide15.xml><?xml version="1.0" encoding="utf-8"?>
 <p:sld xmlns:a="http://schemas.openxmlformats.org/drawingml/2006/main" xmlns:r="http://schemas.openxmlformats.org/officeDocument/2006/relationships" xmlns:p="http://schemas.openxmlformats.org/presentationml/2006/main">
   <p:cSld>
     <p:spTree>
@@ -7996,7 +8399,7 @@
 </p:sld>
 </file>
 
-<file path=ppt/slides/slide15.xml><?xml version="1.0" encoding="utf-8"?>
+<file path=ppt/slides/slide16.xml><?xml version="1.0" encoding="utf-8"?>
 <p:sld xmlns:a="http://schemas.openxmlformats.org/drawingml/2006/main" xmlns:r="http://schemas.openxmlformats.org/officeDocument/2006/relationships" xmlns:p="http://schemas.openxmlformats.org/presentationml/2006/main">
   <p:cSld>
     <p:spTree>
@@ -8118,7 +8521,7 @@
                 <a:ea typeface="Arial"/>
                 <a:cs typeface="Arial"/>
               </a:rPr>
-              <a:t>two variables</a:t>
+              <a:t>two variables/groups</a:t>
             </a:r>
             <a:r>
               <a:rPr lang="en-GB" sz="2400" b="0" kern="0" dirty="0">
@@ -8334,10 +8737,168 @@
   <p:clrMapOvr>
     <a:masterClrMapping/>
   </p:clrMapOvr>
+  <p:timing>
+    <p:tnLst>
+      <p:par>
+        <p:cTn id="1" dur="indefinite" restart="never" nodeType="tmRoot">
+          <p:childTnLst>
+            <p:seq concurrent="1" nextAc="seek">
+              <p:cTn id="2" dur="indefinite" nodeType="mainSeq">
+                <p:childTnLst>
+                  <p:par>
+                    <p:cTn id="3" fill="hold">
+                      <p:stCondLst>
+                        <p:cond delay="indefinite"/>
+                      </p:stCondLst>
+                      <p:childTnLst>
+                        <p:par>
+                          <p:cTn id="4" fill="hold">
+                            <p:stCondLst>
+                              <p:cond delay="0"/>
+                            </p:stCondLst>
+                            <p:childTnLst>
+                              <p:par>
+                                <p:cTn id="5" presetID="1" presetClass="entr" presetSubtype="0" fill="hold" nodeType="clickEffect">
+                                  <p:stCondLst>
+                                    <p:cond delay="0"/>
+                                  </p:stCondLst>
+                                  <p:childTnLst>
+                                    <p:set>
+                                      <p:cBhvr>
+                                        <p:cTn id="6" dur="1" fill="hold">
+                                          <p:stCondLst>
+                                            <p:cond delay="0"/>
+                                          </p:stCondLst>
+                                        </p:cTn>
+                                        <p:tgtEl>
+                                          <p:spTgt spid="6">
+                                            <p:txEl>
+                                              <p:pRg st="2" end="2"/>
+                                            </p:txEl>
+                                          </p:spTgt>
+                                        </p:tgtEl>
+                                        <p:attrNameLst>
+                                          <p:attrName>style.visibility</p:attrName>
+                                        </p:attrNameLst>
+                                      </p:cBhvr>
+                                      <p:to>
+                                        <p:strVal val="visible"/>
+                                      </p:to>
+                                    </p:set>
+                                  </p:childTnLst>
+                                </p:cTn>
+                              </p:par>
+                              <p:par>
+                                <p:cTn id="7" presetID="1" presetClass="entr" presetSubtype="0" fill="hold" grpId="0" nodeType="withEffect">
+                                  <p:stCondLst>
+                                    <p:cond delay="0"/>
+                                  </p:stCondLst>
+                                  <p:childTnLst>
+                                    <p:set>
+                                      <p:cBhvr>
+                                        <p:cTn id="8" dur="1" fill="hold">
+                                          <p:stCondLst>
+                                            <p:cond delay="0"/>
+                                          </p:stCondLst>
+                                        </p:cTn>
+                                        <p:tgtEl>
+                                          <p:spTgt spid="4"/>
+                                        </p:tgtEl>
+                                        <p:attrNameLst>
+                                          <p:attrName>style.visibility</p:attrName>
+                                        </p:attrNameLst>
+                                      </p:cBhvr>
+                                      <p:to>
+                                        <p:strVal val="visible"/>
+                                      </p:to>
+                                    </p:set>
+                                  </p:childTnLst>
+                                </p:cTn>
+                              </p:par>
+                            </p:childTnLst>
+                          </p:cTn>
+                        </p:par>
+                      </p:childTnLst>
+                    </p:cTn>
+                  </p:par>
+                  <p:par>
+                    <p:cTn id="9" fill="hold">
+                      <p:stCondLst>
+                        <p:cond delay="indefinite"/>
+                      </p:stCondLst>
+                      <p:childTnLst>
+                        <p:par>
+                          <p:cTn id="10" fill="hold">
+                            <p:stCondLst>
+                              <p:cond delay="0"/>
+                            </p:stCondLst>
+                            <p:childTnLst>
+                              <p:par>
+                                <p:cTn id="11" presetID="1" presetClass="entr" presetSubtype="0" fill="hold" nodeType="clickEffect">
+                                  <p:stCondLst>
+                                    <p:cond delay="0"/>
+                                  </p:stCondLst>
+                                  <p:childTnLst>
+                                    <p:set>
+                                      <p:cBhvr>
+                                        <p:cTn id="12" dur="1" fill="hold">
+                                          <p:stCondLst>
+                                            <p:cond delay="0"/>
+                                          </p:stCondLst>
+                                        </p:cTn>
+                                        <p:tgtEl>
+                                          <p:spTgt spid="6">
+                                            <p:txEl>
+                                              <p:pRg st="7" end="7"/>
+                                            </p:txEl>
+                                          </p:spTgt>
+                                        </p:tgtEl>
+                                        <p:attrNameLst>
+                                          <p:attrName>style.visibility</p:attrName>
+                                        </p:attrNameLst>
+                                      </p:cBhvr>
+                                      <p:to>
+                                        <p:strVal val="visible"/>
+                                      </p:to>
+                                    </p:set>
+                                  </p:childTnLst>
+                                </p:cTn>
+                              </p:par>
+                            </p:childTnLst>
+                          </p:cTn>
+                        </p:par>
+                      </p:childTnLst>
+                    </p:cTn>
+                  </p:par>
+                </p:childTnLst>
+              </p:cTn>
+              <p:prevCondLst>
+                <p:cond evt="onPrev" delay="0">
+                  <p:tgtEl>
+                    <p:sldTgt/>
+                  </p:tgtEl>
+                </p:cond>
+              </p:prevCondLst>
+              <p:nextCondLst>
+                <p:cond evt="onNext" delay="0">
+                  <p:tgtEl>
+                    <p:sldTgt/>
+                  </p:tgtEl>
+                </p:cond>
+              </p:nextCondLst>
+            </p:seq>
+          </p:childTnLst>
+        </p:cTn>
+      </p:par>
+    </p:tnLst>
+    <p:bldLst>
+      <p:bldP spid="4" grpId="0"/>
+    </p:bldLst>
+  </p:timing>
 </p:sld>
 </file>
 
-<file path=ppt/slides/slide16.xml><?xml version="1.0" encoding="utf-8"?>
+<file path=ppt/slides/slide17.xml><?xml version="1.0" encoding="utf-8"?>
 <p:sld xmlns:a="http://schemas.openxmlformats.org/drawingml/2006/main" xmlns:r="http://schemas.openxmlformats.org/officeDocument/2006/relationships" xmlns:p="http://schemas.openxmlformats.org/presentationml/2006/main">
   <p:cSld>
     <p:spTree>
@@ -8673,7 +9234,7 @@
 </p:sld>
 </file>
 
-<file path=ppt/slides/slide17.xml><?xml version="1.0" encoding="utf-8"?>
+<file path=ppt/slides/slide18.xml><?xml version="1.0" encoding="utf-8"?>
 <p:sld xmlns:a="http://schemas.openxmlformats.org/drawingml/2006/main" xmlns:r="http://schemas.openxmlformats.org/officeDocument/2006/relationships" xmlns:p="http://schemas.openxmlformats.org/presentationml/2006/main">
   <p:cSld>
     <p:spTree>
@@ -9126,7 +9687,7 @@
 </p:sld>
 </file>
 
-<file path=ppt/slides/slide18.xml><?xml version="1.0" encoding="utf-8"?>
+<file path=ppt/slides/slide19.xml><?xml version="1.0" encoding="utf-8"?>
 <p:sld xmlns:a="http://schemas.openxmlformats.org/drawingml/2006/main" xmlns:r="http://schemas.openxmlformats.org/officeDocument/2006/relationships" xmlns:p="http://schemas.openxmlformats.org/presentationml/2006/main">
   <p:cSld>
     <p:spTree>
@@ -9416,422 +9977,6 @@
     <p:extLst>
       <p:ext uri="{BB962C8B-B14F-4D97-AF65-F5344CB8AC3E}">
         <p14:creationId xmlns:p14="http://schemas.microsoft.com/office/powerpoint/2010/main" val="1210345575"/>
-      </p:ext>
-    </p:extLst>
-  </p:cSld>
-  <p:clrMapOvr>
-    <a:masterClrMapping/>
-  </p:clrMapOvr>
-</p:sld>
-</file>
-
-<file path=ppt/slides/slide19.xml><?xml version="1.0" encoding="utf-8"?>
-<p:sld xmlns:a="http://schemas.openxmlformats.org/drawingml/2006/main" xmlns:r="http://schemas.openxmlformats.org/officeDocument/2006/relationships" xmlns:p="http://schemas.openxmlformats.org/presentationml/2006/main">
-  <p:cSld>
-    <p:spTree>
-      <p:nvGrpSpPr>
-        <p:cNvPr id="1" name=""/>
-        <p:cNvGrpSpPr/>
-        <p:nvPr/>
-      </p:nvGrpSpPr>
-      <p:grpSpPr>
-        <a:xfrm>
-          <a:off x="0" y="0"/>
-          <a:ext cx="0" cy="0"/>
-          <a:chOff x="0" y="0"/>
-          <a:chExt cx="0" cy="0"/>
-        </a:xfrm>
-      </p:grpSpPr>
-      <p:grpSp>
-        <p:nvGrpSpPr>
-          <p:cNvPr id="4" name="Group 3">
-            <a:extLst>
-              <a:ext uri="{FF2B5EF4-FFF2-40B4-BE49-F238E27FC236}">
-                <a16:creationId xmlns:a16="http://schemas.microsoft.com/office/drawing/2014/main" id="{93D1E6CD-1347-864B-A10B-DA81CFDA63E1}"/>
-              </a:ext>
-            </a:extLst>
-          </p:cNvPr>
-          <p:cNvGrpSpPr/>
-          <p:nvPr/>
-        </p:nvGrpSpPr>
-        <p:grpSpPr>
-          <a:xfrm>
-            <a:off x="7772400" y="-258128"/>
-            <a:ext cx="1371600" cy="1630760"/>
-            <a:chOff x="7772400" y="-258128"/>
-            <a:chExt cx="1371600" cy="1630760"/>
-          </a:xfrm>
-        </p:grpSpPr>
-        <p:sp>
-          <p:nvSpPr>
-            <p:cNvPr id="5" name="Right Triangle 4">
-              <a:extLst>
-                <a:ext uri="{FF2B5EF4-FFF2-40B4-BE49-F238E27FC236}">
-                  <a16:creationId xmlns:a16="http://schemas.microsoft.com/office/drawing/2014/main" id="{A2BED168-524C-E74D-AF4C-0F5BAB8DEA96}"/>
-                </a:ext>
-              </a:extLst>
-            </p:cNvPr>
-            <p:cNvSpPr/>
-            <p:nvPr/>
-          </p:nvSpPr>
-          <p:spPr bwMode="auto">
-            <a:xfrm rot="10800000">
-              <a:off x="7772400" y="1032"/>
-              <a:ext cx="1371600" cy="1371600"/>
-            </a:xfrm>
-            <a:prstGeom prst="rtTriangle">
-              <a:avLst/>
-            </a:prstGeom>
-            <a:solidFill>
-              <a:srgbClr val="99CC00"/>
-            </a:solidFill>
-            <a:ln w="9525" cap="flat" cmpd="sng" algn="ctr">
-              <a:noFill/>
-              <a:prstDash val="solid"/>
-              <a:round/>
-              <a:headEnd type="none" w="med" len="med"/>
-              <a:tailEnd type="none" w="med" len="med"/>
-            </a:ln>
-            <a:effectLst/>
-          </p:spPr>
-          <p:txBody>
-            <a:bodyPr vert="horz" wrap="square" lIns="91440" tIns="45720" rIns="91440" bIns="45720" numCol="1" rtlCol="0" anchor="t" anchorCtr="0" compatLnSpc="1">
-              <a:prstTxWarp prst="textNoShape">
-                <a:avLst/>
-              </a:prstTxWarp>
-            </a:bodyPr>
-            <a:lstStyle/>
-            <a:p>
-              <a:pPr marL="0" marR="0" indent="0" algn="l" defTabSz="914400" rtl="0" eaLnBrk="1" fontAlgn="base" latinLnBrk="0" hangingPunct="1">
-                <a:lnSpc>
-                  <a:spcPct val="100000"/>
-                </a:lnSpc>
-                <a:spcBef>
-                  <a:spcPct val="0"/>
-                </a:spcBef>
-                <a:spcAft>
-                  <a:spcPct val="0"/>
-                </a:spcAft>
-                <a:buClrTx/>
-                <a:buSzTx/>
-                <a:buFontTx/>
-                <a:buNone/>
-                <a:tabLst/>
-              </a:pPr>
-              <a:endParaRPr kumimoji="0" lang="en-US" sz="1800" b="1" i="0" u="none" strike="noStrike" cap="none" normalizeH="0" baseline="0">
-                <a:ln>
-                  <a:noFill/>
-                </a:ln>
-                <a:solidFill>
-                  <a:schemeClr val="tx1"/>
-                </a:solidFill>
-                <a:effectLst/>
-                <a:latin typeface="Arial" pitchFamily="-112" charset="0"/>
-                <a:ea typeface="Arial" pitchFamily="-112" charset="0"/>
-                <a:cs typeface="Arial" pitchFamily="-112" charset="0"/>
-              </a:endParaRPr>
-            </a:p>
-          </p:txBody>
-        </p:sp>
-        <p:sp>
-          <p:nvSpPr>
-            <p:cNvPr id="6" name="TextBox 5">
-              <a:extLst>
-                <a:ext uri="{FF2B5EF4-FFF2-40B4-BE49-F238E27FC236}">
-                  <a16:creationId xmlns:a16="http://schemas.microsoft.com/office/drawing/2014/main" id="{C2556D37-0A57-0044-9ABA-69B7B607F15E}"/>
-                </a:ext>
-              </a:extLst>
-            </p:cNvPr>
-            <p:cNvSpPr txBox="1"/>
-            <p:nvPr/>
-          </p:nvSpPr>
-          <p:spPr>
-            <a:xfrm>
-              <a:off x="8229600" y="-258128"/>
-              <a:ext cx="685800" cy="1477328"/>
-            </a:xfrm>
-            <a:prstGeom prst="rect">
-              <a:avLst/>
-            </a:prstGeom>
-            <a:noFill/>
-          </p:spPr>
-          <p:txBody>
-            <a:bodyPr wrap="square" rtlCol="0">
-              <a:spAutoFit/>
-            </a:bodyPr>
-            <a:lstStyle/>
-            <a:p>
-              <a:r>
-                <a:rPr lang="en-US" sz="9000" dirty="0">
-                  <a:solidFill>
-                    <a:schemeClr val="bg1"/>
-                  </a:solidFill>
-                </a:rPr>
-                <a:t>R</a:t>
-              </a:r>
-            </a:p>
-          </p:txBody>
-        </p:sp>
-      </p:grpSp>
-      <p:sp>
-        <p:nvSpPr>
-          <p:cNvPr id="8" name="Rectangle 7">
-            <a:extLst>
-              <a:ext uri="{FF2B5EF4-FFF2-40B4-BE49-F238E27FC236}">
-                <a16:creationId xmlns:a16="http://schemas.microsoft.com/office/drawing/2014/main" id="{B93B1DD6-33BF-0948-AAB0-1CDDA1840480}"/>
-              </a:ext>
-            </a:extLst>
-          </p:cNvPr>
-          <p:cNvSpPr/>
-          <p:nvPr/>
-        </p:nvSpPr>
-        <p:spPr>
-          <a:xfrm>
-            <a:off x="533400" y="838200"/>
-            <a:ext cx="8229600" cy="5632311"/>
-          </a:xfrm>
-          <a:prstGeom prst="rect">
-            <a:avLst/>
-          </a:prstGeom>
-        </p:spPr>
-        <p:txBody>
-          <a:bodyPr wrap="square">
-            <a:spAutoFit/>
-          </a:bodyPr>
-          <a:lstStyle/>
-          <a:p>
-            <a:r>
-              <a:rPr lang="en-US" b="0" dirty="0">
-                <a:latin typeface="Courier" pitchFamily="2" charset="0"/>
-              </a:rPr>
-              <a:t>table = matrix(c(26, 24, 3, 22), </a:t>
-            </a:r>
-            <a:r>
-              <a:rPr lang="en-US" b="0" dirty="0" err="1">
-                <a:latin typeface="Courier" pitchFamily="2" charset="0"/>
-              </a:rPr>
-              <a:t>ncol</a:t>
-            </a:r>
-            <a:r>
-              <a:rPr lang="en-US" b="0" dirty="0">
-                <a:latin typeface="Courier" pitchFamily="2" charset="0"/>
-              </a:rPr>
-              <a:t>=2)</a:t>
-            </a:r>
-          </a:p>
-          <a:p>
-            <a:r>
-              <a:rPr lang="en-US" b="0" dirty="0" err="1">
-                <a:latin typeface="Courier" pitchFamily="2" charset="0"/>
-              </a:rPr>
-              <a:t>colnames</a:t>
-            </a:r>
-            <a:r>
-              <a:rPr lang="en-US" b="0" dirty="0">
-                <a:latin typeface="Courier" pitchFamily="2" charset="0"/>
-              </a:rPr>
-              <a:t>(table) = c('male', 'female')</a:t>
-            </a:r>
-          </a:p>
-          <a:p>
-            <a:r>
-              <a:rPr lang="en-US" b="0" dirty="0" err="1">
-                <a:latin typeface="Courier" pitchFamily="2" charset="0"/>
-              </a:rPr>
-              <a:t>rownames</a:t>
-            </a:r>
-            <a:r>
-              <a:rPr lang="en-US" b="0" dirty="0">
-                <a:latin typeface="Courier" pitchFamily="2" charset="0"/>
-              </a:rPr>
-              <a:t>(table) = c('</a:t>
-            </a:r>
-            <a:r>
-              <a:rPr lang="en-US" b="0" dirty="0" err="1">
-                <a:latin typeface="Courier" pitchFamily="2" charset="0"/>
-              </a:rPr>
-              <a:t>sport','family</a:t>
-            </a:r>
-            <a:r>
-              <a:rPr lang="en-US" b="0" dirty="0">
-                <a:latin typeface="Courier" pitchFamily="2" charset="0"/>
-              </a:rPr>
-              <a:t>’)</a:t>
-            </a:r>
-          </a:p>
-          <a:p>
-            <a:r>
-              <a:rPr lang="en-US" b="0" dirty="0" err="1">
-                <a:latin typeface="Courier" pitchFamily="2" charset="0"/>
-              </a:rPr>
-              <a:t>addmargins</a:t>
-            </a:r>
-            <a:r>
-              <a:rPr lang="en-US" b="0" dirty="0">
-                <a:latin typeface="Courier" pitchFamily="2" charset="0"/>
-              </a:rPr>
-              <a:t>(table)</a:t>
-            </a:r>
-          </a:p>
-          <a:p>
-            <a:endParaRPr lang="en-US" b="0" dirty="0">
-              <a:latin typeface="Courier" pitchFamily="2" charset="0"/>
-            </a:endParaRPr>
-          </a:p>
-          <a:p>
-            <a:r>
-              <a:rPr lang="en-US" b="0" dirty="0">
-                <a:solidFill>
-                  <a:srgbClr val="99CC00"/>
-                </a:solidFill>
-                <a:latin typeface="Courier" pitchFamily="2" charset="0"/>
-              </a:rPr>
-              <a:t>       male female Sum</a:t>
-            </a:r>
-          </a:p>
-          <a:p>
-            <a:r>
-              <a:rPr lang="en-US" b="0" dirty="0">
-                <a:solidFill>
-                  <a:srgbClr val="99CC00"/>
-                </a:solidFill>
-                <a:latin typeface="Courier" pitchFamily="2" charset="0"/>
-              </a:rPr>
-              <a:t>sport    26      3  29</a:t>
-            </a:r>
-          </a:p>
-          <a:p>
-            <a:r>
-              <a:rPr lang="en-US" b="0" dirty="0">
-                <a:solidFill>
-                  <a:srgbClr val="99CC00"/>
-                </a:solidFill>
-                <a:latin typeface="Courier" pitchFamily="2" charset="0"/>
-              </a:rPr>
-              <a:t>family   24     22  46</a:t>
-            </a:r>
-          </a:p>
-          <a:p>
-            <a:r>
-              <a:rPr lang="en-US" b="0" dirty="0">
-                <a:solidFill>
-                  <a:srgbClr val="99CC00"/>
-                </a:solidFill>
-                <a:latin typeface="Courier" pitchFamily="2" charset="0"/>
-              </a:rPr>
-              <a:t>Sum      50     25  75</a:t>
-            </a:r>
-          </a:p>
-          <a:p>
-            <a:endParaRPr lang="en-US" b="0" dirty="0">
-              <a:solidFill>
-                <a:srgbClr val="99CC00"/>
-              </a:solidFill>
-              <a:latin typeface="Courier" pitchFamily="2" charset="0"/>
-            </a:endParaRPr>
-          </a:p>
-          <a:p>
-            <a:r>
-              <a:rPr lang="en-US" b="0" dirty="0" err="1">
-                <a:latin typeface="Courier" pitchFamily="2" charset="0"/>
-              </a:rPr>
-              <a:t>chisq.test</a:t>
-            </a:r>
-            <a:r>
-              <a:rPr lang="en-US" b="0" dirty="0">
-                <a:latin typeface="Courier" pitchFamily="2" charset="0"/>
-              </a:rPr>
-              <a:t>(table)</a:t>
-            </a:r>
-          </a:p>
-          <a:p>
-            <a:endParaRPr lang="en-US" b="0" dirty="0">
-              <a:latin typeface="Courier" pitchFamily="2" charset="0"/>
-            </a:endParaRPr>
-          </a:p>
-          <a:p>
-            <a:r>
-              <a:rPr lang="en-US" b="0" dirty="0">
-                <a:solidFill>
-                  <a:srgbClr val="99CC00"/>
-                </a:solidFill>
-                <a:latin typeface="Courier" pitchFamily="2" charset="0"/>
-              </a:rPr>
-              <a:t>Pearson's Chi-squared test with Yates' continuity correction</a:t>
-            </a:r>
-          </a:p>
-          <a:p>
-            <a:br>
-              <a:rPr lang="en-US" b="0" dirty="0">
-                <a:solidFill>
-                  <a:srgbClr val="99CC00"/>
-                </a:solidFill>
-                <a:latin typeface="Courier" pitchFamily="2" charset="0"/>
-              </a:rPr>
-            </a:br>
-            <a:endParaRPr lang="en-US" b="0" dirty="0">
-              <a:solidFill>
-                <a:srgbClr val="99CC00"/>
-              </a:solidFill>
-              <a:latin typeface="Courier" pitchFamily="2" charset="0"/>
-            </a:endParaRPr>
-          </a:p>
-          <a:p>
-            <a:r>
-              <a:rPr lang="en-US" b="0" dirty="0">
-                <a:solidFill>
-                  <a:srgbClr val="99CC00"/>
-                </a:solidFill>
-                <a:latin typeface="Courier" pitchFamily="2" charset="0"/>
-              </a:rPr>
-              <a:t>data:  table</a:t>
-            </a:r>
-          </a:p>
-          <a:p>
-            <a:r>
-              <a:rPr lang="en-US" b="0" dirty="0">
-                <a:solidFill>
-                  <a:srgbClr val="99CC00"/>
-                </a:solidFill>
-                <a:latin typeface="Courier" pitchFamily="2" charset="0"/>
-              </a:rPr>
-              <a:t>X-squared = 9.621, </a:t>
-            </a:r>
-            <a:r>
-              <a:rPr lang="en-US" b="0" dirty="0" err="1">
-                <a:solidFill>
-                  <a:srgbClr val="99CC00"/>
-                </a:solidFill>
-                <a:latin typeface="Courier" pitchFamily="2" charset="0"/>
-              </a:rPr>
-              <a:t>df</a:t>
-            </a:r>
-            <a:r>
-              <a:rPr lang="en-US" b="0" dirty="0">
-                <a:solidFill>
-                  <a:srgbClr val="99CC00"/>
-                </a:solidFill>
-                <a:latin typeface="Courier" pitchFamily="2" charset="0"/>
-              </a:rPr>
-              <a:t> = 1, p-value = 0.001924</a:t>
-            </a:r>
-          </a:p>
-          <a:p>
-            <a:endParaRPr lang="en-US" b="0" dirty="0">
-              <a:latin typeface="Courier" pitchFamily="2" charset="0"/>
-            </a:endParaRPr>
-          </a:p>
-          <a:p>
-            <a:endParaRPr lang="en-US" b="0" dirty="0">
-              <a:latin typeface="Courier" pitchFamily="2" charset="0"/>
-            </a:endParaRPr>
-          </a:p>
-        </p:txBody>
-      </p:sp>
-    </p:spTree>
-    <p:extLst>
-      <p:ext uri="{BB962C8B-B14F-4D97-AF65-F5344CB8AC3E}">
-        <p14:creationId xmlns:p14="http://schemas.microsoft.com/office/powerpoint/2010/main" val="2778693748"/>
       </p:ext>
     </p:extLst>
   </p:cSld>
@@ -14724,6 +14869,445 @@
           <a:chExt cx="0" cy="0"/>
         </a:xfrm>
       </p:grpSpPr>
+      <p:grpSp>
+        <p:nvGrpSpPr>
+          <p:cNvPr id="4" name="Group 3">
+            <a:extLst>
+              <a:ext uri="{FF2B5EF4-FFF2-40B4-BE49-F238E27FC236}">
+                <a16:creationId xmlns:a16="http://schemas.microsoft.com/office/drawing/2014/main" id="{93D1E6CD-1347-864B-A10B-DA81CFDA63E1}"/>
+              </a:ext>
+            </a:extLst>
+          </p:cNvPr>
+          <p:cNvGrpSpPr/>
+          <p:nvPr/>
+        </p:nvGrpSpPr>
+        <p:grpSpPr>
+          <a:xfrm>
+            <a:off x="7772400" y="-258128"/>
+            <a:ext cx="1371600" cy="1630760"/>
+            <a:chOff x="7772400" y="-258128"/>
+            <a:chExt cx="1371600" cy="1630760"/>
+          </a:xfrm>
+        </p:grpSpPr>
+        <p:sp>
+          <p:nvSpPr>
+            <p:cNvPr id="5" name="Right Triangle 4">
+              <a:extLst>
+                <a:ext uri="{FF2B5EF4-FFF2-40B4-BE49-F238E27FC236}">
+                  <a16:creationId xmlns:a16="http://schemas.microsoft.com/office/drawing/2014/main" id="{A2BED168-524C-E74D-AF4C-0F5BAB8DEA96}"/>
+                </a:ext>
+              </a:extLst>
+            </p:cNvPr>
+            <p:cNvSpPr/>
+            <p:nvPr/>
+          </p:nvSpPr>
+          <p:spPr bwMode="auto">
+            <a:xfrm rot="10800000">
+              <a:off x="7772400" y="1032"/>
+              <a:ext cx="1371600" cy="1371600"/>
+            </a:xfrm>
+            <a:prstGeom prst="rtTriangle">
+              <a:avLst/>
+            </a:prstGeom>
+            <a:solidFill>
+              <a:srgbClr val="99CC00"/>
+            </a:solidFill>
+            <a:ln w="9525" cap="flat" cmpd="sng" algn="ctr">
+              <a:noFill/>
+              <a:prstDash val="solid"/>
+              <a:round/>
+              <a:headEnd type="none" w="med" len="med"/>
+              <a:tailEnd type="none" w="med" len="med"/>
+            </a:ln>
+            <a:effectLst/>
+          </p:spPr>
+          <p:txBody>
+            <a:bodyPr vert="horz" wrap="square" lIns="91440" tIns="45720" rIns="91440" bIns="45720" numCol="1" rtlCol="0" anchor="t" anchorCtr="0" compatLnSpc="1">
+              <a:prstTxWarp prst="textNoShape">
+                <a:avLst/>
+              </a:prstTxWarp>
+            </a:bodyPr>
+            <a:lstStyle/>
+            <a:p>
+              <a:pPr marL="0" marR="0" indent="0" algn="l" defTabSz="914400" rtl="0" eaLnBrk="1" fontAlgn="base" latinLnBrk="0" hangingPunct="1">
+                <a:lnSpc>
+                  <a:spcPct val="100000"/>
+                </a:lnSpc>
+                <a:spcBef>
+                  <a:spcPct val="0"/>
+                </a:spcBef>
+                <a:spcAft>
+                  <a:spcPct val="0"/>
+                </a:spcAft>
+                <a:buClrTx/>
+                <a:buSzTx/>
+                <a:buFontTx/>
+                <a:buNone/>
+                <a:tabLst/>
+              </a:pPr>
+              <a:endParaRPr kumimoji="0" lang="en-US" sz="1800" b="1" i="0" u="none" strike="noStrike" cap="none" normalizeH="0" baseline="0">
+                <a:ln>
+                  <a:noFill/>
+                </a:ln>
+                <a:solidFill>
+                  <a:schemeClr val="tx1"/>
+                </a:solidFill>
+                <a:effectLst/>
+                <a:latin typeface="Arial" pitchFamily="-112" charset="0"/>
+                <a:ea typeface="Arial" pitchFamily="-112" charset="0"/>
+                <a:cs typeface="Arial" pitchFamily="-112" charset="0"/>
+              </a:endParaRPr>
+            </a:p>
+          </p:txBody>
+        </p:sp>
+        <p:sp>
+          <p:nvSpPr>
+            <p:cNvPr id="6" name="TextBox 5">
+              <a:extLst>
+                <a:ext uri="{FF2B5EF4-FFF2-40B4-BE49-F238E27FC236}">
+                  <a16:creationId xmlns:a16="http://schemas.microsoft.com/office/drawing/2014/main" id="{C2556D37-0A57-0044-9ABA-69B7B607F15E}"/>
+                </a:ext>
+              </a:extLst>
+            </p:cNvPr>
+            <p:cNvSpPr txBox="1"/>
+            <p:nvPr/>
+          </p:nvSpPr>
+          <p:spPr>
+            <a:xfrm>
+              <a:off x="8229600" y="-258128"/>
+              <a:ext cx="685800" cy="1477328"/>
+            </a:xfrm>
+            <a:prstGeom prst="rect">
+              <a:avLst/>
+            </a:prstGeom>
+            <a:noFill/>
+          </p:spPr>
+          <p:txBody>
+            <a:bodyPr wrap="square" rtlCol="0">
+              <a:spAutoFit/>
+            </a:bodyPr>
+            <a:lstStyle/>
+            <a:p>
+              <a:r>
+                <a:rPr lang="en-US" sz="9000" dirty="0">
+                  <a:solidFill>
+                    <a:schemeClr val="bg1"/>
+                  </a:solidFill>
+                </a:rPr>
+                <a:t>R</a:t>
+              </a:r>
+            </a:p>
+          </p:txBody>
+        </p:sp>
+      </p:grpSp>
+      <p:sp>
+        <p:nvSpPr>
+          <p:cNvPr id="8" name="Rectangle 7">
+            <a:extLst>
+              <a:ext uri="{FF2B5EF4-FFF2-40B4-BE49-F238E27FC236}">
+                <a16:creationId xmlns:a16="http://schemas.microsoft.com/office/drawing/2014/main" id="{B93B1DD6-33BF-0948-AAB0-1CDDA1840480}"/>
+              </a:ext>
+            </a:extLst>
+          </p:cNvPr>
+          <p:cNvSpPr/>
+          <p:nvPr/>
+        </p:nvSpPr>
+        <p:spPr>
+          <a:xfrm>
+            <a:off x="533400" y="838200"/>
+            <a:ext cx="8229600" cy="5909310"/>
+          </a:xfrm>
+          <a:prstGeom prst="rect">
+            <a:avLst/>
+          </a:prstGeom>
+        </p:spPr>
+        <p:txBody>
+          <a:bodyPr wrap="square">
+            <a:spAutoFit/>
+          </a:bodyPr>
+          <a:lstStyle/>
+          <a:p>
+            <a:r>
+              <a:rPr lang="en-US" b="0" dirty="0">
+                <a:latin typeface="Courier" pitchFamily="2" charset="0"/>
+              </a:rPr>
+              <a:t>table = matrix(c(26, 24, 3, 22), </a:t>
+            </a:r>
+            <a:r>
+              <a:rPr lang="en-US" b="0" dirty="0" err="1">
+                <a:latin typeface="Courier" pitchFamily="2" charset="0"/>
+              </a:rPr>
+              <a:t>ncol</a:t>
+            </a:r>
+            <a:r>
+              <a:rPr lang="en-US" b="0" dirty="0">
+                <a:latin typeface="Courier" pitchFamily="2" charset="0"/>
+              </a:rPr>
+              <a:t>=2)</a:t>
+            </a:r>
+          </a:p>
+          <a:p>
+            <a:r>
+              <a:rPr lang="en-US" b="0" dirty="0" err="1">
+                <a:latin typeface="Courier" pitchFamily="2" charset="0"/>
+              </a:rPr>
+              <a:t>colnames</a:t>
+            </a:r>
+            <a:r>
+              <a:rPr lang="en-US" b="0" dirty="0">
+                <a:latin typeface="Courier" pitchFamily="2" charset="0"/>
+              </a:rPr>
+              <a:t>(table) = c('male', 'female')</a:t>
+            </a:r>
+          </a:p>
+          <a:p>
+            <a:r>
+              <a:rPr lang="en-US" b="0" dirty="0" err="1">
+                <a:latin typeface="Courier" pitchFamily="2" charset="0"/>
+              </a:rPr>
+              <a:t>rownames</a:t>
+            </a:r>
+            <a:r>
+              <a:rPr lang="en-US" b="0" dirty="0">
+                <a:latin typeface="Courier" pitchFamily="2" charset="0"/>
+              </a:rPr>
+              <a:t>(table) = c('</a:t>
+            </a:r>
+            <a:r>
+              <a:rPr lang="en-US" b="0" dirty="0" err="1">
+                <a:latin typeface="Courier" pitchFamily="2" charset="0"/>
+              </a:rPr>
+              <a:t>sport','family</a:t>
+            </a:r>
+            <a:r>
+              <a:rPr lang="en-US" b="0" dirty="0">
+                <a:latin typeface="Courier" pitchFamily="2" charset="0"/>
+              </a:rPr>
+              <a:t>’)</a:t>
+            </a:r>
+          </a:p>
+          <a:p>
+            <a:r>
+              <a:rPr lang="en-US" b="0" dirty="0" err="1">
+                <a:latin typeface="Courier" pitchFamily="2" charset="0"/>
+              </a:rPr>
+              <a:t>addmargins</a:t>
+            </a:r>
+            <a:r>
+              <a:rPr lang="en-US" b="0" dirty="0">
+                <a:latin typeface="Courier" pitchFamily="2" charset="0"/>
+              </a:rPr>
+              <a:t>(table)</a:t>
+            </a:r>
+          </a:p>
+          <a:p>
+            <a:endParaRPr lang="en-US" b="0" dirty="0">
+              <a:latin typeface="Courier" pitchFamily="2" charset="0"/>
+            </a:endParaRPr>
+          </a:p>
+          <a:p>
+            <a:r>
+              <a:rPr lang="en-US" b="0" dirty="0">
+                <a:solidFill>
+                  <a:srgbClr val="99CC00"/>
+                </a:solidFill>
+                <a:latin typeface="Courier" pitchFamily="2" charset="0"/>
+              </a:rPr>
+              <a:t>       male female Sum</a:t>
+            </a:r>
+          </a:p>
+          <a:p>
+            <a:r>
+              <a:rPr lang="en-US" b="0" dirty="0">
+                <a:solidFill>
+                  <a:srgbClr val="99CC00"/>
+                </a:solidFill>
+                <a:latin typeface="Courier" pitchFamily="2" charset="0"/>
+              </a:rPr>
+              <a:t>sport    26      3  29</a:t>
+            </a:r>
+          </a:p>
+          <a:p>
+            <a:r>
+              <a:rPr lang="en-US" b="0" dirty="0">
+                <a:solidFill>
+                  <a:srgbClr val="99CC00"/>
+                </a:solidFill>
+                <a:latin typeface="Courier" pitchFamily="2" charset="0"/>
+              </a:rPr>
+              <a:t>family   24     22  46</a:t>
+            </a:r>
+          </a:p>
+          <a:p>
+            <a:r>
+              <a:rPr lang="en-US" b="0" dirty="0">
+                <a:solidFill>
+                  <a:srgbClr val="99CC00"/>
+                </a:solidFill>
+                <a:latin typeface="Courier" pitchFamily="2" charset="0"/>
+              </a:rPr>
+              <a:t>Sum      50     25  75</a:t>
+            </a:r>
+          </a:p>
+          <a:p>
+            <a:endParaRPr lang="en-US" b="0" dirty="0">
+              <a:solidFill>
+                <a:srgbClr val="99CC00"/>
+              </a:solidFill>
+              <a:latin typeface="Courier" pitchFamily="2" charset="0"/>
+            </a:endParaRPr>
+          </a:p>
+          <a:p>
+            <a:r>
+              <a:rPr lang="en-US" b="0" dirty="0" err="1">
+                <a:latin typeface="Courier" pitchFamily="2" charset="0"/>
+              </a:rPr>
+              <a:t>chisq.test</a:t>
+            </a:r>
+            <a:r>
+              <a:rPr lang="en-US" b="0" dirty="0">
+                <a:latin typeface="Courier" pitchFamily="2" charset="0"/>
+              </a:rPr>
+              <a:t>(</a:t>
+            </a:r>
+            <a:r>
+              <a:rPr lang="en-US" b="0" dirty="0" err="1">
+                <a:latin typeface="Courier" pitchFamily="2" charset="0"/>
+              </a:rPr>
+              <a:t>table,correct</a:t>
+            </a:r>
+            <a:r>
+              <a:rPr lang="en-US" b="0" dirty="0">
+                <a:latin typeface="Courier" pitchFamily="2" charset="0"/>
+              </a:rPr>
+              <a:t>=FALSE) #must use correct=FALSE for a 2 by 2 table otherwise = TRUE</a:t>
+            </a:r>
+          </a:p>
+          <a:p>
+            <a:br>
+              <a:rPr lang="en-US" b="0" dirty="0">
+                <a:solidFill>
+                  <a:srgbClr val="99CC00"/>
+                </a:solidFill>
+                <a:latin typeface="Courier" pitchFamily="2" charset="0"/>
+              </a:rPr>
+            </a:br>
+            <a:endParaRPr lang="en-US" b="0" dirty="0">
+              <a:solidFill>
+                <a:srgbClr val="99CC00"/>
+              </a:solidFill>
+              <a:latin typeface="Courier" pitchFamily="2" charset="0"/>
+            </a:endParaRPr>
+          </a:p>
+          <a:p>
+            <a:r>
+              <a:rPr lang="en-US" b="0" dirty="0">
+                <a:solidFill>
+                  <a:srgbClr val="99CC00"/>
+                </a:solidFill>
+                <a:latin typeface="Courier" pitchFamily="2" charset="0"/>
+              </a:rPr>
+              <a:t>Pearson's Chi-squared test</a:t>
+            </a:r>
+          </a:p>
+          <a:p>
+            <a:br>
+              <a:rPr lang="en-US" b="0" dirty="0">
+                <a:solidFill>
+                  <a:srgbClr val="99CC00"/>
+                </a:solidFill>
+                <a:latin typeface="Courier" pitchFamily="2" charset="0"/>
+              </a:rPr>
+            </a:br>
+            <a:endParaRPr lang="en-US" b="0" dirty="0">
+              <a:solidFill>
+                <a:srgbClr val="99CC00"/>
+              </a:solidFill>
+              <a:latin typeface="Courier" pitchFamily="2" charset="0"/>
+            </a:endParaRPr>
+          </a:p>
+          <a:p>
+            <a:r>
+              <a:rPr lang="en-US" b="0" dirty="0">
+                <a:solidFill>
+                  <a:srgbClr val="99CC00"/>
+                </a:solidFill>
+                <a:latin typeface="Courier" pitchFamily="2" charset="0"/>
+              </a:rPr>
+              <a:t>data:  table</a:t>
+            </a:r>
+          </a:p>
+          <a:p>
+            <a:r>
+              <a:rPr lang="en-US" b="0" dirty="0">
+                <a:solidFill>
+                  <a:srgbClr val="99CC00"/>
+                </a:solidFill>
+                <a:latin typeface="Courier" pitchFamily="2" charset="0"/>
+              </a:rPr>
+              <a:t>X-squared = 11.244, </a:t>
+            </a:r>
+            <a:r>
+              <a:rPr lang="en-US" b="0" dirty="0" err="1">
+                <a:solidFill>
+                  <a:srgbClr val="99CC00"/>
+                </a:solidFill>
+                <a:latin typeface="Courier" pitchFamily="2" charset="0"/>
+              </a:rPr>
+              <a:t>df</a:t>
+            </a:r>
+            <a:r>
+              <a:rPr lang="en-US" b="0" dirty="0">
+                <a:solidFill>
+                  <a:srgbClr val="99CC00"/>
+                </a:solidFill>
+                <a:latin typeface="Courier" pitchFamily="2" charset="0"/>
+              </a:rPr>
+              <a:t> = 1, p-value = 0.0007986</a:t>
+            </a:r>
+          </a:p>
+          <a:p>
+            <a:endParaRPr lang="en-US" b="0" dirty="0">
+              <a:latin typeface="Courier" pitchFamily="2" charset="0"/>
+            </a:endParaRPr>
+          </a:p>
+          <a:p>
+            <a:endParaRPr lang="en-US" b="0" dirty="0">
+              <a:latin typeface="Courier" pitchFamily="2" charset="0"/>
+            </a:endParaRPr>
+          </a:p>
+        </p:txBody>
+      </p:sp>
+    </p:spTree>
+    <p:extLst>
+      <p:ext uri="{BB962C8B-B14F-4D97-AF65-F5344CB8AC3E}">
+        <p14:creationId xmlns:p14="http://schemas.microsoft.com/office/powerpoint/2010/main" val="2778693748"/>
+      </p:ext>
+    </p:extLst>
+  </p:cSld>
+  <p:clrMapOvr>
+    <a:masterClrMapping/>
+  </p:clrMapOvr>
+</p:sld>
+</file>
+
+<file path=ppt/slides/slide21.xml><?xml version="1.0" encoding="utf-8"?>
+<p:sld xmlns:a="http://schemas.openxmlformats.org/drawingml/2006/main" xmlns:r="http://schemas.openxmlformats.org/officeDocument/2006/relationships" xmlns:p="http://schemas.openxmlformats.org/presentationml/2006/main">
+  <p:cSld>
+    <p:spTree>
+      <p:nvGrpSpPr>
+        <p:cNvPr id="1" name=""/>
+        <p:cNvGrpSpPr/>
+        <p:nvPr/>
+      </p:nvGrpSpPr>
+      <p:grpSpPr>
+        <a:xfrm>
+          <a:off x="0" y="0"/>
+          <a:ext cx="0" cy="0"/>
+          <a:chOff x="0" y="0"/>
+          <a:chExt cx="0" cy="0"/>
+        </a:xfrm>
+      </p:grpSpPr>
       <p:sp>
         <p:nvSpPr>
           <p:cNvPr id="6" name="Text Placeholder 3"/>
@@ -14789,7 +15373,7 @@
 </p:sld>
 </file>
 
-<file path=ppt/slides/slide21.xml><?xml version="1.0" encoding="utf-8"?>
+<file path=ppt/slides/slide22.xml><?xml version="1.0" encoding="utf-8"?>
 <p:sld xmlns:a="http://schemas.openxmlformats.org/drawingml/2006/main" xmlns:r="http://schemas.openxmlformats.org/officeDocument/2006/relationships" xmlns:p="http://schemas.openxmlformats.org/presentationml/2006/main">
   <p:cSld>
     <p:spTree>
@@ -14939,7 +15523,7 @@
 </p:sld>
 </file>
 
-<file path=ppt/slides/slide22.xml><?xml version="1.0" encoding="utf-8"?>
+<file path=ppt/slides/slide23.xml><?xml version="1.0" encoding="utf-8"?>
 <p:sld xmlns:a="http://schemas.openxmlformats.org/drawingml/2006/main" xmlns:r="http://schemas.openxmlformats.org/officeDocument/2006/relationships" xmlns:p="http://schemas.openxmlformats.org/presentationml/2006/main">
   <p:cSld>
     <p:spTree>
@@ -15004,7 +15588,7 @@
 </p:sld>
 </file>
 
-<file path=ppt/slides/slide23.xml><?xml version="1.0" encoding="utf-8"?>
+<file path=ppt/slides/slide24.xml><?xml version="1.0" encoding="utf-8"?>
 <p:sld xmlns:a="http://schemas.openxmlformats.org/drawingml/2006/main" xmlns:r="http://schemas.openxmlformats.org/officeDocument/2006/relationships" xmlns:p="http://schemas.openxmlformats.org/presentationml/2006/main">
   <p:cSld>
     <p:spTree>
@@ -16185,650 +16769,6 @@
 </p:sld>
 </file>
 
-<file path=ppt/slides/slide24.xml><?xml version="1.0" encoding="utf-8"?>
-<p:sld xmlns:a="http://schemas.openxmlformats.org/drawingml/2006/main" xmlns:r="http://schemas.openxmlformats.org/officeDocument/2006/relationships" xmlns:p="http://schemas.openxmlformats.org/presentationml/2006/main">
-  <p:cSld>
-    <p:spTree>
-      <p:nvGrpSpPr>
-        <p:cNvPr id="1" name=""/>
-        <p:cNvGrpSpPr/>
-        <p:nvPr/>
-      </p:nvGrpSpPr>
-      <p:grpSpPr>
-        <a:xfrm>
-          <a:off x="0" y="0"/>
-          <a:ext cx="0" cy="0"/>
-          <a:chOff x="0" y="0"/>
-          <a:chExt cx="0" cy="0"/>
-        </a:xfrm>
-      </p:grpSpPr>
-      <p:grpSp>
-        <p:nvGrpSpPr>
-          <p:cNvPr id="4" name="Group 3">
-            <a:extLst>
-              <a:ext uri="{FF2B5EF4-FFF2-40B4-BE49-F238E27FC236}">
-                <a16:creationId xmlns:a16="http://schemas.microsoft.com/office/drawing/2014/main" id="{93D1E6CD-1347-864B-A10B-DA81CFDA63E1}"/>
-              </a:ext>
-            </a:extLst>
-          </p:cNvPr>
-          <p:cNvGrpSpPr/>
-          <p:nvPr/>
-        </p:nvGrpSpPr>
-        <p:grpSpPr>
-          <a:xfrm>
-            <a:off x="7772400" y="-258128"/>
-            <a:ext cx="1371600" cy="1630760"/>
-            <a:chOff x="7772400" y="-258128"/>
-            <a:chExt cx="1371600" cy="1630760"/>
-          </a:xfrm>
-        </p:grpSpPr>
-        <p:sp>
-          <p:nvSpPr>
-            <p:cNvPr id="5" name="Right Triangle 4">
-              <a:extLst>
-                <a:ext uri="{FF2B5EF4-FFF2-40B4-BE49-F238E27FC236}">
-                  <a16:creationId xmlns:a16="http://schemas.microsoft.com/office/drawing/2014/main" id="{A2BED168-524C-E74D-AF4C-0F5BAB8DEA96}"/>
-                </a:ext>
-              </a:extLst>
-            </p:cNvPr>
-            <p:cNvSpPr/>
-            <p:nvPr/>
-          </p:nvSpPr>
-          <p:spPr bwMode="auto">
-            <a:xfrm rot="10800000">
-              <a:off x="7772400" y="1032"/>
-              <a:ext cx="1371600" cy="1371600"/>
-            </a:xfrm>
-            <a:prstGeom prst="rtTriangle">
-              <a:avLst/>
-            </a:prstGeom>
-            <a:solidFill>
-              <a:srgbClr val="99CC00"/>
-            </a:solidFill>
-            <a:ln w="9525" cap="flat" cmpd="sng" algn="ctr">
-              <a:noFill/>
-              <a:prstDash val="solid"/>
-              <a:round/>
-              <a:headEnd type="none" w="med" len="med"/>
-              <a:tailEnd type="none" w="med" len="med"/>
-            </a:ln>
-            <a:effectLst/>
-          </p:spPr>
-          <p:txBody>
-            <a:bodyPr vert="horz" wrap="square" lIns="91440" tIns="45720" rIns="91440" bIns="45720" numCol="1" rtlCol="0" anchor="t" anchorCtr="0" compatLnSpc="1">
-              <a:prstTxWarp prst="textNoShape">
-                <a:avLst/>
-              </a:prstTxWarp>
-            </a:bodyPr>
-            <a:lstStyle/>
-            <a:p>
-              <a:pPr marL="0" marR="0" indent="0" algn="l" defTabSz="914400" rtl="0" eaLnBrk="1" fontAlgn="base" latinLnBrk="0" hangingPunct="1">
-                <a:lnSpc>
-                  <a:spcPct val="100000"/>
-                </a:lnSpc>
-                <a:spcBef>
-                  <a:spcPct val="0"/>
-                </a:spcBef>
-                <a:spcAft>
-                  <a:spcPct val="0"/>
-                </a:spcAft>
-                <a:buClrTx/>
-                <a:buSzTx/>
-                <a:buFontTx/>
-                <a:buNone/>
-                <a:tabLst/>
-              </a:pPr>
-              <a:endParaRPr kumimoji="0" lang="en-US" sz="1800" b="1" i="0" u="none" strike="noStrike" cap="none" normalizeH="0" baseline="0">
-                <a:ln>
-                  <a:noFill/>
-                </a:ln>
-                <a:solidFill>
-                  <a:schemeClr val="tx1"/>
-                </a:solidFill>
-                <a:effectLst/>
-                <a:latin typeface="Arial" pitchFamily="-112" charset="0"/>
-                <a:ea typeface="Arial" pitchFamily="-112" charset="0"/>
-                <a:cs typeface="Arial" pitchFamily="-112" charset="0"/>
-              </a:endParaRPr>
-            </a:p>
-          </p:txBody>
-        </p:sp>
-        <p:sp>
-          <p:nvSpPr>
-            <p:cNvPr id="6" name="TextBox 5">
-              <a:extLst>
-                <a:ext uri="{FF2B5EF4-FFF2-40B4-BE49-F238E27FC236}">
-                  <a16:creationId xmlns:a16="http://schemas.microsoft.com/office/drawing/2014/main" id="{C2556D37-0A57-0044-9ABA-69B7B607F15E}"/>
-                </a:ext>
-              </a:extLst>
-            </p:cNvPr>
-            <p:cNvSpPr txBox="1"/>
-            <p:nvPr/>
-          </p:nvSpPr>
-          <p:spPr>
-            <a:xfrm>
-              <a:off x="8229600" y="-258128"/>
-              <a:ext cx="685800" cy="1477328"/>
-            </a:xfrm>
-            <a:prstGeom prst="rect">
-              <a:avLst/>
-            </a:prstGeom>
-            <a:noFill/>
-          </p:spPr>
-          <p:txBody>
-            <a:bodyPr wrap="square" rtlCol="0">
-              <a:spAutoFit/>
-            </a:bodyPr>
-            <a:lstStyle/>
-            <a:p>
-              <a:r>
-                <a:rPr lang="en-US" sz="9000" dirty="0">
-                  <a:solidFill>
-                    <a:schemeClr val="bg1"/>
-                  </a:solidFill>
-                </a:rPr>
-                <a:t>R</a:t>
-              </a:r>
-            </a:p>
-          </p:txBody>
-        </p:sp>
-      </p:grpSp>
-      <p:sp>
-        <p:nvSpPr>
-          <p:cNvPr id="8" name="Rectangle 7">
-            <a:extLst>
-              <a:ext uri="{FF2B5EF4-FFF2-40B4-BE49-F238E27FC236}">
-                <a16:creationId xmlns:a16="http://schemas.microsoft.com/office/drawing/2014/main" id="{B93B1DD6-33BF-0948-AAB0-1CDDA1840480}"/>
-              </a:ext>
-            </a:extLst>
-          </p:cNvPr>
-          <p:cNvSpPr/>
-          <p:nvPr/>
-        </p:nvSpPr>
-        <p:spPr>
-          <a:xfrm>
-            <a:off x="533400" y="838200"/>
-            <a:ext cx="8229600" cy="5632311"/>
-          </a:xfrm>
-          <a:prstGeom prst="rect">
-            <a:avLst/>
-          </a:prstGeom>
-        </p:spPr>
-        <p:txBody>
-          <a:bodyPr wrap="square">
-            <a:spAutoFit/>
-          </a:bodyPr>
-          <a:lstStyle/>
-          <a:p>
-            <a:r>
-              <a:rPr lang="en-US" b="0" dirty="0">
-                <a:latin typeface="Courier" pitchFamily="2" charset="0"/>
-              </a:rPr>
-              <a:t>&gt; library(MASS)       # load the MASS package </a:t>
-            </a:r>
-            <a:br>
-              <a:rPr lang="en-US" b="0" dirty="0">
-                <a:latin typeface="Courier" pitchFamily="2" charset="0"/>
-              </a:rPr>
-            </a:br>
-            <a:r>
-              <a:rPr lang="en-US" b="0" dirty="0">
-                <a:latin typeface="Courier" pitchFamily="2" charset="0"/>
-              </a:rPr>
-              <a:t>&gt; </a:t>
-            </a:r>
-            <a:r>
-              <a:rPr lang="en-US" b="0" dirty="0" err="1">
-                <a:latin typeface="Courier" pitchFamily="2" charset="0"/>
-              </a:rPr>
-              <a:t>tbl</a:t>
-            </a:r>
-            <a:r>
-              <a:rPr lang="en-US" b="0" dirty="0">
-                <a:latin typeface="Courier" pitchFamily="2" charset="0"/>
-              </a:rPr>
-              <a:t> = table(</a:t>
-            </a:r>
-            <a:r>
-              <a:rPr lang="en-US" b="0" dirty="0" err="1">
-                <a:latin typeface="Courier" pitchFamily="2" charset="0"/>
-              </a:rPr>
-              <a:t>survey$Smoke</a:t>
-            </a:r>
-            <a:r>
-              <a:rPr lang="en-US" b="0" dirty="0">
-                <a:latin typeface="Courier" pitchFamily="2" charset="0"/>
-              </a:rPr>
-              <a:t>, </a:t>
-            </a:r>
-            <a:r>
-              <a:rPr lang="en-US" b="0" dirty="0" err="1">
-                <a:latin typeface="Courier" pitchFamily="2" charset="0"/>
-              </a:rPr>
-              <a:t>survey$Exer</a:t>
-            </a:r>
-            <a:r>
-              <a:rPr lang="en-US" b="0" dirty="0">
-                <a:latin typeface="Courier" pitchFamily="2" charset="0"/>
-              </a:rPr>
-              <a:t>) </a:t>
-            </a:r>
-          </a:p>
-          <a:p>
-            <a:r>
-              <a:rPr lang="en-GB" b="0" dirty="0">
-                <a:latin typeface="Courier" pitchFamily="2" charset="0"/>
-                <a:cs typeface="Arial" pitchFamily="-112" charset="0"/>
-              </a:rPr>
-              <a:t>&gt; </a:t>
-            </a:r>
-            <a:r>
-              <a:rPr lang="en-GB" b="0" dirty="0" err="1">
-                <a:latin typeface="Courier" pitchFamily="2" charset="0"/>
-                <a:cs typeface="Arial" pitchFamily="-112" charset="0"/>
-              </a:rPr>
-              <a:t>tbl</a:t>
-            </a:r>
-            <a:r>
-              <a:rPr lang="en-GB" b="0" dirty="0">
-                <a:latin typeface="Courier" pitchFamily="2" charset="0"/>
-                <a:cs typeface="Arial" pitchFamily="-112" charset="0"/>
-              </a:rPr>
-              <a:t>                 # the contingency table </a:t>
-            </a:r>
-            <a:br>
-              <a:rPr lang="en-GB" b="0" dirty="0">
-                <a:latin typeface="Courier" pitchFamily="2" charset="0"/>
-                <a:cs typeface="Arial" pitchFamily="-112" charset="0"/>
-              </a:rPr>
-            </a:br>
-            <a:r>
-              <a:rPr lang="en-GB" b="0" dirty="0">
-                <a:latin typeface="Courier" pitchFamily="2" charset="0"/>
-                <a:cs typeface="Arial" pitchFamily="-112" charset="0"/>
-              </a:rPr>
-              <a:t> </a:t>
-            </a:r>
-            <a:br>
-              <a:rPr lang="en-GB" b="0" dirty="0">
-                <a:latin typeface="Courier" pitchFamily="2" charset="0"/>
-                <a:cs typeface="Arial" pitchFamily="-112" charset="0"/>
-              </a:rPr>
-            </a:br>
-            <a:r>
-              <a:rPr lang="en-GB" b="0" dirty="0">
-                <a:solidFill>
-                  <a:srgbClr val="99CC00"/>
-                </a:solidFill>
-                <a:latin typeface="Courier" pitchFamily="2" charset="0"/>
-                <a:cs typeface="Arial" pitchFamily="-112" charset="0"/>
-              </a:rPr>
-              <a:t>        Freq None Some </a:t>
-            </a:r>
-            <a:br>
-              <a:rPr lang="en-GB" b="0" dirty="0">
-                <a:solidFill>
-                  <a:srgbClr val="99CC00"/>
-                </a:solidFill>
-                <a:latin typeface="Courier" pitchFamily="2" charset="0"/>
-                <a:cs typeface="Arial" pitchFamily="-112" charset="0"/>
-              </a:rPr>
-            </a:br>
-            <a:r>
-              <a:rPr lang="en-GB" b="0" dirty="0">
-                <a:solidFill>
-                  <a:srgbClr val="99CC00"/>
-                </a:solidFill>
-                <a:latin typeface="Courier" pitchFamily="2" charset="0"/>
-                <a:cs typeface="Arial" pitchFamily="-112" charset="0"/>
-              </a:rPr>
-              <a:t>  Heavy    7    1    3 </a:t>
-            </a:r>
-            <a:br>
-              <a:rPr lang="en-GB" b="0" dirty="0">
-                <a:solidFill>
-                  <a:srgbClr val="99CC00"/>
-                </a:solidFill>
-                <a:latin typeface="Courier" pitchFamily="2" charset="0"/>
-                <a:cs typeface="Arial" pitchFamily="-112" charset="0"/>
-              </a:rPr>
-            </a:br>
-            <a:r>
-              <a:rPr lang="en-GB" b="0" dirty="0">
-                <a:solidFill>
-                  <a:srgbClr val="99CC00"/>
-                </a:solidFill>
-                <a:latin typeface="Courier" pitchFamily="2" charset="0"/>
-                <a:cs typeface="Arial" pitchFamily="-112" charset="0"/>
-              </a:rPr>
-              <a:t>  Never   87   18   84 </a:t>
-            </a:r>
-            <a:br>
-              <a:rPr lang="en-GB" b="0" dirty="0">
-                <a:solidFill>
-                  <a:srgbClr val="99CC00"/>
-                </a:solidFill>
-                <a:latin typeface="Courier" pitchFamily="2" charset="0"/>
-                <a:cs typeface="Arial" pitchFamily="-112" charset="0"/>
-              </a:rPr>
-            </a:br>
-            <a:r>
-              <a:rPr lang="en-GB" b="0" dirty="0">
-                <a:solidFill>
-                  <a:srgbClr val="99CC00"/>
-                </a:solidFill>
-                <a:latin typeface="Courier" pitchFamily="2" charset="0"/>
-                <a:cs typeface="Arial" pitchFamily="-112" charset="0"/>
-              </a:rPr>
-              <a:t>  </a:t>
-            </a:r>
-            <a:r>
-              <a:rPr lang="en-GB" b="0" dirty="0" err="1">
-                <a:solidFill>
-                  <a:srgbClr val="99CC00"/>
-                </a:solidFill>
-                <a:latin typeface="Courier" pitchFamily="2" charset="0"/>
-                <a:cs typeface="Arial" pitchFamily="-112" charset="0"/>
-              </a:rPr>
-              <a:t>Occas</a:t>
-            </a:r>
-            <a:r>
-              <a:rPr lang="en-GB" b="0" dirty="0">
-                <a:solidFill>
-                  <a:srgbClr val="99CC00"/>
-                </a:solidFill>
-                <a:latin typeface="Courier" pitchFamily="2" charset="0"/>
-                <a:cs typeface="Arial" pitchFamily="-112" charset="0"/>
-              </a:rPr>
-              <a:t>   12    3    4 </a:t>
-            </a:r>
-            <a:br>
-              <a:rPr lang="en-GB" b="0" dirty="0">
-                <a:solidFill>
-                  <a:srgbClr val="99CC00"/>
-                </a:solidFill>
-                <a:latin typeface="Courier" pitchFamily="2" charset="0"/>
-                <a:cs typeface="Arial" pitchFamily="-112" charset="0"/>
-              </a:rPr>
-            </a:br>
-            <a:r>
-              <a:rPr lang="en-GB" b="0" dirty="0">
-                <a:solidFill>
-                  <a:srgbClr val="99CC00"/>
-                </a:solidFill>
-                <a:latin typeface="Courier" pitchFamily="2" charset="0"/>
-                <a:cs typeface="Arial" pitchFamily="-112" charset="0"/>
-              </a:rPr>
-              <a:t>  </a:t>
-            </a:r>
-            <a:r>
-              <a:rPr lang="en-GB" b="0" dirty="0" err="1">
-                <a:solidFill>
-                  <a:srgbClr val="99CC00"/>
-                </a:solidFill>
-                <a:latin typeface="Courier" pitchFamily="2" charset="0"/>
-                <a:cs typeface="Arial" pitchFamily="-112" charset="0"/>
-              </a:rPr>
-              <a:t>Regul</a:t>
-            </a:r>
-            <a:r>
-              <a:rPr lang="en-GB" b="0" dirty="0">
-                <a:solidFill>
-                  <a:srgbClr val="99CC00"/>
-                </a:solidFill>
-                <a:latin typeface="Courier" pitchFamily="2" charset="0"/>
-                <a:cs typeface="Arial" pitchFamily="-112" charset="0"/>
-              </a:rPr>
-              <a:t>    9    1    7</a:t>
-            </a:r>
-          </a:p>
-          <a:p>
-            <a:endParaRPr lang="en-GB" b="0" dirty="0">
-              <a:latin typeface="Courier" pitchFamily="2" charset="0"/>
-              <a:cs typeface="Arial" pitchFamily="-112" charset="0"/>
-            </a:endParaRPr>
-          </a:p>
-          <a:p>
-            <a:r>
-              <a:rPr lang="en-GB" b="0" dirty="0">
-                <a:latin typeface="Courier" pitchFamily="2" charset="0"/>
-                <a:cs typeface="Arial" pitchFamily="-112" charset="0"/>
-              </a:rPr>
-              <a:t>&gt;</a:t>
-            </a:r>
-            <a:r>
-              <a:rPr lang="en-GB" b="0" dirty="0" err="1">
-                <a:latin typeface="Courier" pitchFamily="2" charset="0"/>
-                <a:cs typeface="Arial" pitchFamily="-112" charset="0"/>
-              </a:rPr>
-              <a:t>chisq.test</a:t>
-            </a:r>
-            <a:r>
-              <a:rPr lang="en-GB" b="0" dirty="0">
-                <a:latin typeface="Courier" pitchFamily="2" charset="0"/>
-                <a:cs typeface="Arial" pitchFamily="-112" charset="0"/>
-              </a:rPr>
-              <a:t>(</a:t>
-            </a:r>
-            <a:r>
-              <a:rPr lang="en-GB" b="0" dirty="0" err="1">
-                <a:latin typeface="Courier" pitchFamily="2" charset="0"/>
-                <a:cs typeface="Arial" pitchFamily="-112" charset="0"/>
-              </a:rPr>
-              <a:t>tbl</a:t>
-            </a:r>
-            <a:r>
-              <a:rPr lang="en-GB" b="0" dirty="0">
-                <a:latin typeface="Courier" pitchFamily="2" charset="0"/>
-                <a:cs typeface="Arial" pitchFamily="-112" charset="0"/>
-              </a:rPr>
-              <a:t>) # or </a:t>
-            </a:r>
-            <a:r>
-              <a:rPr lang="en-GB" b="0" dirty="0" err="1">
-                <a:latin typeface="Courier" pitchFamily="2" charset="0"/>
-                <a:cs typeface="Arial" pitchFamily="-112" charset="0"/>
-              </a:rPr>
-              <a:t>fisher.test</a:t>
-            </a:r>
-            <a:r>
-              <a:rPr lang="en-GB" b="0" dirty="0">
-                <a:latin typeface="Courier" pitchFamily="2" charset="0"/>
-                <a:cs typeface="Arial" pitchFamily="-112" charset="0"/>
-              </a:rPr>
-              <a:t>(</a:t>
-            </a:r>
-            <a:r>
-              <a:rPr lang="en-GB" b="0" dirty="0" err="1">
-                <a:latin typeface="Courier" pitchFamily="2" charset="0"/>
-                <a:cs typeface="Arial" pitchFamily="-112" charset="0"/>
-              </a:rPr>
-              <a:t>tbl</a:t>
-            </a:r>
-            <a:r>
-              <a:rPr lang="en-GB" b="0" dirty="0">
-                <a:latin typeface="Courier" pitchFamily="2" charset="0"/>
-                <a:cs typeface="Arial" pitchFamily="-112" charset="0"/>
-              </a:rPr>
-              <a:t>) if Counts &gt;= 5 in &lt; 75% cells</a:t>
-            </a:r>
-          </a:p>
-          <a:p>
-            <a:br>
-              <a:rPr lang="en-GB" b="0" dirty="0">
-                <a:latin typeface="Courier" pitchFamily="2" charset="0"/>
-                <a:cs typeface="Arial" pitchFamily="-112" charset="0"/>
-              </a:rPr>
-            </a:br>
-            <a:r>
-              <a:rPr lang="en-GB" b="0" dirty="0">
-                <a:latin typeface="Courier" pitchFamily="2" charset="0"/>
-                <a:cs typeface="Arial" pitchFamily="-112" charset="0"/>
-              </a:rPr>
-              <a:t> </a:t>
-            </a:r>
-            <a:br>
-              <a:rPr lang="en-GB" b="0" dirty="0">
-                <a:solidFill>
-                  <a:srgbClr val="99CC00"/>
-                </a:solidFill>
-                <a:latin typeface="Courier" pitchFamily="2" charset="0"/>
-                <a:cs typeface="Arial" pitchFamily="-112" charset="0"/>
-              </a:rPr>
-            </a:br>
-            <a:r>
-              <a:rPr lang="en-GB" b="0" dirty="0">
-                <a:solidFill>
-                  <a:srgbClr val="99CC00"/>
-                </a:solidFill>
-                <a:latin typeface="Courier" pitchFamily="2" charset="0"/>
-                <a:cs typeface="Arial" pitchFamily="-112" charset="0"/>
-              </a:rPr>
-              <a:t>        Pearson’s Chi-squared test </a:t>
-            </a:r>
-            <a:br>
-              <a:rPr lang="en-GB" b="0" dirty="0">
-                <a:solidFill>
-                  <a:srgbClr val="99CC00"/>
-                </a:solidFill>
-                <a:latin typeface="Courier" pitchFamily="2" charset="0"/>
-                <a:cs typeface="Arial" pitchFamily="-112" charset="0"/>
-              </a:rPr>
-            </a:br>
-            <a:r>
-              <a:rPr lang="en-GB" b="0" dirty="0">
-                <a:solidFill>
-                  <a:srgbClr val="99CC00"/>
-                </a:solidFill>
-                <a:latin typeface="Courier" pitchFamily="2" charset="0"/>
-                <a:cs typeface="Arial" pitchFamily="-112" charset="0"/>
-              </a:rPr>
-              <a:t> </a:t>
-            </a:r>
-            <a:br>
-              <a:rPr lang="en-GB" b="0" dirty="0">
-                <a:solidFill>
-                  <a:srgbClr val="99CC00"/>
-                </a:solidFill>
-                <a:latin typeface="Courier" pitchFamily="2" charset="0"/>
-                <a:cs typeface="Arial" pitchFamily="-112" charset="0"/>
-              </a:rPr>
-            </a:br>
-            <a:r>
-              <a:rPr lang="en-GB" b="0" dirty="0">
-                <a:solidFill>
-                  <a:srgbClr val="99CC00"/>
-                </a:solidFill>
-                <a:latin typeface="Courier" pitchFamily="2" charset="0"/>
-                <a:cs typeface="Arial" pitchFamily="-112" charset="0"/>
-              </a:rPr>
-              <a:t>data:  table(</a:t>
-            </a:r>
-            <a:r>
-              <a:rPr lang="en-GB" b="0" dirty="0" err="1">
-                <a:solidFill>
-                  <a:srgbClr val="99CC00"/>
-                </a:solidFill>
-                <a:latin typeface="Courier" pitchFamily="2" charset="0"/>
-                <a:cs typeface="Arial" pitchFamily="-112" charset="0"/>
-              </a:rPr>
-              <a:t>survey$Smoke</a:t>
-            </a:r>
-            <a:r>
-              <a:rPr lang="en-GB" b="0" dirty="0">
-                <a:solidFill>
-                  <a:srgbClr val="99CC00"/>
-                </a:solidFill>
-                <a:latin typeface="Courier" pitchFamily="2" charset="0"/>
-                <a:cs typeface="Arial" pitchFamily="-112" charset="0"/>
-              </a:rPr>
-              <a:t>, </a:t>
-            </a:r>
-            <a:r>
-              <a:rPr lang="en-GB" b="0" dirty="0" err="1">
-                <a:solidFill>
-                  <a:srgbClr val="99CC00"/>
-                </a:solidFill>
-                <a:latin typeface="Courier" pitchFamily="2" charset="0"/>
-                <a:cs typeface="Arial" pitchFamily="-112" charset="0"/>
-              </a:rPr>
-              <a:t>survey$Exer</a:t>
-            </a:r>
-            <a:r>
-              <a:rPr lang="en-GB" b="0" dirty="0">
-                <a:solidFill>
-                  <a:srgbClr val="99CC00"/>
-                </a:solidFill>
-                <a:latin typeface="Courier" pitchFamily="2" charset="0"/>
-                <a:cs typeface="Arial" pitchFamily="-112" charset="0"/>
-              </a:rPr>
-              <a:t>) </a:t>
-            </a:r>
-            <a:br>
-              <a:rPr lang="en-GB" b="0" dirty="0">
-                <a:solidFill>
-                  <a:srgbClr val="99CC00"/>
-                </a:solidFill>
-                <a:latin typeface="Courier" pitchFamily="2" charset="0"/>
-                <a:cs typeface="Arial" pitchFamily="-112" charset="0"/>
-              </a:rPr>
-            </a:br>
-            <a:r>
-              <a:rPr lang="en-GB" b="0" dirty="0">
-                <a:solidFill>
-                  <a:srgbClr val="99CC00"/>
-                </a:solidFill>
-                <a:latin typeface="Courier" pitchFamily="2" charset="0"/>
-                <a:cs typeface="Arial" pitchFamily="-112" charset="0"/>
-              </a:rPr>
-              <a:t>X-squared = 5.4885, </a:t>
-            </a:r>
-            <a:r>
-              <a:rPr lang="en-GB" b="0" dirty="0" err="1">
-                <a:solidFill>
-                  <a:srgbClr val="99CC00"/>
-                </a:solidFill>
-                <a:latin typeface="Courier" pitchFamily="2" charset="0"/>
-                <a:cs typeface="Arial" pitchFamily="-112" charset="0"/>
-              </a:rPr>
-              <a:t>df</a:t>
-            </a:r>
-            <a:r>
-              <a:rPr lang="en-GB" b="0" dirty="0">
-                <a:solidFill>
-                  <a:srgbClr val="99CC00"/>
-                </a:solidFill>
-                <a:latin typeface="Courier" pitchFamily="2" charset="0"/>
-                <a:cs typeface="Arial" pitchFamily="-112" charset="0"/>
-              </a:rPr>
-              <a:t> = 6, p-value = 0.4828 </a:t>
-            </a:r>
-          </a:p>
-          <a:p>
-            <a:endParaRPr lang="en-US" b="0" dirty="0">
-              <a:latin typeface="Courier" pitchFamily="2" charset="0"/>
-            </a:endParaRPr>
-          </a:p>
-          <a:p>
-            <a:endParaRPr lang="en-US" b="0" dirty="0">
-              <a:latin typeface="Courier" pitchFamily="2" charset="0"/>
-            </a:endParaRPr>
-          </a:p>
-        </p:txBody>
-      </p:sp>
-    </p:spTree>
-    <p:extLst>
-      <p:ext uri="{BB962C8B-B14F-4D97-AF65-F5344CB8AC3E}">
-        <p14:creationId xmlns:p14="http://schemas.microsoft.com/office/powerpoint/2010/main" val="873980409"/>
-      </p:ext>
-    </p:extLst>
-  </p:cSld>
-  <p:clrMapOvr>
-    <a:masterClrMapping/>
-  </p:clrMapOvr>
-</p:sld>
-</file>
-
 <file path=ppt/slides/slide25.xml><?xml version="1.0" encoding="utf-8"?>
 <p:sld xmlns:a="http://schemas.openxmlformats.org/drawingml/2006/main" xmlns:r="http://schemas.openxmlformats.org/officeDocument/2006/relationships" xmlns:p="http://schemas.openxmlformats.org/presentationml/2006/main">
   <p:cSld>
@@ -16992,6 +16932,650 @@
         <p:spPr>
           <a:xfrm>
             <a:off x="533400" y="838200"/>
+            <a:ext cx="8229600" cy="5632311"/>
+          </a:xfrm>
+          <a:prstGeom prst="rect">
+            <a:avLst/>
+          </a:prstGeom>
+        </p:spPr>
+        <p:txBody>
+          <a:bodyPr wrap="square">
+            <a:spAutoFit/>
+          </a:bodyPr>
+          <a:lstStyle/>
+          <a:p>
+            <a:r>
+              <a:rPr lang="en-US" b="0" dirty="0">
+                <a:latin typeface="Courier" pitchFamily="2" charset="0"/>
+              </a:rPr>
+              <a:t>&gt; library(MASS)       # load the MASS package </a:t>
+            </a:r>
+            <a:br>
+              <a:rPr lang="en-US" b="0" dirty="0">
+                <a:latin typeface="Courier" pitchFamily="2" charset="0"/>
+              </a:rPr>
+            </a:br>
+            <a:r>
+              <a:rPr lang="en-US" b="0" dirty="0">
+                <a:latin typeface="Courier" pitchFamily="2" charset="0"/>
+              </a:rPr>
+              <a:t>&gt; </a:t>
+            </a:r>
+            <a:r>
+              <a:rPr lang="en-US" b="0" dirty="0" err="1">
+                <a:latin typeface="Courier" pitchFamily="2" charset="0"/>
+              </a:rPr>
+              <a:t>tbl</a:t>
+            </a:r>
+            <a:r>
+              <a:rPr lang="en-US" b="0" dirty="0">
+                <a:latin typeface="Courier" pitchFamily="2" charset="0"/>
+              </a:rPr>
+              <a:t> = table(</a:t>
+            </a:r>
+            <a:r>
+              <a:rPr lang="en-US" b="0" dirty="0" err="1">
+                <a:latin typeface="Courier" pitchFamily="2" charset="0"/>
+              </a:rPr>
+              <a:t>survey$Smoke</a:t>
+            </a:r>
+            <a:r>
+              <a:rPr lang="en-US" b="0" dirty="0">
+                <a:latin typeface="Courier" pitchFamily="2" charset="0"/>
+              </a:rPr>
+              <a:t>, </a:t>
+            </a:r>
+            <a:r>
+              <a:rPr lang="en-US" b="0" dirty="0" err="1">
+                <a:latin typeface="Courier" pitchFamily="2" charset="0"/>
+              </a:rPr>
+              <a:t>survey$Exer</a:t>
+            </a:r>
+            <a:r>
+              <a:rPr lang="en-US" b="0" dirty="0">
+                <a:latin typeface="Courier" pitchFamily="2" charset="0"/>
+              </a:rPr>
+              <a:t>) </a:t>
+            </a:r>
+          </a:p>
+          <a:p>
+            <a:r>
+              <a:rPr lang="en-GB" b="0" dirty="0">
+                <a:latin typeface="Courier" pitchFamily="2" charset="0"/>
+                <a:cs typeface="Arial" pitchFamily="-112" charset="0"/>
+              </a:rPr>
+              <a:t>&gt; </a:t>
+            </a:r>
+            <a:r>
+              <a:rPr lang="en-GB" b="0" dirty="0" err="1">
+                <a:latin typeface="Courier" pitchFamily="2" charset="0"/>
+                <a:cs typeface="Arial" pitchFamily="-112" charset="0"/>
+              </a:rPr>
+              <a:t>tbl</a:t>
+            </a:r>
+            <a:r>
+              <a:rPr lang="en-GB" b="0" dirty="0">
+                <a:latin typeface="Courier" pitchFamily="2" charset="0"/>
+                <a:cs typeface="Arial" pitchFamily="-112" charset="0"/>
+              </a:rPr>
+              <a:t>                 # the contingency table </a:t>
+            </a:r>
+            <a:br>
+              <a:rPr lang="en-GB" b="0" dirty="0">
+                <a:latin typeface="Courier" pitchFamily="2" charset="0"/>
+                <a:cs typeface="Arial" pitchFamily="-112" charset="0"/>
+              </a:rPr>
+            </a:br>
+            <a:r>
+              <a:rPr lang="en-GB" b="0" dirty="0">
+                <a:latin typeface="Courier" pitchFamily="2" charset="0"/>
+                <a:cs typeface="Arial" pitchFamily="-112" charset="0"/>
+              </a:rPr>
+              <a:t> </a:t>
+            </a:r>
+            <a:br>
+              <a:rPr lang="en-GB" b="0" dirty="0">
+                <a:latin typeface="Courier" pitchFamily="2" charset="0"/>
+                <a:cs typeface="Arial" pitchFamily="-112" charset="0"/>
+              </a:rPr>
+            </a:br>
+            <a:r>
+              <a:rPr lang="en-GB" b="0" dirty="0">
+                <a:solidFill>
+                  <a:srgbClr val="99CC00"/>
+                </a:solidFill>
+                <a:latin typeface="Courier" pitchFamily="2" charset="0"/>
+                <a:cs typeface="Arial" pitchFamily="-112" charset="0"/>
+              </a:rPr>
+              <a:t>        Freq None Some </a:t>
+            </a:r>
+            <a:br>
+              <a:rPr lang="en-GB" b="0" dirty="0">
+                <a:solidFill>
+                  <a:srgbClr val="99CC00"/>
+                </a:solidFill>
+                <a:latin typeface="Courier" pitchFamily="2" charset="0"/>
+                <a:cs typeface="Arial" pitchFamily="-112" charset="0"/>
+              </a:rPr>
+            </a:br>
+            <a:r>
+              <a:rPr lang="en-GB" b="0" dirty="0">
+                <a:solidFill>
+                  <a:srgbClr val="99CC00"/>
+                </a:solidFill>
+                <a:latin typeface="Courier" pitchFamily="2" charset="0"/>
+                <a:cs typeface="Arial" pitchFamily="-112" charset="0"/>
+              </a:rPr>
+              <a:t>  Heavy    7    1    3 </a:t>
+            </a:r>
+            <a:br>
+              <a:rPr lang="en-GB" b="0" dirty="0">
+                <a:solidFill>
+                  <a:srgbClr val="99CC00"/>
+                </a:solidFill>
+                <a:latin typeface="Courier" pitchFamily="2" charset="0"/>
+                <a:cs typeface="Arial" pitchFamily="-112" charset="0"/>
+              </a:rPr>
+            </a:br>
+            <a:r>
+              <a:rPr lang="en-GB" b="0" dirty="0">
+                <a:solidFill>
+                  <a:srgbClr val="99CC00"/>
+                </a:solidFill>
+                <a:latin typeface="Courier" pitchFamily="2" charset="0"/>
+                <a:cs typeface="Arial" pitchFamily="-112" charset="0"/>
+              </a:rPr>
+              <a:t>  Never   87   18   84 </a:t>
+            </a:r>
+            <a:br>
+              <a:rPr lang="en-GB" b="0" dirty="0">
+                <a:solidFill>
+                  <a:srgbClr val="99CC00"/>
+                </a:solidFill>
+                <a:latin typeface="Courier" pitchFamily="2" charset="0"/>
+                <a:cs typeface="Arial" pitchFamily="-112" charset="0"/>
+              </a:rPr>
+            </a:br>
+            <a:r>
+              <a:rPr lang="en-GB" b="0" dirty="0">
+                <a:solidFill>
+                  <a:srgbClr val="99CC00"/>
+                </a:solidFill>
+                <a:latin typeface="Courier" pitchFamily="2" charset="0"/>
+                <a:cs typeface="Arial" pitchFamily="-112" charset="0"/>
+              </a:rPr>
+              <a:t>  </a:t>
+            </a:r>
+            <a:r>
+              <a:rPr lang="en-GB" b="0" dirty="0" err="1">
+                <a:solidFill>
+                  <a:srgbClr val="99CC00"/>
+                </a:solidFill>
+                <a:latin typeface="Courier" pitchFamily="2" charset="0"/>
+                <a:cs typeface="Arial" pitchFamily="-112" charset="0"/>
+              </a:rPr>
+              <a:t>Occas</a:t>
+            </a:r>
+            <a:r>
+              <a:rPr lang="en-GB" b="0" dirty="0">
+                <a:solidFill>
+                  <a:srgbClr val="99CC00"/>
+                </a:solidFill>
+                <a:latin typeface="Courier" pitchFamily="2" charset="0"/>
+                <a:cs typeface="Arial" pitchFamily="-112" charset="0"/>
+              </a:rPr>
+              <a:t>   12    3    4 </a:t>
+            </a:r>
+            <a:br>
+              <a:rPr lang="en-GB" b="0" dirty="0">
+                <a:solidFill>
+                  <a:srgbClr val="99CC00"/>
+                </a:solidFill>
+                <a:latin typeface="Courier" pitchFamily="2" charset="0"/>
+                <a:cs typeface="Arial" pitchFamily="-112" charset="0"/>
+              </a:rPr>
+            </a:br>
+            <a:r>
+              <a:rPr lang="en-GB" b="0" dirty="0">
+                <a:solidFill>
+                  <a:srgbClr val="99CC00"/>
+                </a:solidFill>
+                <a:latin typeface="Courier" pitchFamily="2" charset="0"/>
+                <a:cs typeface="Arial" pitchFamily="-112" charset="0"/>
+              </a:rPr>
+              <a:t>  </a:t>
+            </a:r>
+            <a:r>
+              <a:rPr lang="en-GB" b="0" dirty="0" err="1">
+                <a:solidFill>
+                  <a:srgbClr val="99CC00"/>
+                </a:solidFill>
+                <a:latin typeface="Courier" pitchFamily="2" charset="0"/>
+                <a:cs typeface="Arial" pitchFamily="-112" charset="0"/>
+              </a:rPr>
+              <a:t>Regul</a:t>
+            </a:r>
+            <a:r>
+              <a:rPr lang="en-GB" b="0" dirty="0">
+                <a:solidFill>
+                  <a:srgbClr val="99CC00"/>
+                </a:solidFill>
+                <a:latin typeface="Courier" pitchFamily="2" charset="0"/>
+                <a:cs typeface="Arial" pitchFamily="-112" charset="0"/>
+              </a:rPr>
+              <a:t>    9    1    7</a:t>
+            </a:r>
+          </a:p>
+          <a:p>
+            <a:endParaRPr lang="en-GB" b="0" dirty="0">
+              <a:latin typeface="Courier" pitchFamily="2" charset="0"/>
+              <a:cs typeface="Arial" pitchFamily="-112" charset="0"/>
+            </a:endParaRPr>
+          </a:p>
+          <a:p>
+            <a:r>
+              <a:rPr lang="en-GB" b="0" dirty="0">
+                <a:latin typeface="Courier" pitchFamily="2" charset="0"/>
+                <a:cs typeface="Arial" pitchFamily="-112" charset="0"/>
+              </a:rPr>
+              <a:t>&gt;</a:t>
+            </a:r>
+            <a:r>
+              <a:rPr lang="en-GB" b="0" dirty="0" err="1">
+                <a:latin typeface="Courier" pitchFamily="2" charset="0"/>
+                <a:cs typeface="Arial" pitchFamily="-112" charset="0"/>
+              </a:rPr>
+              <a:t>chisq.test</a:t>
+            </a:r>
+            <a:r>
+              <a:rPr lang="en-GB" b="0" dirty="0">
+                <a:latin typeface="Courier" pitchFamily="2" charset="0"/>
+                <a:cs typeface="Arial" pitchFamily="-112" charset="0"/>
+              </a:rPr>
+              <a:t>(</a:t>
+            </a:r>
+            <a:r>
+              <a:rPr lang="en-GB" b="0" dirty="0" err="1">
+                <a:latin typeface="Courier" pitchFamily="2" charset="0"/>
+                <a:cs typeface="Arial" pitchFamily="-112" charset="0"/>
+              </a:rPr>
+              <a:t>tbl</a:t>
+            </a:r>
+            <a:r>
+              <a:rPr lang="en-GB" b="0" dirty="0">
+                <a:latin typeface="Courier" pitchFamily="2" charset="0"/>
+                <a:cs typeface="Arial" pitchFamily="-112" charset="0"/>
+              </a:rPr>
+              <a:t>) # or </a:t>
+            </a:r>
+            <a:r>
+              <a:rPr lang="en-GB" b="0" dirty="0" err="1">
+                <a:latin typeface="Courier" pitchFamily="2" charset="0"/>
+                <a:cs typeface="Arial" pitchFamily="-112" charset="0"/>
+              </a:rPr>
+              <a:t>fisher.test</a:t>
+            </a:r>
+            <a:r>
+              <a:rPr lang="en-GB" b="0" dirty="0">
+                <a:latin typeface="Courier" pitchFamily="2" charset="0"/>
+                <a:cs typeface="Arial" pitchFamily="-112" charset="0"/>
+              </a:rPr>
+              <a:t>(</a:t>
+            </a:r>
+            <a:r>
+              <a:rPr lang="en-GB" b="0" dirty="0" err="1">
+                <a:latin typeface="Courier" pitchFamily="2" charset="0"/>
+                <a:cs typeface="Arial" pitchFamily="-112" charset="0"/>
+              </a:rPr>
+              <a:t>tbl</a:t>
+            </a:r>
+            <a:r>
+              <a:rPr lang="en-GB" b="0" dirty="0">
+                <a:latin typeface="Courier" pitchFamily="2" charset="0"/>
+                <a:cs typeface="Arial" pitchFamily="-112" charset="0"/>
+              </a:rPr>
+              <a:t>) if Counts &gt;= 5 in &lt; 75% cells</a:t>
+            </a:r>
+          </a:p>
+          <a:p>
+            <a:br>
+              <a:rPr lang="en-GB" b="0" dirty="0">
+                <a:latin typeface="Courier" pitchFamily="2" charset="0"/>
+                <a:cs typeface="Arial" pitchFamily="-112" charset="0"/>
+              </a:rPr>
+            </a:br>
+            <a:r>
+              <a:rPr lang="en-GB" b="0" dirty="0">
+                <a:latin typeface="Courier" pitchFamily="2" charset="0"/>
+                <a:cs typeface="Arial" pitchFamily="-112" charset="0"/>
+              </a:rPr>
+              <a:t> </a:t>
+            </a:r>
+            <a:br>
+              <a:rPr lang="en-GB" b="0" dirty="0">
+                <a:solidFill>
+                  <a:srgbClr val="99CC00"/>
+                </a:solidFill>
+                <a:latin typeface="Courier" pitchFamily="2" charset="0"/>
+                <a:cs typeface="Arial" pitchFamily="-112" charset="0"/>
+              </a:rPr>
+            </a:br>
+            <a:r>
+              <a:rPr lang="en-GB" b="0" dirty="0">
+                <a:solidFill>
+                  <a:srgbClr val="99CC00"/>
+                </a:solidFill>
+                <a:latin typeface="Courier" pitchFamily="2" charset="0"/>
+                <a:cs typeface="Arial" pitchFamily="-112" charset="0"/>
+              </a:rPr>
+              <a:t>        Pearson’s Chi-squared test </a:t>
+            </a:r>
+            <a:br>
+              <a:rPr lang="en-GB" b="0" dirty="0">
+                <a:solidFill>
+                  <a:srgbClr val="99CC00"/>
+                </a:solidFill>
+                <a:latin typeface="Courier" pitchFamily="2" charset="0"/>
+                <a:cs typeface="Arial" pitchFamily="-112" charset="0"/>
+              </a:rPr>
+            </a:br>
+            <a:r>
+              <a:rPr lang="en-GB" b="0" dirty="0">
+                <a:solidFill>
+                  <a:srgbClr val="99CC00"/>
+                </a:solidFill>
+                <a:latin typeface="Courier" pitchFamily="2" charset="0"/>
+                <a:cs typeface="Arial" pitchFamily="-112" charset="0"/>
+              </a:rPr>
+              <a:t> </a:t>
+            </a:r>
+            <a:br>
+              <a:rPr lang="en-GB" b="0" dirty="0">
+                <a:solidFill>
+                  <a:srgbClr val="99CC00"/>
+                </a:solidFill>
+                <a:latin typeface="Courier" pitchFamily="2" charset="0"/>
+                <a:cs typeface="Arial" pitchFamily="-112" charset="0"/>
+              </a:rPr>
+            </a:br>
+            <a:r>
+              <a:rPr lang="en-GB" b="0" dirty="0">
+                <a:solidFill>
+                  <a:srgbClr val="99CC00"/>
+                </a:solidFill>
+                <a:latin typeface="Courier" pitchFamily="2" charset="0"/>
+                <a:cs typeface="Arial" pitchFamily="-112" charset="0"/>
+              </a:rPr>
+              <a:t>data:  table(</a:t>
+            </a:r>
+            <a:r>
+              <a:rPr lang="en-GB" b="0" dirty="0" err="1">
+                <a:solidFill>
+                  <a:srgbClr val="99CC00"/>
+                </a:solidFill>
+                <a:latin typeface="Courier" pitchFamily="2" charset="0"/>
+                <a:cs typeface="Arial" pitchFamily="-112" charset="0"/>
+              </a:rPr>
+              <a:t>survey$Smoke</a:t>
+            </a:r>
+            <a:r>
+              <a:rPr lang="en-GB" b="0" dirty="0">
+                <a:solidFill>
+                  <a:srgbClr val="99CC00"/>
+                </a:solidFill>
+                <a:latin typeface="Courier" pitchFamily="2" charset="0"/>
+                <a:cs typeface="Arial" pitchFamily="-112" charset="0"/>
+              </a:rPr>
+              <a:t>, </a:t>
+            </a:r>
+            <a:r>
+              <a:rPr lang="en-GB" b="0" dirty="0" err="1">
+                <a:solidFill>
+                  <a:srgbClr val="99CC00"/>
+                </a:solidFill>
+                <a:latin typeface="Courier" pitchFamily="2" charset="0"/>
+                <a:cs typeface="Arial" pitchFamily="-112" charset="0"/>
+              </a:rPr>
+              <a:t>survey$Exer</a:t>
+            </a:r>
+            <a:r>
+              <a:rPr lang="en-GB" b="0" dirty="0">
+                <a:solidFill>
+                  <a:srgbClr val="99CC00"/>
+                </a:solidFill>
+                <a:latin typeface="Courier" pitchFamily="2" charset="0"/>
+                <a:cs typeface="Arial" pitchFamily="-112" charset="0"/>
+              </a:rPr>
+              <a:t>) </a:t>
+            </a:r>
+            <a:br>
+              <a:rPr lang="en-GB" b="0" dirty="0">
+                <a:solidFill>
+                  <a:srgbClr val="99CC00"/>
+                </a:solidFill>
+                <a:latin typeface="Courier" pitchFamily="2" charset="0"/>
+                <a:cs typeface="Arial" pitchFamily="-112" charset="0"/>
+              </a:rPr>
+            </a:br>
+            <a:r>
+              <a:rPr lang="en-GB" b="0" dirty="0">
+                <a:solidFill>
+                  <a:srgbClr val="99CC00"/>
+                </a:solidFill>
+                <a:latin typeface="Courier" pitchFamily="2" charset="0"/>
+                <a:cs typeface="Arial" pitchFamily="-112" charset="0"/>
+              </a:rPr>
+              <a:t>X-squared = 5.4885, </a:t>
+            </a:r>
+            <a:r>
+              <a:rPr lang="en-GB" b="0" dirty="0" err="1">
+                <a:solidFill>
+                  <a:srgbClr val="99CC00"/>
+                </a:solidFill>
+                <a:latin typeface="Courier" pitchFamily="2" charset="0"/>
+                <a:cs typeface="Arial" pitchFamily="-112" charset="0"/>
+              </a:rPr>
+              <a:t>df</a:t>
+            </a:r>
+            <a:r>
+              <a:rPr lang="en-GB" b="0" dirty="0">
+                <a:solidFill>
+                  <a:srgbClr val="99CC00"/>
+                </a:solidFill>
+                <a:latin typeface="Courier" pitchFamily="2" charset="0"/>
+                <a:cs typeface="Arial" pitchFamily="-112" charset="0"/>
+              </a:rPr>
+              <a:t> = 6, p-value = 0.4828 </a:t>
+            </a:r>
+          </a:p>
+          <a:p>
+            <a:endParaRPr lang="en-US" b="0" dirty="0">
+              <a:latin typeface="Courier" pitchFamily="2" charset="0"/>
+            </a:endParaRPr>
+          </a:p>
+          <a:p>
+            <a:endParaRPr lang="en-US" b="0" dirty="0">
+              <a:latin typeface="Courier" pitchFamily="2" charset="0"/>
+            </a:endParaRPr>
+          </a:p>
+        </p:txBody>
+      </p:sp>
+    </p:spTree>
+    <p:extLst>
+      <p:ext uri="{BB962C8B-B14F-4D97-AF65-F5344CB8AC3E}">
+        <p14:creationId xmlns:p14="http://schemas.microsoft.com/office/powerpoint/2010/main" val="873980409"/>
+      </p:ext>
+    </p:extLst>
+  </p:cSld>
+  <p:clrMapOvr>
+    <a:masterClrMapping/>
+  </p:clrMapOvr>
+</p:sld>
+</file>
+
+<file path=ppt/slides/slide26.xml><?xml version="1.0" encoding="utf-8"?>
+<p:sld xmlns:a="http://schemas.openxmlformats.org/drawingml/2006/main" xmlns:r="http://schemas.openxmlformats.org/officeDocument/2006/relationships" xmlns:p="http://schemas.openxmlformats.org/presentationml/2006/main">
+  <p:cSld>
+    <p:spTree>
+      <p:nvGrpSpPr>
+        <p:cNvPr id="1" name=""/>
+        <p:cNvGrpSpPr/>
+        <p:nvPr/>
+      </p:nvGrpSpPr>
+      <p:grpSpPr>
+        <a:xfrm>
+          <a:off x="0" y="0"/>
+          <a:ext cx="0" cy="0"/>
+          <a:chOff x="0" y="0"/>
+          <a:chExt cx="0" cy="0"/>
+        </a:xfrm>
+      </p:grpSpPr>
+      <p:grpSp>
+        <p:nvGrpSpPr>
+          <p:cNvPr id="4" name="Group 3">
+            <a:extLst>
+              <a:ext uri="{FF2B5EF4-FFF2-40B4-BE49-F238E27FC236}">
+                <a16:creationId xmlns:a16="http://schemas.microsoft.com/office/drawing/2014/main" id="{93D1E6CD-1347-864B-A10B-DA81CFDA63E1}"/>
+              </a:ext>
+            </a:extLst>
+          </p:cNvPr>
+          <p:cNvGrpSpPr/>
+          <p:nvPr/>
+        </p:nvGrpSpPr>
+        <p:grpSpPr>
+          <a:xfrm>
+            <a:off x="7772400" y="-258128"/>
+            <a:ext cx="1371600" cy="1630760"/>
+            <a:chOff x="7772400" y="-258128"/>
+            <a:chExt cx="1371600" cy="1630760"/>
+          </a:xfrm>
+        </p:grpSpPr>
+        <p:sp>
+          <p:nvSpPr>
+            <p:cNvPr id="5" name="Right Triangle 4">
+              <a:extLst>
+                <a:ext uri="{FF2B5EF4-FFF2-40B4-BE49-F238E27FC236}">
+                  <a16:creationId xmlns:a16="http://schemas.microsoft.com/office/drawing/2014/main" id="{A2BED168-524C-E74D-AF4C-0F5BAB8DEA96}"/>
+                </a:ext>
+              </a:extLst>
+            </p:cNvPr>
+            <p:cNvSpPr/>
+            <p:nvPr/>
+          </p:nvSpPr>
+          <p:spPr bwMode="auto">
+            <a:xfrm rot="10800000">
+              <a:off x="7772400" y="1032"/>
+              <a:ext cx="1371600" cy="1371600"/>
+            </a:xfrm>
+            <a:prstGeom prst="rtTriangle">
+              <a:avLst/>
+            </a:prstGeom>
+            <a:solidFill>
+              <a:srgbClr val="99CC00"/>
+            </a:solidFill>
+            <a:ln w="9525" cap="flat" cmpd="sng" algn="ctr">
+              <a:noFill/>
+              <a:prstDash val="solid"/>
+              <a:round/>
+              <a:headEnd type="none" w="med" len="med"/>
+              <a:tailEnd type="none" w="med" len="med"/>
+            </a:ln>
+            <a:effectLst/>
+          </p:spPr>
+          <p:txBody>
+            <a:bodyPr vert="horz" wrap="square" lIns="91440" tIns="45720" rIns="91440" bIns="45720" numCol="1" rtlCol="0" anchor="t" anchorCtr="0" compatLnSpc="1">
+              <a:prstTxWarp prst="textNoShape">
+                <a:avLst/>
+              </a:prstTxWarp>
+            </a:bodyPr>
+            <a:lstStyle/>
+            <a:p>
+              <a:pPr marL="0" marR="0" indent="0" algn="l" defTabSz="914400" rtl="0" eaLnBrk="1" fontAlgn="base" latinLnBrk="0" hangingPunct="1">
+                <a:lnSpc>
+                  <a:spcPct val="100000"/>
+                </a:lnSpc>
+                <a:spcBef>
+                  <a:spcPct val="0"/>
+                </a:spcBef>
+                <a:spcAft>
+                  <a:spcPct val="0"/>
+                </a:spcAft>
+                <a:buClrTx/>
+                <a:buSzTx/>
+                <a:buFontTx/>
+                <a:buNone/>
+                <a:tabLst/>
+              </a:pPr>
+              <a:endParaRPr kumimoji="0" lang="en-US" sz="1800" b="1" i="0" u="none" strike="noStrike" cap="none" normalizeH="0" baseline="0">
+                <a:ln>
+                  <a:noFill/>
+                </a:ln>
+                <a:solidFill>
+                  <a:schemeClr val="tx1"/>
+                </a:solidFill>
+                <a:effectLst/>
+                <a:latin typeface="Arial" pitchFamily="-112" charset="0"/>
+                <a:ea typeface="Arial" pitchFamily="-112" charset="0"/>
+                <a:cs typeface="Arial" pitchFamily="-112" charset="0"/>
+              </a:endParaRPr>
+            </a:p>
+          </p:txBody>
+        </p:sp>
+        <p:sp>
+          <p:nvSpPr>
+            <p:cNvPr id="6" name="TextBox 5">
+              <a:extLst>
+                <a:ext uri="{FF2B5EF4-FFF2-40B4-BE49-F238E27FC236}">
+                  <a16:creationId xmlns:a16="http://schemas.microsoft.com/office/drawing/2014/main" id="{C2556D37-0A57-0044-9ABA-69B7B607F15E}"/>
+                </a:ext>
+              </a:extLst>
+            </p:cNvPr>
+            <p:cNvSpPr txBox="1"/>
+            <p:nvPr/>
+          </p:nvSpPr>
+          <p:spPr>
+            <a:xfrm>
+              <a:off x="8229600" y="-258128"/>
+              <a:ext cx="685800" cy="1477328"/>
+            </a:xfrm>
+            <a:prstGeom prst="rect">
+              <a:avLst/>
+            </a:prstGeom>
+            <a:noFill/>
+          </p:spPr>
+          <p:txBody>
+            <a:bodyPr wrap="square" rtlCol="0">
+              <a:spAutoFit/>
+            </a:bodyPr>
+            <a:lstStyle/>
+            <a:p>
+              <a:r>
+                <a:rPr lang="en-US" sz="9000" dirty="0">
+                  <a:solidFill>
+                    <a:schemeClr val="bg1"/>
+                  </a:solidFill>
+                </a:rPr>
+                <a:t>R</a:t>
+              </a:r>
+            </a:p>
+          </p:txBody>
+        </p:sp>
+      </p:grpSp>
+      <p:sp>
+        <p:nvSpPr>
+          <p:cNvPr id="8" name="Rectangle 7">
+            <a:extLst>
+              <a:ext uri="{FF2B5EF4-FFF2-40B4-BE49-F238E27FC236}">
+                <a16:creationId xmlns:a16="http://schemas.microsoft.com/office/drawing/2014/main" id="{B93B1DD6-33BF-0948-AAB0-1CDDA1840480}"/>
+              </a:ext>
+            </a:extLst>
+          </p:cNvPr>
+          <p:cNvSpPr/>
+          <p:nvPr/>
+        </p:nvSpPr>
+        <p:spPr>
+          <a:xfrm>
+            <a:off x="533400" y="838200"/>
             <a:ext cx="8229600" cy="5355312"/>
           </a:xfrm>
           <a:prstGeom prst="rect">
@@ -17176,7 +17760,7 @@
 </p:sld>
 </file>
 
-<file path=ppt/slides/slide26.xml><?xml version="1.0" encoding="utf-8"?>
+<file path=ppt/slides/slide27.xml><?xml version="1.0" encoding="utf-8"?>
 <p:sld xmlns:a="http://schemas.openxmlformats.org/drawingml/2006/main" xmlns:r="http://schemas.openxmlformats.org/officeDocument/2006/relationships" xmlns:p="http://schemas.openxmlformats.org/presentationml/2006/main">
   <p:cSld>
     <p:spTree>
@@ -17394,7 +17978,7 @@
 </p:sld>
 </file>
 
-<file path=ppt/slides/slide27.xml><?xml version="1.0" encoding="utf-8"?>
+<file path=ppt/slides/slide28.xml><?xml version="1.0" encoding="utf-8"?>
 <p:sld xmlns:a="http://schemas.openxmlformats.org/drawingml/2006/main" xmlns:r="http://schemas.openxmlformats.org/officeDocument/2006/relationships" xmlns:p="http://schemas.openxmlformats.org/presentationml/2006/main">
   <p:cSld>
     <p:spTree>
@@ -17478,7 +18062,7 @@
 </p:sld>
 </file>
 
-<file path=ppt/slides/slide28.xml><?xml version="1.0" encoding="utf-8"?>
+<file path=ppt/slides/slide29.xml><?xml version="1.0" encoding="utf-8"?>
 <p:sld xmlns:a="http://schemas.openxmlformats.org/drawingml/2006/main" xmlns:r="http://schemas.openxmlformats.org/officeDocument/2006/relationships" xmlns:p="http://schemas.openxmlformats.org/presentationml/2006/main">
   <p:cSld>
     <p:spTree>
@@ -17683,7 +18267,185 @@
 </p:sld>
 </file>
 
-<file path=ppt/slides/slide29.xml><?xml version="1.0" encoding="utf-8"?>
+<file path=ppt/slides/slide3.xml><?xml version="1.0" encoding="utf-8"?>
+<p:sld xmlns:a="http://schemas.openxmlformats.org/drawingml/2006/main" xmlns:r="http://schemas.openxmlformats.org/officeDocument/2006/relationships" xmlns:p="http://schemas.openxmlformats.org/presentationml/2006/main">
+  <p:cSld>
+    <p:spTree>
+      <p:nvGrpSpPr>
+        <p:cNvPr id="1" name=""/>
+        <p:cNvGrpSpPr/>
+        <p:nvPr/>
+      </p:nvGrpSpPr>
+      <p:grpSpPr>
+        <a:xfrm>
+          <a:off x="0" y="0"/>
+          <a:ext cx="0" cy="0"/>
+          <a:chOff x="0" y="0"/>
+          <a:chExt cx="0" cy="0"/>
+        </a:xfrm>
+      </p:grpSpPr>
+      <p:sp>
+        <p:nvSpPr>
+          <p:cNvPr id="6" name="Text Placeholder 3"/>
+          <p:cNvSpPr txBox="1">
+            <a:spLocks/>
+          </p:cNvSpPr>
+          <p:nvPr/>
+        </p:nvSpPr>
+        <p:spPr bwMode="auto">
+          <a:xfrm>
+            <a:off x="609600" y="1938866"/>
+            <a:ext cx="8305800" cy="4140201"/>
+          </a:xfrm>
+          <a:prstGeom prst="rect">
+            <a:avLst/>
+          </a:prstGeom>
+          <a:noFill/>
+          <a:ln w="9525">
+            <a:noFill/>
+            <a:miter lim="800000"/>
+            <a:headEnd/>
+            <a:tailEnd/>
+          </a:ln>
+        </p:spPr>
+        <p:txBody>
+          <a:bodyPr/>
+          <a:lstStyle/>
+          <a:p>
+            <a:pPr lvl="0">
+              <a:spcBef>
+                <a:spcPct val="20000"/>
+              </a:spcBef>
+              <a:defRPr/>
+            </a:pPr>
+            <a:r>
+              <a:rPr lang="en-GB" sz="2400" b="0" dirty="0">
+                <a:solidFill>
+                  <a:srgbClr val="222222"/>
+                </a:solidFill>
+                <a:latin typeface="arial" panose="020B0604020202020204" pitchFamily="34" charset="0"/>
+              </a:rPr>
+              <a:t>until now, we did statistical test using means or medians but the assumptions for means have eliminated certain types of variables (e.g. gender)</a:t>
+            </a:r>
+          </a:p>
+          <a:p>
+            <a:pPr lvl="0">
+              <a:spcBef>
+                <a:spcPct val="20000"/>
+              </a:spcBef>
+              <a:defRPr/>
+            </a:pPr>
+            <a:endParaRPr lang="en-GB" sz="2400" b="0" dirty="0">
+              <a:solidFill>
+                <a:srgbClr val="222222"/>
+              </a:solidFill>
+              <a:latin typeface="arial" panose="020B0604020202020204" pitchFamily="34" charset="0"/>
+            </a:endParaRPr>
+          </a:p>
+          <a:p>
+            <a:pPr lvl="0">
+              <a:spcBef>
+                <a:spcPct val="20000"/>
+              </a:spcBef>
+              <a:defRPr/>
+            </a:pPr>
+            <a:r>
+              <a:rPr lang="en-GB" sz="2400" dirty="0">
+                <a:solidFill>
+                  <a:srgbClr val="FF9900"/>
+                </a:solidFill>
+                <a:latin typeface="arial" panose="020B0604020202020204" pitchFamily="34" charset="0"/>
+              </a:rPr>
+              <a:t>mean not appropriate measure </a:t>
+            </a:r>
+            <a:r>
+              <a:rPr lang="en-GB" sz="2400" b="0" dirty="0">
+                <a:solidFill>
+                  <a:srgbClr val="222222"/>
+                </a:solidFill>
+                <a:latin typeface="arial" panose="020B0604020202020204" pitchFamily="34" charset="0"/>
+              </a:rPr>
+              <a:t>of central tendency for nominal (categorical type) data</a:t>
+            </a:r>
+          </a:p>
+          <a:p>
+            <a:pPr lvl="0">
+              <a:spcBef>
+                <a:spcPct val="20000"/>
+              </a:spcBef>
+              <a:defRPr/>
+            </a:pPr>
+            <a:endParaRPr lang="en-GB" sz="2400" b="0" kern="0" dirty="0">
+              <a:solidFill>
+                <a:srgbClr val="222222"/>
+              </a:solidFill>
+              <a:latin typeface="arial" panose="020B0604020202020204" pitchFamily="34" charset="0"/>
+              <a:ea typeface="Arial"/>
+              <a:cs typeface="Arial"/>
+            </a:endParaRPr>
+          </a:p>
+          <a:p>
+            <a:pPr lvl="0" algn="r">
+              <a:spcBef>
+                <a:spcPct val="20000"/>
+              </a:spcBef>
+              <a:defRPr/>
+            </a:pPr>
+            <a:r>
+              <a:rPr lang="en-GB" sz="2400" kern="0" dirty="0">
+                <a:solidFill>
+                  <a:srgbClr val="99CC00"/>
+                </a:solidFill>
+                <a:latin typeface="arial" panose="020B0604020202020204" pitchFamily="34" charset="0"/>
+                <a:ea typeface="Arial"/>
+                <a:cs typeface="Arial"/>
+              </a:rPr>
+              <a:t>Chi-square </a:t>
+            </a:r>
+            <a:r>
+              <a:rPr lang="en-GB" sz="2400" b="0" kern="0" dirty="0">
+                <a:solidFill>
+                  <a:srgbClr val="222222"/>
+                </a:solidFill>
+                <a:latin typeface="arial" panose="020B0604020202020204" pitchFamily="34" charset="0"/>
+                <a:ea typeface="Arial"/>
+                <a:cs typeface="Arial"/>
+              </a:rPr>
+              <a:t>can do do!</a:t>
+            </a:r>
+          </a:p>
+          <a:p>
+            <a:pPr lvl="0">
+              <a:spcBef>
+                <a:spcPct val="20000"/>
+              </a:spcBef>
+              <a:defRPr/>
+            </a:pPr>
+            <a:endParaRPr lang="en-GB" sz="2400" kern="0" dirty="0">
+              <a:solidFill>
+                <a:srgbClr val="99CC00"/>
+              </a:solidFill>
+              <a:latin typeface="Arial"/>
+              <a:ea typeface="Arial"/>
+              <a:cs typeface="Arial"/>
+            </a:endParaRPr>
+          </a:p>
+        </p:txBody>
+      </p:sp>
+    </p:spTree>
+    <p:extLst>
+      <p:ext uri="{BB962C8B-B14F-4D97-AF65-F5344CB8AC3E}">
+        <p14:creationId xmlns:p14="http://schemas.microsoft.com/office/powerpoint/2010/main" val="3650380179"/>
+      </p:ext>
+    </p:extLst>
+  </p:cSld>
+  <p:clrMapOvr>
+    <a:masterClrMapping/>
+  </p:clrMapOvr>
+</p:sld>
+</file>
+
+<file path=ppt/slides/slide30.xml><?xml version="1.0" encoding="utf-8"?>
 <p:sld xmlns:a="http://schemas.openxmlformats.org/drawingml/2006/main" xmlns:r="http://schemas.openxmlformats.org/officeDocument/2006/relationships" xmlns:p="http://schemas.openxmlformats.org/presentationml/2006/main">
   <p:cSld>
     <p:spTree>
@@ -17997,185 +18759,7 @@
 </p:sld>
 </file>
 
-<file path=ppt/slides/slide3.xml><?xml version="1.0" encoding="utf-8"?>
-<p:sld xmlns:a="http://schemas.openxmlformats.org/drawingml/2006/main" xmlns:r="http://schemas.openxmlformats.org/officeDocument/2006/relationships" xmlns:p="http://schemas.openxmlformats.org/presentationml/2006/main">
-  <p:cSld>
-    <p:spTree>
-      <p:nvGrpSpPr>
-        <p:cNvPr id="1" name=""/>
-        <p:cNvGrpSpPr/>
-        <p:nvPr/>
-      </p:nvGrpSpPr>
-      <p:grpSpPr>
-        <a:xfrm>
-          <a:off x="0" y="0"/>
-          <a:ext cx="0" cy="0"/>
-          <a:chOff x="0" y="0"/>
-          <a:chExt cx="0" cy="0"/>
-        </a:xfrm>
-      </p:grpSpPr>
-      <p:sp>
-        <p:nvSpPr>
-          <p:cNvPr id="6" name="Text Placeholder 3"/>
-          <p:cNvSpPr txBox="1">
-            <a:spLocks/>
-          </p:cNvSpPr>
-          <p:nvPr/>
-        </p:nvSpPr>
-        <p:spPr bwMode="auto">
-          <a:xfrm>
-            <a:off x="609600" y="1938866"/>
-            <a:ext cx="8305800" cy="4140201"/>
-          </a:xfrm>
-          <a:prstGeom prst="rect">
-            <a:avLst/>
-          </a:prstGeom>
-          <a:noFill/>
-          <a:ln w="9525">
-            <a:noFill/>
-            <a:miter lim="800000"/>
-            <a:headEnd/>
-            <a:tailEnd/>
-          </a:ln>
-        </p:spPr>
-        <p:txBody>
-          <a:bodyPr/>
-          <a:lstStyle/>
-          <a:p>
-            <a:pPr lvl="0">
-              <a:spcBef>
-                <a:spcPct val="20000"/>
-              </a:spcBef>
-              <a:defRPr/>
-            </a:pPr>
-            <a:r>
-              <a:rPr lang="en-GB" sz="2400" b="0" dirty="0">
-                <a:solidFill>
-                  <a:srgbClr val="222222"/>
-                </a:solidFill>
-                <a:latin typeface="arial" panose="020B0604020202020204" pitchFamily="34" charset="0"/>
-              </a:rPr>
-              <a:t>until now, we did statistical test using means or medians but the assumptions for means have eliminated certain types of variables (e.g. gender)</a:t>
-            </a:r>
-          </a:p>
-          <a:p>
-            <a:pPr lvl="0">
-              <a:spcBef>
-                <a:spcPct val="20000"/>
-              </a:spcBef>
-              <a:defRPr/>
-            </a:pPr>
-            <a:endParaRPr lang="en-GB" sz="2400" b="0" dirty="0">
-              <a:solidFill>
-                <a:srgbClr val="222222"/>
-              </a:solidFill>
-              <a:latin typeface="arial" panose="020B0604020202020204" pitchFamily="34" charset="0"/>
-            </a:endParaRPr>
-          </a:p>
-          <a:p>
-            <a:pPr lvl="0">
-              <a:spcBef>
-                <a:spcPct val="20000"/>
-              </a:spcBef>
-              <a:defRPr/>
-            </a:pPr>
-            <a:r>
-              <a:rPr lang="en-GB" sz="2400" dirty="0">
-                <a:solidFill>
-                  <a:srgbClr val="FF9900"/>
-                </a:solidFill>
-                <a:latin typeface="arial" panose="020B0604020202020204" pitchFamily="34" charset="0"/>
-              </a:rPr>
-              <a:t>mean not appropriate measure </a:t>
-            </a:r>
-            <a:r>
-              <a:rPr lang="en-GB" sz="2400" b="0" dirty="0">
-                <a:solidFill>
-                  <a:srgbClr val="222222"/>
-                </a:solidFill>
-                <a:latin typeface="arial" panose="020B0604020202020204" pitchFamily="34" charset="0"/>
-              </a:rPr>
-              <a:t>of central tendency for nominal (categorical type) data</a:t>
-            </a:r>
-          </a:p>
-          <a:p>
-            <a:pPr lvl="0">
-              <a:spcBef>
-                <a:spcPct val="20000"/>
-              </a:spcBef>
-              <a:defRPr/>
-            </a:pPr>
-            <a:endParaRPr lang="en-GB" sz="2400" b="0" kern="0" dirty="0">
-              <a:solidFill>
-                <a:srgbClr val="222222"/>
-              </a:solidFill>
-              <a:latin typeface="arial" panose="020B0604020202020204" pitchFamily="34" charset="0"/>
-              <a:ea typeface="Arial"/>
-              <a:cs typeface="Arial"/>
-            </a:endParaRPr>
-          </a:p>
-          <a:p>
-            <a:pPr lvl="0" algn="r">
-              <a:spcBef>
-                <a:spcPct val="20000"/>
-              </a:spcBef>
-              <a:defRPr/>
-            </a:pPr>
-            <a:r>
-              <a:rPr lang="en-GB" sz="2400" kern="0" dirty="0">
-                <a:solidFill>
-                  <a:srgbClr val="99CC00"/>
-                </a:solidFill>
-                <a:latin typeface="arial" panose="020B0604020202020204" pitchFamily="34" charset="0"/>
-                <a:ea typeface="Arial"/>
-                <a:cs typeface="Arial"/>
-              </a:rPr>
-              <a:t>Chi-square </a:t>
-            </a:r>
-            <a:r>
-              <a:rPr lang="en-GB" sz="2400" b="0" kern="0" dirty="0">
-                <a:solidFill>
-                  <a:srgbClr val="222222"/>
-                </a:solidFill>
-                <a:latin typeface="arial" panose="020B0604020202020204" pitchFamily="34" charset="0"/>
-                <a:ea typeface="Arial"/>
-                <a:cs typeface="Arial"/>
-              </a:rPr>
-              <a:t>can do do!</a:t>
-            </a:r>
-          </a:p>
-          <a:p>
-            <a:pPr lvl="0">
-              <a:spcBef>
-                <a:spcPct val="20000"/>
-              </a:spcBef>
-              <a:defRPr/>
-            </a:pPr>
-            <a:endParaRPr lang="en-GB" sz="2400" kern="0" dirty="0">
-              <a:solidFill>
-                <a:srgbClr val="99CC00"/>
-              </a:solidFill>
-              <a:latin typeface="Arial"/>
-              <a:ea typeface="Arial"/>
-              <a:cs typeface="Arial"/>
-            </a:endParaRPr>
-          </a:p>
-        </p:txBody>
-      </p:sp>
-    </p:spTree>
-    <p:extLst>
-      <p:ext uri="{BB962C8B-B14F-4D97-AF65-F5344CB8AC3E}">
-        <p14:creationId xmlns:p14="http://schemas.microsoft.com/office/powerpoint/2010/main" val="3650380179"/>
-      </p:ext>
-    </p:extLst>
-  </p:cSld>
-  <p:clrMapOvr>
-    <a:masterClrMapping/>
-  </p:clrMapOvr>
-</p:sld>
-</file>
-
-<file path=ppt/slides/slide30.xml><?xml version="1.0" encoding="utf-8"?>
+<file path=ppt/slides/slide31.xml><?xml version="1.0" encoding="utf-8"?>
 <p:sld xmlns:a="http://schemas.openxmlformats.org/drawingml/2006/main" xmlns:r="http://schemas.openxmlformats.org/officeDocument/2006/relationships" xmlns:p="http://schemas.openxmlformats.org/presentationml/2006/main">
   <p:cSld>
     <p:spTree>
@@ -18459,7 +19043,7 @@
 </p:sld>
 </file>
 
-<file path=ppt/slides/slide31.xml><?xml version="1.0" encoding="utf-8"?>
+<file path=ppt/slides/slide32.xml><?xml version="1.0" encoding="utf-8"?>
 <p:sld xmlns:a="http://schemas.openxmlformats.org/drawingml/2006/main" xmlns:r="http://schemas.openxmlformats.org/officeDocument/2006/relationships" xmlns:p="http://schemas.openxmlformats.org/presentationml/2006/main">
   <p:cSld>
     <p:spTree>
@@ -18820,7 +19404,7 @@
 </p:sld>
 </file>
 
-<file path=ppt/slides/slide32.xml><?xml version="1.0" encoding="utf-8"?>
+<file path=ppt/slides/slide33.xml><?xml version="1.0" encoding="utf-8"?>
 <p:sld xmlns:a="http://schemas.openxmlformats.org/drawingml/2006/main" xmlns:r="http://schemas.openxmlformats.org/officeDocument/2006/relationships" xmlns:p="http://schemas.openxmlformats.org/presentationml/2006/main">
   <p:cSld>
     <p:spTree>
@@ -19202,7 +19786,7 @@
 </p:sld>
 </file>
 
-<file path=ppt/slides/slide33.xml><?xml version="1.0" encoding="utf-8"?>
+<file path=ppt/slides/slide34.xml><?xml version="1.0" encoding="utf-8"?>
 <p:sld xmlns:a="http://schemas.openxmlformats.org/drawingml/2006/main" xmlns:r="http://schemas.openxmlformats.org/officeDocument/2006/relationships" xmlns:p="http://schemas.openxmlformats.org/presentationml/2006/main">
   <p:cSld>
     <p:spTree>
@@ -19707,7 +20291,7 @@
 </p:sld>
 </file>
 
-<file path=ppt/slides/slide34.xml><?xml version="1.0" encoding="utf-8"?>
+<file path=ppt/slides/slide35.xml><?xml version="1.0" encoding="utf-8"?>
 <p:sld xmlns:a="http://schemas.openxmlformats.org/drawingml/2006/main" xmlns:r="http://schemas.openxmlformats.org/officeDocument/2006/relationships" xmlns:p="http://schemas.openxmlformats.org/presentationml/2006/main">
   <p:cSld>
     <p:spTree>
@@ -20157,7 +20741,7 @@
 </p:sld>
 </file>
 
-<file path=ppt/slides/slide35.xml><?xml version="1.0" encoding="utf-8"?>
+<file path=ppt/slides/slide36.xml><?xml version="1.0" encoding="utf-8"?>
 <p:sld xmlns:a="http://schemas.openxmlformats.org/drawingml/2006/main" xmlns:r="http://schemas.openxmlformats.org/officeDocument/2006/relationships" xmlns:p="http://schemas.openxmlformats.org/presentationml/2006/main">
   <p:cSld>
     <p:spTree>
@@ -20290,7 +20874,7 @@
 </p:sld>
 </file>
 
-<file path=ppt/slides/slide36.xml><?xml version="1.0" encoding="utf-8"?>
+<file path=ppt/slides/slide37.xml><?xml version="1.0" encoding="utf-8"?>
 <p:sld xmlns:a="http://schemas.openxmlformats.org/drawingml/2006/main" xmlns:r="http://schemas.openxmlformats.org/officeDocument/2006/relationships" xmlns:p="http://schemas.openxmlformats.org/presentationml/2006/main">
   <p:cSld>
     <p:spTree>
@@ -20355,7 +20939,7 @@
 </p:sld>
 </file>
 
-<file path=ppt/slides/slide37.xml><?xml version="1.0" encoding="utf-8"?>
+<file path=ppt/slides/slide38.xml><?xml version="1.0" encoding="utf-8"?>
 <p:sld xmlns:a="http://schemas.openxmlformats.org/drawingml/2006/main" xmlns:r="http://schemas.openxmlformats.org/officeDocument/2006/relationships" xmlns:p="http://schemas.openxmlformats.org/presentationml/2006/main">
   <p:cSld>
     <p:spTree>
@@ -21354,7 +21938,7 @@
 </p:sld>
 </file>
 
-<file path=ppt/slides/slide38.xml><?xml version="1.0" encoding="utf-8"?>
+<file path=ppt/slides/slide39.xml><?xml version="1.0" encoding="utf-8"?>
 <p:sld xmlns:a="http://schemas.openxmlformats.org/drawingml/2006/main" xmlns:r="http://schemas.openxmlformats.org/officeDocument/2006/relationships" xmlns:p="http://schemas.openxmlformats.org/presentationml/2006/main">
   <p:cSld>
     <p:spTree>
@@ -21393,14 +21977,14 @@
           </a:ln>
           <a:extLst>
             <a:ext uri="{909E8E84-426E-40dd-AFC4-6F175D3DCCD1}">
-              <a14:hiddenFill xmlns="" xmlns:a14="http://schemas.microsoft.com/office/drawing/2010/main">
+              <a14:hiddenFill xmlns:a14="http://schemas.microsoft.com/office/drawing/2010/main" xmlns="">
                 <a:solidFill>
                   <a:srgbClr val="FFFFFF"/>
                 </a:solidFill>
               </a14:hiddenFill>
             </a:ext>
             <a:ext uri="{91240B29-F687-4f45-9708-019B960494DF}">
-              <a14:hiddenLine xmlns="" xmlns:a14="http://schemas.microsoft.com/office/drawing/2010/main" w="9525">
+              <a14:hiddenLine xmlns:a14="http://schemas.microsoft.com/office/drawing/2010/main" xmlns="" w="9525">
                 <a:solidFill>
                   <a:srgbClr val="000000"/>
                 </a:solidFill>
@@ -21410,7 +21994,7 @@
               </a14:hiddenLine>
             </a:ext>
             <a:ext uri="{FAA26D3D-D897-4be2-8F04-BA451C77F1D7}">
-              <ma14:placeholderFlag xmlns="" xmlns:ma14="http://schemas.microsoft.com/office/mac/drawingml/2011/main" val="1"/>
+              <ma14:placeholderFlag xmlns:ma14="http://schemas.microsoft.com/office/mac/drawingml/2011/main" xmlns="" val="1"/>
             </a:ext>
           </a:extLst>
         </p:spPr>
@@ -21755,71 +22339,6 @@
   <p:clrMapOvr>
     <a:masterClrMapping/>
   </p:clrMapOvr>
-</p:sld>
-</file>
-
-<file path=ppt/slides/slide39.xml><?xml version="1.0" encoding="utf-8"?>
-<p:sld xmlns:a="http://schemas.openxmlformats.org/drawingml/2006/main" xmlns:r="http://schemas.openxmlformats.org/officeDocument/2006/relationships" xmlns:p="http://schemas.openxmlformats.org/presentationml/2006/main">
-  <p:cSld>
-    <p:spTree>
-      <p:nvGrpSpPr>
-        <p:cNvPr id="1" name=""/>
-        <p:cNvGrpSpPr/>
-        <p:nvPr/>
-      </p:nvGrpSpPr>
-      <p:grpSpPr>
-        <a:xfrm>
-          <a:off x="0" y="0"/>
-          <a:ext cx="0" cy="0"/>
-          <a:chOff x="0" y="0"/>
-          <a:chExt cx="0" cy="0"/>
-        </a:xfrm>
-      </p:grpSpPr>
-      <p:sp>
-        <p:nvSpPr>
-          <p:cNvPr id="70658" name="Title 7"/>
-          <p:cNvSpPr>
-            <a:spLocks noGrp="1"/>
-          </p:cNvSpPr>
-          <p:nvPr>
-            <p:ph type="title"/>
-          </p:nvPr>
-        </p:nvSpPr>
-        <p:spPr>
-          <a:xfrm>
-            <a:off x="152400" y="5638800"/>
-            <a:ext cx="8839200" cy="685800"/>
-          </a:xfrm>
-        </p:spPr>
-        <p:txBody>
-          <a:bodyPr/>
-          <a:lstStyle/>
-          <a:p>
-            <a:pPr algn="r" eaLnBrk="1" hangingPunct="1"/>
-            <a:r>
-              <a:rPr lang="en-US" sz="8600" dirty="0">
-                <a:solidFill>
-                  <a:srgbClr val="A6A6A6"/>
-                </a:solidFill>
-                <a:latin typeface="Arial" charset="0"/>
-                <a:cs typeface="Arial" charset="0"/>
-              </a:rPr>
-              <a:t>summary</a:t>
-            </a:r>
-          </a:p>
-        </p:txBody>
-      </p:sp>
-    </p:spTree>
-    <p:extLst>
-      <p:ext uri="{BB962C8B-B14F-4D97-AF65-F5344CB8AC3E}">
-        <p14:creationId xmlns:p14="http://schemas.microsoft.com/office/powerpoint/2010/main" val="2531700950"/>
-      </p:ext>
-    </p:extLst>
-  </p:cSld>
-  <p:clrMapOvr>
-    <a:masterClrMapping/>
-  </p:clrMapOvr>
-  <p:transition/>
 </p:sld>
 </file>
 
@@ -21984,6 +22503,71 @@
 </file>
 
 <file path=ppt/slides/slide40.xml><?xml version="1.0" encoding="utf-8"?>
+<p:sld xmlns:a="http://schemas.openxmlformats.org/drawingml/2006/main" xmlns:r="http://schemas.openxmlformats.org/officeDocument/2006/relationships" xmlns:p="http://schemas.openxmlformats.org/presentationml/2006/main">
+  <p:cSld>
+    <p:spTree>
+      <p:nvGrpSpPr>
+        <p:cNvPr id="1" name=""/>
+        <p:cNvGrpSpPr/>
+        <p:nvPr/>
+      </p:nvGrpSpPr>
+      <p:grpSpPr>
+        <a:xfrm>
+          <a:off x="0" y="0"/>
+          <a:ext cx="0" cy="0"/>
+          <a:chOff x="0" y="0"/>
+          <a:chExt cx="0" cy="0"/>
+        </a:xfrm>
+      </p:grpSpPr>
+      <p:sp>
+        <p:nvSpPr>
+          <p:cNvPr id="70658" name="Title 7"/>
+          <p:cNvSpPr>
+            <a:spLocks noGrp="1"/>
+          </p:cNvSpPr>
+          <p:nvPr>
+            <p:ph type="title"/>
+          </p:nvPr>
+        </p:nvSpPr>
+        <p:spPr>
+          <a:xfrm>
+            <a:off x="152400" y="5638800"/>
+            <a:ext cx="8839200" cy="685800"/>
+          </a:xfrm>
+        </p:spPr>
+        <p:txBody>
+          <a:bodyPr/>
+          <a:lstStyle/>
+          <a:p>
+            <a:pPr algn="r" eaLnBrk="1" hangingPunct="1"/>
+            <a:r>
+              <a:rPr lang="en-US" sz="8600" dirty="0">
+                <a:solidFill>
+                  <a:srgbClr val="A6A6A6"/>
+                </a:solidFill>
+                <a:latin typeface="Arial" charset="0"/>
+                <a:cs typeface="Arial" charset="0"/>
+              </a:rPr>
+              <a:t>summary</a:t>
+            </a:r>
+          </a:p>
+        </p:txBody>
+      </p:sp>
+    </p:spTree>
+    <p:extLst>
+      <p:ext uri="{BB962C8B-B14F-4D97-AF65-F5344CB8AC3E}">
+        <p14:creationId xmlns:p14="http://schemas.microsoft.com/office/powerpoint/2010/main" val="2531700950"/>
+      </p:ext>
+    </p:extLst>
+  </p:cSld>
+  <p:clrMapOvr>
+    <a:masterClrMapping/>
+  </p:clrMapOvr>
+  <p:transition/>
+</p:sld>
+</file>
+
+<file path=ppt/slides/slide41.xml><?xml version="1.0" encoding="utf-8"?>
 <p:sld xmlns:a="http://schemas.openxmlformats.org/drawingml/2006/main" xmlns:r="http://schemas.openxmlformats.org/officeDocument/2006/relationships" xmlns:p="http://schemas.openxmlformats.org/presentationml/2006/main">
   <p:cSld>
     <p:spTree>
@@ -26457,7 +27041,7 @@
           </a:ln>
           <a:extLst>
             <a:ext uri="{91240B29-F687-4f45-9708-019B960494DF}">
-              <a14:hiddenLine xmlns:a14="http://schemas.microsoft.com/office/drawing/2010/main" xmlns="" w="9525">
+              <a14:hiddenLine xmlns="" xmlns:a14="http://schemas.microsoft.com/office/drawing/2010/main" w="9525">
                 <a:solidFill>
                   <a:srgbClr val="000000"/>
                 </a:solidFill>
@@ -26878,7 +27462,7 @@
 </p:sld>
 </file>
 
-<file path=ppt/slides/slide41.xml><?xml version="1.0" encoding="utf-8"?>
+<file path=ppt/slides/slide42.xml><?xml version="1.0" encoding="utf-8"?>
 <p:sld xmlns:a="http://schemas.openxmlformats.org/drawingml/2006/main" xmlns:r="http://schemas.openxmlformats.org/officeDocument/2006/relationships" xmlns:p="http://schemas.openxmlformats.org/presentationml/2006/main">
   <p:cSld>
     <p:spTree>
@@ -27104,7 +27688,7 @@
 </p:sld>
 </file>
 
-<file path=ppt/slides/slide42.xml><?xml version="1.0" encoding="utf-8"?>
+<file path=ppt/slides/slide43.xml><?xml version="1.0" encoding="utf-8"?>
 <p:sld xmlns:a="http://schemas.openxmlformats.org/drawingml/2006/main" xmlns:r="http://schemas.openxmlformats.org/officeDocument/2006/relationships" xmlns:p="http://schemas.openxmlformats.org/presentationml/2006/main">
   <p:cSld>
     <p:spTree>
@@ -27260,7 +27844,7 @@
 </p:sld>
 </file>
 
-<file path=ppt/slides/slide43.xml><?xml version="1.0" encoding="utf-8"?>
+<file path=ppt/slides/slide44.xml><?xml version="1.0" encoding="utf-8"?>
 <p:sld xmlns:a="http://schemas.openxmlformats.org/drawingml/2006/main" xmlns:r="http://schemas.openxmlformats.org/officeDocument/2006/relationships" xmlns:p="http://schemas.openxmlformats.org/presentationml/2006/main">
   <p:cSld>
     <p:spTree>
@@ -27707,444 +28291,6 @@
         </p:nvSpPr>
         <p:spPr bwMode="auto">
           <a:xfrm>
-            <a:off x="609600" y="838200"/>
-            <a:ext cx="8305800" cy="4140201"/>
-          </a:xfrm>
-          <a:prstGeom prst="rect">
-            <a:avLst/>
-          </a:prstGeom>
-          <a:noFill/>
-          <a:ln w="9525">
-            <a:noFill/>
-            <a:miter lim="800000"/>
-            <a:headEnd/>
-            <a:tailEnd/>
-          </a:ln>
-        </p:spPr>
-        <p:txBody>
-          <a:bodyPr/>
-          <a:lstStyle/>
-          <a:p>
-            <a:pPr lvl="0">
-              <a:spcBef>
-                <a:spcPct val="20000"/>
-              </a:spcBef>
-              <a:defRPr/>
-            </a:pPr>
-            <a:r>
-              <a:rPr lang="en-GB" sz="2400" b="0" dirty="0">
-                <a:solidFill>
-                  <a:srgbClr val="222222"/>
-                </a:solidFill>
-                <a:latin typeface="arial" panose="020B0604020202020204" pitchFamily="34" charset="0"/>
-              </a:rPr>
-              <a:t>let’s see if our theory holds with a raise of hand</a:t>
-            </a:r>
-          </a:p>
-          <a:p>
-            <a:pPr lvl="0">
-              <a:spcBef>
-                <a:spcPct val="20000"/>
-              </a:spcBef>
-              <a:defRPr/>
-            </a:pPr>
-            <a:endParaRPr lang="en-GB" sz="2400" b="0" dirty="0">
-              <a:solidFill>
-                <a:srgbClr val="222222"/>
-              </a:solidFill>
-              <a:latin typeface="arial" panose="020B0604020202020204" pitchFamily="34" charset="0"/>
-            </a:endParaRPr>
-          </a:p>
-          <a:p>
-            <a:pPr lvl="0">
-              <a:spcBef>
-                <a:spcPct val="20000"/>
-              </a:spcBef>
-              <a:defRPr/>
-            </a:pPr>
-            <a:endParaRPr lang="en-GB" sz="2400" b="0" dirty="0">
-              <a:solidFill>
-                <a:srgbClr val="222222"/>
-              </a:solidFill>
-              <a:latin typeface="arial" panose="020B0604020202020204" pitchFamily="34" charset="0"/>
-            </a:endParaRPr>
-          </a:p>
-          <a:p>
-            <a:pPr lvl="0">
-              <a:spcBef>
-                <a:spcPct val="20000"/>
-              </a:spcBef>
-              <a:defRPr/>
-            </a:pPr>
-            <a:r>
-              <a:rPr lang="en-GB" sz="2400" b="0" dirty="0">
-                <a:solidFill>
-                  <a:srgbClr val="222222"/>
-                </a:solidFill>
-                <a:latin typeface="arial" panose="020B0604020202020204" pitchFamily="34" charset="0"/>
-              </a:rPr>
-              <a:t>who like Brussel sprout?</a:t>
-            </a:r>
-          </a:p>
-          <a:p>
-            <a:pPr lvl="0">
-              <a:spcBef>
-                <a:spcPct val="20000"/>
-              </a:spcBef>
-              <a:defRPr/>
-            </a:pPr>
-            <a:endParaRPr lang="en-GB" sz="2400" b="0" kern="0" dirty="0">
-              <a:solidFill>
-                <a:srgbClr val="222222"/>
-              </a:solidFill>
-              <a:latin typeface="arial" panose="020B0604020202020204" pitchFamily="34" charset="0"/>
-              <a:ea typeface="Arial"/>
-              <a:cs typeface="Arial"/>
-            </a:endParaRPr>
-          </a:p>
-          <a:p>
-            <a:pPr lvl="0">
-              <a:spcBef>
-                <a:spcPct val="20000"/>
-              </a:spcBef>
-              <a:defRPr/>
-            </a:pPr>
-            <a:endParaRPr lang="en-GB" sz="2400" b="0" kern="0" dirty="0">
-              <a:solidFill>
-                <a:srgbClr val="222222"/>
-              </a:solidFill>
-              <a:latin typeface="arial" panose="020B0604020202020204" pitchFamily="34" charset="0"/>
-              <a:ea typeface="Arial"/>
-              <a:cs typeface="Arial"/>
-            </a:endParaRPr>
-          </a:p>
-          <a:p>
-            <a:pPr lvl="0">
-              <a:spcBef>
-                <a:spcPct val="20000"/>
-              </a:spcBef>
-              <a:defRPr/>
-            </a:pPr>
-            <a:endParaRPr lang="en-GB" sz="2400" b="0" kern="0" dirty="0">
-              <a:solidFill>
-                <a:srgbClr val="222222"/>
-              </a:solidFill>
-              <a:latin typeface="arial" panose="020B0604020202020204" pitchFamily="34" charset="0"/>
-              <a:ea typeface="Arial"/>
-              <a:cs typeface="Arial"/>
-            </a:endParaRPr>
-          </a:p>
-          <a:p>
-            <a:pPr lvl="0">
-              <a:spcBef>
-                <a:spcPct val="20000"/>
-              </a:spcBef>
-              <a:defRPr/>
-            </a:pPr>
-            <a:r>
-              <a:rPr lang="en-GB" sz="2400" b="0" kern="0" dirty="0">
-                <a:solidFill>
-                  <a:srgbClr val="222222"/>
-                </a:solidFill>
-                <a:latin typeface="arial" panose="020B0604020202020204" pitchFamily="34" charset="0"/>
-                <a:ea typeface="Arial"/>
-                <a:cs typeface="Arial"/>
-              </a:rPr>
-              <a:t>who dislike Brussel sprout?</a:t>
-            </a:r>
-            <a:endParaRPr lang="en-GB" sz="2400" kern="0" dirty="0">
-              <a:solidFill>
-                <a:srgbClr val="99CC00"/>
-              </a:solidFill>
-              <a:latin typeface="Arial"/>
-              <a:ea typeface="Arial"/>
-              <a:cs typeface="Arial"/>
-            </a:endParaRPr>
-          </a:p>
-        </p:txBody>
-      </p:sp>
-      <p:pic>
-        <p:nvPicPr>
-          <p:cNvPr id="2" name="Picture 1">
-            <a:extLst>
-              <a:ext uri="{FF2B5EF4-FFF2-40B4-BE49-F238E27FC236}">
-                <a16:creationId xmlns:a16="http://schemas.microsoft.com/office/drawing/2014/main" id="{77EE9BCC-642E-AA4B-8A7D-E6222959782B}"/>
-              </a:ext>
-            </a:extLst>
-          </p:cNvPr>
-          <p:cNvPicPr>
-            <a:picLocks noChangeAspect="1"/>
-          </p:cNvPicPr>
-          <p:nvPr/>
-        </p:nvPicPr>
-        <p:blipFill>
-          <a:blip r:embed="rId3"/>
-          <a:stretch>
-            <a:fillRect/>
-          </a:stretch>
-        </p:blipFill>
-        <p:spPr>
-          <a:xfrm>
-            <a:off x="4495800" y="1371600"/>
-            <a:ext cx="3810000" cy="1955800"/>
-          </a:xfrm>
-          <a:prstGeom prst="rect">
-            <a:avLst/>
-          </a:prstGeom>
-        </p:spPr>
-      </p:pic>
-      <p:pic>
-        <p:nvPicPr>
-          <p:cNvPr id="5" name="Picture 4">
-            <a:extLst>
-              <a:ext uri="{FF2B5EF4-FFF2-40B4-BE49-F238E27FC236}">
-                <a16:creationId xmlns:a16="http://schemas.microsoft.com/office/drawing/2014/main" id="{628B67D3-867C-AF40-B831-931F63BB8E25}"/>
-              </a:ext>
-            </a:extLst>
-          </p:cNvPr>
-          <p:cNvPicPr>
-            <a:picLocks noChangeAspect="1"/>
-          </p:cNvPicPr>
-          <p:nvPr/>
-        </p:nvPicPr>
-        <p:blipFill>
-          <a:blip r:embed="rId4"/>
-          <a:stretch>
-            <a:fillRect/>
-          </a:stretch>
-        </p:blipFill>
-        <p:spPr>
-          <a:xfrm>
-            <a:off x="5105400" y="3545763"/>
-            <a:ext cx="2971800" cy="1718388"/>
-          </a:xfrm>
-          <a:prstGeom prst="rect">
-            <a:avLst/>
-          </a:prstGeom>
-        </p:spPr>
-      </p:pic>
-    </p:spTree>
-    <p:extLst>
-      <p:ext uri="{BB962C8B-B14F-4D97-AF65-F5344CB8AC3E}">
-        <p14:creationId xmlns:p14="http://schemas.microsoft.com/office/powerpoint/2010/main" val="3366745881"/>
-      </p:ext>
-    </p:extLst>
-  </p:cSld>
-  <p:clrMapOvr>
-    <a:masterClrMapping/>
-  </p:clrMapOvr>
-  <p:timing>
-    <p:tnLst>
-      <p:par>
-        <p:cTn id="1" dur="indefinite" restart="never" nodeType="tmRoot">
-          <p:childTnLst>
-            <p:seq concurrent="1" nextAc="seek">
-              <p:cTn id="2" dur="indefinite" nodeType="mainSeq">
-                <p:childTnLst>
-                  <p:par>
-                    <p:cTn id="3" fill="hold">
-                      <p:stCondLst>
-                        <p:cond delay="indefinite"/>
-                      </p:stCondLst>
-                      <p:childTnLst>
-                        <p:par>
-                          <p:cTn id="4" fill="hold">
-                            <p:stCondLst>
-                              <p:cond delay="0"/>
-                            </p:stCondLst>
-                            <p:childTnLst>
-                              <p:par>
-                                <p:cTn id="5" presetID="1" presetClass="entr" presetSubtype="0" fill="hold" nodeType="clickEffect">
-                                  <p:stCondLst>
-                                    <p:cond delay="0"/>
-                                  </p:stCondLst>
-                                  <p:childTnLst>
-                                    <p:set>
-                                      <p:cBhvr>
-                                        <p:cTn id="6" dur="1" fill="hold">
-                                          <p:stCondLst>
-                                            <p:cond delay="0"/>
-                                          </p:stCondLst>
-                                        </p:cTn>
-                                        <p:tgtEl>
-                                          <p:spTgt spid="2"/>
-                                        </p:tgtEl>
-                                        <p:attrNameLst>
-                                          <p:attrName>style.visibility</p:attrName>
-                                        </p:attrNameLst>
-                                      </p:cBhvr>
-                                      <p:to>
-                                        <p:strVal val="visible"/>
-                                      </p:to>
-                                    </p:set>
-                                  </p:childTnLst>
-                                </p:cTn>
-                              </p:par>
-                              <p:par>
-                                <p:cTn id="7" presetID="1" presetClass="entr" presetSubtype="0" fill="hold" nodeType="withEffect">
-                                  <p:stCondLst>
-                                    <p:cond delay="0"/>
-                                  </p:stCondLst>
-                                  <p:childTnLst>
-                                    <p:set>
-                                      <p:cBhvr>
-                                        <p:cTn id="8" dur="1" fill="hold">
-                                          <p:stCondLst>
-                                            <p:cond delay="0"/>
-                                          </p:stCondLst>
-                                        </p:cTn>
-                                        <p:tgtEl>
-                                          <p:spTgt spid="6">
-                                            <p:txEl>
-                                              <p:pRg st="3" end="3"/>
-                                            </p:txEl>
-                                          </p:spTgt>
-                                        </p:tgtEl>
-                                        <p:attrNameLst>
-                                          <p:attrName>style.visibility</p:attrName>
-                                        </p:attrNameLst>
-                                      </p:cBhvr>
-                                      <p:to>
-                                        <p:strVal val="visible"/>
-                                      </p:to>
-                                    </p:set>
-                                  </p:childTnLst>
-                                </p:cTn>
-                              </p:par>
-                            </p:childTnLst>
-                          </p:cTn>
-                        </p:par>
-                      </p:childTnLst>
-                    </p:cTn>
-                  </p:par>
-                  <p:par>
-                    <p:cTn id="9" fill="hold">
-                      <p:stCondLst>
-                        <p:cond delay="indefinite"/>
-                      </p:stCondLst>
-                      <p:childTnLst>
-                        <p:par>
-                          <p:cTn id="10" fill="hold">
-                            <p:stCondLst>
-                              <p:cond delay="0"/>
-                            </p:stCondLst>
-                            <p:childTnLst>
-                              <p:par>
-                                <p:cTn id="11" presetID="1" presetClass="entr" presetSubtype="0" fill="hold" nodeType="clickEffect">
-                                  <p:stCondLst>
-                                    <p:cond delay="0"/>
-                                  </p:stCondLst>
-                                  <p:childTnLst>
-                                    <p:set>
-                                      <p:cBhvr>
-                                        <p:cTn id="12" dur="1" fill="hold">
-                                          <p:stCondLst>
-                                            <p:cond delay="0"/>
-                                          </p:stCondLst>
-                                        </p:cTn>
-                                        <p:tgtEl>
-                                          <p:spTgt spid="6">
-                                            <p:txEl>
-                                              <p:pRg st="7" end="7"/>
-                                            </p:txEl>
-                                          </p:spTgt>
-                                        </p:tgtEl>
-                                        <p:attrNameLst>
-                                          <p:attrName>style.visibility</p:attrName>
-                                        </p:attrNameLst>
-                                      </p:cBhvr>
-                                      <p:to>
-                                        <p:strVal val="visible"/>
-                                      </p:to>
-                                    </p:set>
-                                  </p:childTnLst>
-                                </p:cTn>
-                              </p:par>
-                              <p:par>
-                                <p:cTn id="13" presetID="1" presetClass="entr" presetSubtype="0" fill="hold" nodeType="withEffect">
-                                  <p:stCondLst>
-                                    <p:cond delay="0"/>
-                                  </p:stCondLst>
-                                  <p:childTnLst>
-                                    <p:set>
-                                      <p:cBhvr>
-                                        <p:cTn id="14" dur="1" fill="hold">
-                                          <p:stCondLst>
-                                            <p:cond delay="0"/>
-                                          </p:stCondLst>
-                                        </p:cTn>
-                                        <p:tgtEl>
-                                          <p:spTgt spid="5"/>
-                                        </p:tgtEl>
-                                        <p:attrNameLst>
-                                          <p:attrName>style.visibility</p:attrName>
-                                        </p:attrNameLst>
-                                      </p:cBhvr>
-                                      <p:to>
-                                        <p:strVal val="visible"/>
-                                      </p:to>
-                                    </p:set>
-                                  </p:childTnLst>
-                                </p:cTn>
-                              </p:par>
-                            </p:childTnLst>
-                          </p:cTn>
-                        </p:par>
-                      </p:childTnLst>
-                    </p:cTn>
-                  </p:par>
-                </p:childTnLst>
-              </p:cTn>
-              <p:prevCondLst>
-                <p:cond evt="onPrev" delay="0">
-                  <p:tgtEl>
-                    <p:sldTgt/>
-                  </p:tgtEl>
-                </p:cond>
-              </p:prevCondLst>
-              <p:nextCondLst>
-                <p:cond evt="onNext" delay="0">
-                  <p:tgtEl>
-                    <p:sldTgt/>
-                  </p:tgtEl>
-                </p:cond>
-              </p:nextCondLst>
-            </p:seq>
-          </p:childTnLst>
-        </p:cTn>
-      </p:par>
-    </p:tnLst>
-  </p:timing>
-</p:sld>
-</file>
-
-<file path=ppt/slides/slide8.xml><?xml version="1.0" encoding="utf-8"?>
-<p:sld xmlns:a="http://schemas.openxmlformats.org/drawingml/2006/main" xmlns:r="http://schemas.openxmlformats.org/officeDocument/2006/relationships" xmlns:p="http://schemas.openxmlformats.org/presentationml/2006/main">
-  <p:cSld>
-    <p:spTree>
-      <p:nvGrpSpPr>
-        <p:cNvPr id="1" name=""/>
-        <p:cNvGrpSpPr/>
-        <p:nvPr/>
-      </p:nvGrpSpPr>
-      <p:grpSpPr>
-        <a:xfrm>
-          <a:off x="0" y="0"/>
-          <a:ext cx="0" cy="0"/>
-          <a:chOff x="0" y="0"/>
-          <a:chExt cx="0" cy="0"/>
-        </a:xfrm>
-      </p:grpSpPr>
-      <p:sp>
-        <p:nvSpPr>
-          <p:cNvPr id="6" name="Text Placeholder 3"/>
-          <p:cNvSpPr txBox="1">
-            <a:spLocks/>
-          </p:cNvSpPr>
-          <p:nvPr/>
-        </p:nvSpPr>
-        <p:spPr bwMode="auto">
-          <a:xfrm>
             <a:off x="762000" y="609600"/>
             <a:ext cx="5410200" cy="1625601"/>
           </a:xfrm>
@@ -28257,7 +28403,7 @@
 </p:sld>
 </file>
 
-<file path=ppt/slides/slide9.xml><?xml version="1.0" encoding="utf-8"?>
+<file path=ppt/slides/slide8.xml><?xml version="1.0" encoding="utf-8"?>
 <p:sld xmlns:a="http://schemas.openxmlformats.org/drawingml/2006/main" xmlns:r="http://schemas.openxmlformats.org/officeDocument/2006/relationships" xmlns:p="http://schemas.openxmlformats.org/presentationml/2006/main">
   <p:cSld>
     <p:spTree>
@@ -28509,14 +28655,14 @@
               </a:ln>
               <a:extLst>
                 <a:ext uri="{909E8E84-426E-40dd-AFC4-6F175D3DCCD1}">
-                  <a14:hiddenFill xmlns:a14="http://schemas.microsoft.com/office/drawing/2010/main" xmlns="">
+                  <a14:hiddenFill xmlns="" xmlns:a14="http://schemas.microsoft.com/office/drawing/2010/main">
                     <a:solidFill>
                       <a:srgbClr val="FFFFFF"/>
                     </a:solidFill>
                   </a14:hiddenFill>
                 </a:ext>
                 <a:ext uri="{91240B29-F687-4f45-9708-019B960494DF}">
-                  <a14:hiddenLine xmlns:a14="http://schemas.microsoft.com/office/drawing/2010/main" xmlns="" w="9525">
+                  <a14:hiddenLine xmlns="" xmlns:a14="http://schemas.microsoft.com/office/drawing/2010/main" w="9525">
                     <a:solidFill>
                       <a:srgbClr val="000000"/>
                     </a:solidFill>
@@ -28526,7 +28672,7 @@
                   </a14:hiddenLine>
                 </a:ext>
                 <a:ext uri="{FAA26D3D-D897-4be2-8F04-BA451C77F1D7}">
-                  <ma14:placeholderFlag xmlns:ma14="http://schemas.microsoft.com/office/mac/drawingml/2011/main" xmlns="" val="1"/>
+                  <ma14:placeholderFlag xmlns="" xmlns:ma14="http://schemas.microsoft.com/office/mac/drawingml/2011/main" val="1"/>
                 </a:ext>
               </a:extLst>
             </p:spPr>
@@ -28838,14 +28984,14 @@
               </a:ln>
               <a:extLst>
                 <a:ext uri="{909E8E84-426E-40dd-AFC4-6F175D3DCCD1}">
-                  <a14:hiddenFill xmlns:a14="http://schemas.microsoft.com/office/drawing/2010/main" xmlns="">
+                  <a14:hiddenFill xmlns="" xmlns:a14="http://schemas.microsoft.com/office/drawing/2010/main">
                     <a:solidFill>
                       <a:srgbClr val="FFFFFF"/>
                     </a:solidFill>
                   </a14:hiddenFill>
                 </a:ext>
                 <a:ext uri="{91240B29-F687-4f45-9708-019B960494DF}">
-                  <a14:hiddenLine xmlns:a14="http://schemas.microsoft.com/office/drawing/2010/main" xmlns="" w="9525">
+                  <a14:hiddenLine xmlns="" xmlns:a14="http://schemas.microsoft.com/office/drawing/2010/main" w="9525">
                     <a:solidFill>
                       <a:srgbClr val="000000"/>
                     </a:solidFill>
@@ -28855,7 +29001,7 @@
                   </a14:hiddenLine>
                 </a:ext>
                 <a:ext uri="{FAA26D3D-D897-4be2-8F04-BA451C77F1D7}">
-                  <ma14:placeholderFlag xmlns:ma14="http://schemas.microsoft.com/office/mac/drawingml/2011/main" xmlns="" val="1"/>
+                  <ma14:placeholderFlag xmlns="" xmlns:ma14="http://schemas.microsoft.com/office/mac/drawingml/2011/main" val="1"/>
                 </a:ext>
               </a:extLst>
             </p:spPr>
@@ -29631,6 +29777,356 @@
       </p:par>
     </p:tnLst>
   </p:timing>
+</p:sld>
+</file>
+
+<file path=ppt/slides/slide9.xml><?xml version="1.0" encoding="utf-8"?>
+<p:sld xmlns:a="http://schemas.openxmlformats.org/drawingml/2006/main" xmlns:r="http://schemas.openxmlformats.org/officeDocument/2006/relationships" xmlns:p="http://schemas.openxmlformats.org/presentationml/2006/main">
+  <p:cSld>
+    <p:spTree>
+      <p:nvGrpSpPr>
+        <p:cNvPr id="1" name=""/>
+        <p:cNvGrpSpPr/>
+        <p:nvPr/>
+      </p:nvGrpSpPr>
+      <p:grpSpPr>
+        <a:xfrm>
+          <a:off x="0" y="0"/>
+          <a:ext cx="0" cy="0"/>
+          <a:chOff x="0" y="0"/>
+          <a:chExt cx="0" cy="0"/>
+        </a:xfrm>
+      </p:grpSpPr>
+      <p:sp>
+        <p:nvSpPr>
+          <p:cNvPr id="3" name="Text Placeholder 3">
+            <a:extLst>
+              <a:ext uri="{FF2B5EF4-FFF2-40B4-BE49-F238E27FC236}">
+                <a16:creationId xmlns:a16="http://schemas.microsoft.com/office/drawing/2014/main" id="{C49EA165-9DDA-CA4A-A91B-90684F96664B}"/>
+              </a:ext>
+            </a:extLst>
+          </p:cNvPr>
+          <p:cNvSpPr txBox="1">
+            <a:spLocks/>
+          </p:cNvSpPr>
+          <p:nvPr/>
+        </p:nvSpPr>
+        <p:spPr bwMode="auto">
+          <a:xfrm>
+            <a:off x="609600" y="609600"/>
+            <a:ext cx="8305800" cy="4140201"/>
+          </a:xfrm>
+          <a:prstGeom prst="rect">
+            <a:avLst/>
+          </a:prstGeom>
+          <a:noFill/>
+          <a:ln w="9525">
+            <a:noFill/>
+            <a:miter lim="800000"/>
+            <a:headEnd/>
+            <a:tailEnd/>
+          </a:ln>
+        </p:spPr>
+        <p:txBody>
+          <a:bodyPr/>
+          <a:lstStyle/>
+          <a:p>
+            <a:pPr lvl="0">
+              <a:spcBef>
+                <a:spcPct val="20000"/>
+              </a:spcBef>
+              <a:defRPr/>
+            </a:pPr>
+            <a:r>
+              <a:rPr lang="en-GB" sz="2400" b="0" dirty="0">
+                <a:solidFill>
+                  <a:srgbClr val="222222"/>
+                </a:solidFill>
+                <a:latin typeface="arial" panose="020B0604020202020204" pitchFamily="34" charset="0"/>
+              </a:rPr>
+              <a:t>now, like with all the test we have seen, we look into a table, here the Chi-square table)</a:t>
+            </a:r>
+            <a:endParaRPr lang="en-GB" sz="2400" kern="0" dirty="0">
+              <a:solidFill>
+                <a:srgbClr val="99CC00"/>
+              </a:solidFill>
+              <a:latin typeface="Arial"/>
+              <a:ea typeface="Arial"/>
+              <a:cs typeface="Arial"/>
+            </a:endParaRPr>
+          </a:p>
+        </p:txBody>
+      </p:sp>
+      <p:pic>
+        <p:nvPicPr>
+          <p:cNvPr id="5" name="Picture 4">
+            <a:extLst>
+              <a:ext uri="{FF2B5EF4-FFF2-40B4-BE49-F238E27FC236}">
+                <a16:creationId xmlns:a16="http://schemas.microsoft.com/office/drawing/2014/main" id="{77C6AF9A-24FE-9649-B0A7-96776AC4FC9B}"/>
+              </a:ext>
+            </a:extLst>
+          </p:cNvPr>
+          <p:cNvPicPr>
+            <a:picLocks noChangeAspect="1"/>
+          </p:cNvPicPr>
+          <p:nvPr/>
+        </p:nvPicPr>
+        <p:blipFill rotWithShape="1">
+          <a:blip r:embed="rId3"/>
+          <a:srcRect b="7143"/>
+          <a:stretch/>
+        </p:blipFill>
+        <p:spPr>
+          <a:xfrm>
+            <a:off x="618067" y="1752600"/>
+            <a:ext cx="5589351" cy="4953000"/>
+          </a:xfrm>
+          <a:prstGeom prst="rect">
+            <a:avLst/>
+          </a:prstGeom>
+        </p:spPr>
+      </p:pic>
+      <p:sp>
+        <p:nvSpPr>
+          <p:cNvPr id="6" name="Rounded Rectangle 5">
+            <a:extLst>
+              <a:ext uri="{FF2B5EF4-FFF2-40B4-BE49-F238E27FC236}">
+                <a16:creationId xmlns:a16="http://schemas.microsoft.com/office/drawing/2014/main" id="{AD553110-7389-5F49-BFE2-B1165464B37C}"/>
+              </a:ext>
+            </a:extLst>
+          </p:cNvPr>
+          <p:cNvSpPr/>
+          <p:nvPr/>
+        </p:nvSpPr>
+        <p:spPr bwMode="auto">
+          <a:xfrm>
+            <a:off x="1295400" y="3276600"/>
+            <a:ext cx="533400" cy="304800"/>
+          </a:xfrm>
+          <a:prstGeom prst="roundRect">
+            <a:avLst/>
+          </a:prstGeom>
+          <a:noFill/>
+          <a:ln w="63500" cap="flat" cmpd="sng" algn="ctr">
+            <a:solidFill>
+              <a:srgbClr val="99CC00"/>
+            </a:solidFill>
+            <a:prstDash val="solid"/>
+            <a:round/>
+            <a:headEnd type="none" w="med" len="med"/>
+            <a:tailEnd type="none" w="med" len="med"/>
+          </a:ln>
+          <a:effectLst/>
+        </p:spPr>
+        <p:txBody>
+          <a:bodyPr vert="horz" wrap="square" lIns="91440" tIns="45720" rIns="91440" bIns="45720" numCol="1" rtlCol="0" anchor="t" anchorCtr="0" compatLnSpc="1">
+            <a:prstTxWarp prst="textNoShape">
+              <a:avLst/>
+            </a:prstTxWarp>
+          </a:bodyPr>
+          <a:lstStyle/>
+          <a:p>
+            <a:pPr marL="0" marR="0" indent="0" algn="l" defTabSz="914400" rtl="0" eaLnBrk="1" fontAlgn="base" latinLnBrk="0" hangingPunct="1">
+              <a:lnSpc>
+                <a:spcPct val="100000"/>
+              </a:lnSpc>
+              <a:spcBef>
+                <a:spcPct val="0"/>
+              </a:spcBef>
+              <a:spcAft>
+                <a:spcPct val="0"/>
+              </a:spcAft>
+              <a:buClrTx/>
+              <a:buSzTx/>
+              <a:buFontTx/>
+              <a:buNone/>
+              <a:tabLst/>
+            </a:pPr>
+            <a:endParaRPr kumimoji="0" lang="en-US" sz="1800" b="1" i="0" u="none" strike="noStrike" cap="none" normalizeH="0" baseline="0">
+              <a:ln>
+                <a:noFill/>
+              </a:ln>
+              <a:solidFill>
+                <a:schemeClr val="tx1"/>
+              </a:solidFill>
+              <a:effectLst/>
+              <a:latin typeface="Arial" pitchFamily="-112" charset="0"/>
+              <a:ea typeface="Arial" pitchFamily="-112" charset="0"/>
+              <a:cs typeface="Arial" pitchFamily="-112" charset="0"/>
+            </a:endParaRPr>
+          </a:p>
+        </p:txBody>
+      </p:sp>
+      <p:sp>
+        <p:nvSpPr>
+          <p:cNvPr id="7" name="Freeform 6">
+            <a:extLst>
+              <a:ext uri="{FF2B5EF4-FFF2-40B4-BE49-F238E27FC236}">
+                <a16:creationId xmlns:a16="http://schemas.microsoft.com/office/drawing/2014/main" id="{C6F60561-D926-EF47-8DD4-9D1219278C3D}"/>
+              </a:ext>
+            </a:extLst>
+          </p:cNvPr>
+          <p:cNvSpPr/>
+          <p:nvPr/>
+        </p:nvSpPr>
+        <p:spPr bwMode="auto">
+          <a:xfrm>
+            <a:off x="1828801" y="2667001"/>
+            <a:ext cx="4739578" cy="702856"/>
+          </a:xfrm>
+          <a:custGeom>
+            <a:avLst/>
+            <a:gdLst>
+              <a:gd name="connsiteX0" fmla="*/ 0 w 736979"/>
+              <a:gd name="connsiteY0" fmla="*/ 516397 h 516397"/>
+              <a:gd name="connsiteX1" fmla="*/ 423081 w 736979"/>
+              <a:gd name="connsiteY1" fmla="*/ 66021 h 516397"/>
+              <a:gd name="connsiteX2" fmla="*/ 736979 w 736979"/>
+              <a:gd name="connsiteY2" fmla="*/ 11430 h 516397"/>
+            </a:gdLst>
+            <a:ahLst/>
+            <a:cxnLst>
+              <a:cxn ang="0">
+                <a:pos x="connsiteX0" y="connsiteY0"/>
+              </a:cxn>
+              <a:cxn ang="0">
+                <a:pos x="connsiteX1" y="connsiteY1"/>
+              </a:cxn>
+              <a:cxn ang="0">
+                <a:pos x="connsiteX2" y="connsiteY2"/>
+              </a:cxn>
+            </a:cxnLst>
+            <a:rect l="l" t="t" r="r" b="b"/>
+            <a:pathLst>
+              <a:path w="736979" h="516397">
+                <a:moveTo>
+                  <a:pt x="0" y="516397"/>
+                </a:moveTo>
+                <a:cubicBezTo>
+                  <a:pt x="150125" y="333289"/>
+                  <a:pt x="300251" y="150182"/>
+                  <a:pt x="423081" y="66021"/>
+                </a:cubicBezTo>
+                <a:cubicBezTo>
+                  <a:pt x="545911" y="-18140"/>
+                  <a:pt x="641445" y="-3355"/>
+                  <a:pt x="736979" y="11430"/>
+                </a:cubicBezTo>
+              </a:path>
+            </a:pathLst>
+          </a:custGeom>
+          <a:noFill/>
+          <a:ln w="9525" cap="flat" cmpd="sng" algn="ctr">
+            <a:solidFill>
+              <a:schemeClr val="tx1"/>
+            </a:solidFill>
+            <a:prstDash val="dash"/>
+            <a:round/>
+            <a:headEnd type="none" w="med" len="med"/>
+            <a:tailEnd type="none" w="med" len="med"/>
+          </a:ln>
+          <a:effectLst/>
+        </p:spPr>
+        <p:txBody>
+          <a:bodyPr vert="horz" wrap="square" lIns="91440" tIns="45720" rIns="91440" bIns="45720" numCol="1" rtlCol="0" anchor="t" anchorCtr="0" compatLnSpc="1">
+            <a:prstTxWarp prst="textNoShape">
+              <a:avLst/>
+            </a:prstTxWarp>
+          </a:bodyPr>
+          <a:lstStyle/>
+          <a:p>
+            <a:pPr marL="0" marR="0" indent="0" algn="l" defTabSz="914400" rtl="0" eaLnBrk="1" fontAlgn="base" latinLnBrk="0" hangingPunct="1">
+              <a:lnSpc>
+                <a:spcPct val="100000"/>
+              </a:lnSpc>
+              <a:spcBef>
+                <a:spcPct val="0"/>
+              </a:spcBef>
+              <a:spcAft>
+                <a:spcPct val="0"/>
+              </a:spcAft>
+              <a:buClrTx/>
+              <a:buSzTx/>
+              <a:buFontTx/>
+              <a:buNone/>
+              <a:tabLst/>
+            </a:pPr>
+            <a:endParaRPr kumimoji="0" lang="en-US" sz="1800" b="1" i="0" u="none" strike="noStrike" cap="none" normalizeH="0" baseline="0">
+              <a:ln>
+                <a:noFill/>
+              </a:ln>
+              <a:solidFill>
+                <a:schemeClr val="tx1"/>
+              </a:solidFill>
+              <a:effectLst/>
+              <a:latin typeface="Arial" pitchFamily="-112" charset="0"/>
+              <a:ea typeface="Arial" pitchFamily="-112" charset="0"/>
+              <a:cs typeface="Arial" pitchFamily="-112" charset="0"/>
+            </a:endParaRPr>
+          </a:p>
+        </p:txBody>
+      </p:sp>
+      <p:sp>
+        <p:nvSpPr>
+          <p:cNvPr id="8" name="Rectangle 7">
+            <a:extLst>
+              <a:ext uri="{FF2B5EF4-FFF2-40B4-BE49-F238E27FC236}">
+                <a16:creationId xmlns:a16="http://schemas.microsoft.com/office/drawing/2014/main" id="{E95756B7-E2E6-DD46-B035-7A4B2B6E76B5}"/>
+              </a:ext>
+            </a:extLst>
+          </p:cNvPr>
+          <p:cNvSpPr/>
+          <p:nvPr/>
+        </p:nvSpPr>
+        <p:spPr>
+          <a:xfrm>
+            <a:off x="6568378" y="2723526"/>
+            <a:ext cx="2505814" cy="646331"/>
+          </a:xfrm>
+          <a:prstGeom prst="rect">
+            <a:avLst/>
+          </a:prstGeom>
+        </p:spPr>
+        <p:txBody>
+          <a:bodyPr wrap="none">
+            <a:spAutoFit/>
+          </a:bodyPr>
+          <a:lstStyle/>
+          <a:p>
+            <a:r>
+              <a:rPr lang="en-GB" b="0" dirty="0">
+                <a:solidFill>
+                  <a:srgbClr val="222222"/>
+                </a:solidFill>
+                <a:latin typeface="arial" panose="020B0604020202020204" pitchFamily="34" charset="0"/>
+              </a:rPr>
+              <a:t>degree of freedom DF </a:t>
+            </a:r>
+          </a:p>
+          <a:p>
+            <a:r>
+              <a:rPr lang="en-GB" b="0" dirty="0">
+                <a:solidFill>
+                  <a:srgbClr val="222222"/>
+                </a:solidFill>
+                <a:latin typeface="arial" panose="020B0604020202020204" pitchFamily="34" charset="0"/>
+              </a:rPr>
+              <a:t>= number of group - 1</a:t>
+            </a:r>
+            <a:endParaRPr lang="en-US" dirty="0"/>
+          </a:p>
+        </p:txBody>
+      </p:sp>
+    </p:spTree>
+    <p:extLst>
+      <p:ext uri="{BB962C8B-B14F-4D97-AF65-F5344CB8AC3E}">
+        <p14:creationId xmlns:p14="http://schemas.microsoft.com/office/powerpoint/2010/main" val="990600431"/>
+      </p:ext>
+    </p:extLst>
+  </p:cSld>
+  <p:clrMapOvr>
+    <a:masterClrMapping/>
+  </p:clrMapOvr>
 </p:sld>
 </file>
 
